--- a/Лекция 1.pptx
+++ b/Лекция 1.pptx
@@ -20,16 +20,17 @@
     <p:sldId id="277" r:id="rId14"/>
     <p:sldId id="275" r:id="rId15"/>
     <p:sldId id="272" r:id="rId16"/>
-    <p:sldId id="273" r:id="rId17"/>
-    <p:sldId id="282" r:id="rId18"/>
-    <p:sldId id="274" r:id="rId19"/>
-    <p:sldId id="281" r:id="rId20"/>
-    <p:sldId id="280" r:id="rId21"/>
-    <p:sldId id="279" r:id="rId22"/>
-    <p:sldId id="265" r:id="rId23"/>
-    <p:sldId id="276" r:id="rId24"/>
-    <p:sldId id="259" r:id="rId25"/>
-    <p:sldId id="260" r:id="rId26"/>
+    <p:sldId id="283" r:id="rId17"/>
+    <p:sldId id="273" r:id="rId18"/>
+    <p:sldId id="282" r:id="rId19"/>
+    <p:sldId id="274" r:id="rId20"/>
+    <p:sldId id="281" r:id="rId21"/>
+    <p:sldId id="280" r:id="rId22"/>
+    <p:sldId id="279" r:id="rId23"/>
+    <p:sldId id="265" r:id="rId24"/>
+    <p:sldId id="276" r:id="rId25"/>
+    <p:sldId id="259" r:id="rId26"/>
+    <p:sldId id="260" r:id="rId27"/>
   </p:sldIdLst>
   <p:sldSz cx="12192000" cy="6858000"/>
   <p:notesSz cx="6858000" cy="9144000"/>
@@ -267,7 +268,7 @@
           <a:p>
             <a:fld id="{9F4DF3D0-C105-404D-A43B-7CBA1B97B744}" type="datetimeFigureOut">
               <a:rPr lang="ru-RU" smtClean="0"/>
-              <a:t>11.08.2020</a:t>
+              <a:t>01.09.2020</a:t>
             </a:fld>
             <a:endParaRPr lang="ru-RU"/>
           </a:p>
@@ -437,7 +438,7 @@
           <a:p>
             <a:fld id="{9F4DF3D0-C105-404D-A43B-7CBA1B97B744}" type="datetimeFigureOut">
               <a:rPr lang="ru-RU" smtClean="0"/>
-              <a:t>11.08.2020</a:t>
+              <a:t>01.09.2020</a:t>
             </a:fld>
             <a:endParaRPr lang="ru-RU"/>
           </a:p>
@@ -617,7 +618,7 @@
           <a:p>
             <a:fld id="{9F4DF3D0-C105-404D-A43B-7CBA1B97B744}" type="datetimeFigureOut">
               <a:rPr lang="ru-RU" smtClean="0"/>
-              <a:t>11.08.2020</a:t>
+              <a:t>01.09.2020</a:t>
             </a:fld>
             <a:endParaRPr lang="ru-RU"/>
           </a:p>
@@ -787,7 +788,7 @@
           <a:p>
             <a:fld id="{9F4DF3D0-C105-404D-A43B-7CBA1B97B744}" type="datetimeFigureOut">
               <a:rPr lang="ru-RU" smtClean="0"/>
-              <a:t>11.08.2020</a:t>
+              <a:t>01.09.2020</a:t>
             </a:fld>
             <a:endParaRPr lang="ru-RU"/>
           </a:p>
@@ -1033,7 +1034,7 @@
           <a:p>
             <a:fld id="{9F4DF3D0-C105-404D-A43B-7CBA1B97B744}" type="datetimeFigureOut">
               <a:rPr lang="ru-RU" smtClean="0"/>
-              <a:t>11.08.2020</a:t>
+              <a:t>01.09.2020</a:t>
             </a:fld>
             <a:endParaRPr lang="ru-RU"/>
           </a:p>
@@ -1265,7 +1266,7 @@
           <a:p>
             <a:fld id="{9F4DF3D0-C105-404D-A43B-7CBA1B97B744}" type="datetimeFigureOut">
               <a:rPr lang="ru-RU" smtClean="0"/>
-              <a:t>11.08.2020</a:t>
+              <a:t>01.09.2020</a:t>
             </a:fld>
             <a:endParaRPr lang="ru-RU"/>
           </a:p>
@@ -1632,7 +1633,7 @@
           <a:p>
             <a:fld id="{9F4DF3D0-C105-404D-A43B-7CBA1B97B744}" type="datetimeFigureOut">
               <a:rPr lang="ru-RU" smtClean="0"/>
-              <a:t>11.08.2020</a:t>
+              <a:t>01.09.2020</a:t>
             </a:fld>
             <a:endParaRPr lang="ru-RU"/>
           </a:p>
@@ -1750,7 +1751,7 @@
           <a:p>
             <a:fld id="{9F4DF3D0-C105-404D-A43B-7CBA1B97B744}" type="datetimeFigureOut">
               <a:rPr lang="ru-RU" smtClean="0"/>
-              <a:t>11.08.2020</a:t>
+              <a:t>01.09.2020</a:t>
             </a:fld>
             <a:endParaRPr lang="ru-RU"/>
           </a:p>
@@ -1845,7 +1846,7 @@
           <a:p>
             <a:fld id="{9F4DF3D0-C105-404D-A43B-7CBA1B97B744}" type="datetimeFigureOut">
               <a:rPr lang="ru-RU" smtClean="0"/>
-              <a:t>11.08.2020</a:t>
+              <a:t>01.09.2020</a:t>
             </a:fld>
             <a:endParaRPr lang="ru-RU"/>
           </a:p>
@@ -2122,7 +2123,7 @@
           <a:p>
             <a:fld id="{9F4DF3D0-C105-404D-A43B-7CBA1B97B744}" type="datetimeFigureOut">
               <a:rPr lang="ru-RU" smtClean="0"/>
-              <a:t>11.08.2020</a:t>
+              <a:t>01.09.2020</a:t>
             </a:fld>
             <a:endParaRPr lang="ru-RU"/>
           </a:p>
@@ -2375,7 +2376,7 @@
           <a:p>
             <a:fld id="{9F4DF3D0-C105-404D-A43B-7CBA1B97B744}" type="datetimeFigureOut">
               <a:rPr lang="ru-RU" smtClean="0"/>
-              <a:t>11.08.2020</a:t>
+              <a:t>01.09.2020</a:t>
             </a:fld>
             <a:endParaRPr lang="ru-RU"/>
           </a:p>
@@ -2588,7 +2589,7 @@
           <a:p>
             <a:fld id="{9F4DF3D0-C105-404D-A43B-7CBA1B97B744}" type="datetimeFigureOut">
               <a:rPr lang="ru-RU" smtClean="0"/>
-              <a:t>11.08.2020</a:t>
+              <a:t>01.09.2020</a:t>
             </a:fld>
             <a:endParaRPr lang="ru-RU"/>
           </a:p>
@@ -3696,7 +3697,6 @@
               <a:rPr lang="ru-RU" dirty="0" smtClean="0"/>
               <a:t>Структурирование и оцифровка данных.</a:t>
             </a:r>
-            <a:endParaRPr lang="ru-RU" dirty="0" smtClean="0"/>
           </a:p>
           <a:p>
             <a:r>
@@ -3709,7 +3709,6 @@
               <a:rPr lang="ru-RU" dirty="0" smtClean="0"/>
               <a:t>Обогащение данных.</a:t>
             </a:r>
-            <a:endParaRPr lang="ru-RU" dirty="0" smtClean="0"/>
           </a:p>
           <a:p>
             <a:r>
@@ -3726,13 +3725,8 @@
             </a:r>
             <a:r>
               <a:rPr lang="ru-RU" dirty="0" smtClean="0"/>
-              <a:t> и тестовой </a:t>
-            </a:r>
-            <a:r>
-              <a:rPr lang="ru-RU" dirty="0" smtClean="0"/>
-              <a:t>выборок.</a:t>
-            </a:r>
-            <a:endParaRPr lang="ru-RU" dirty="0" smtClean="0"/>
+              <a:t> и тестовой выборок.</a:t>
+            </a:r>
           </a:p>
         </p:txBody>
       </p:sp>
@@ -3955,8 +3949,28 @@
           <a:p>
             <a:r>
               <a:rPr lang="ru-RU" dirty="0" smtClean="0"/>
-              <a:t>Повторение шагов:</a:t>
-            </a:r>
+              <a:t>Повторение шагов</a:t>
+            </a:r>
+            <a:r>
+              <a:rPr lang="ru-RU" dirty="0" smtClean="0"/>
+              <a:t>:</a:t>
+            </a:r>
+          </a:p>
+          <a:p>
+            <a:pPr lvl="1"/>
+            <a:r>
+              <a:rPr lang="ru-RU" dirty="0" smtClean="0"/>
+              <a:t>Задание значений </a:t>
+            </a:r>
+            <a:r>
+              <a:rPr lang="ru-RU" dirty="0" err="1" smtClean="0"/>
+              <a:t>гиперпараметров</a:t>
+            </a:r>
+            <a:r>
+              <a:rPr lang="ru-RU" dirty="0" smtClean="0"/>
+              <a:t>.</a:t>
+            </a:r>
+            <a:endParaRPr lang="ru-RU" dirty="0" smtClean="0"/>
           </a:p>
           <a:p>
             <a:pPr lvl="1"/>
@@ -4056,8 +4070,13 @@
           <a:p>
             <a:r>
               <a:rPr lang="ru-RU" dirty="0" smtClean="0"/>
-              <a:t>Построение моделей.</a:t>
-            </a:r>
+              <a:t>Построение </a:t>
+            </a:r>
+            <a:r>
+              <a:rPr lang="ru-RU" dirty="0" smtClean="0"/>
+              <a:t>моделей (определение значений параметров моделей).</a:t>
+            </a:r>
+            <a:endParaRPr lang="ru-RU" dirty="0" smtClean="0"/>
           </a:p>
           <a:p>
             <a:r>
@@ -4070,31 +4089,15 @@
               <a:rPr lang="ru-RU" dirty="0" smtClean="0"/>
               <a:t>Сравнение моделей.</a:t>
             </a:r>
-            <a:endParaRPr lang="ru-RU" dirty="0" smtClean="0"/>
-          </a:p>
-          <a:p>
-            <a:r>
-              <a:rPr lang="ru-RU" dirty="0" smtClean="0"/>
-              <a:t>Настройка </a:t>
-            </a:r>
-            <a:r>
-              <a:rPr lang="ru-RU" dirty="0" err="1" smtClean="0"/>
-              <a:t>гиперпараметров</a:t>
-            </a:r>
-            <a:r>
-              <a:rPr lang="ru-RU" dirty="0" smtClean="0"/>
-              <a:t>.</a:t>
-            </a:r>
-            <a:endParaRPr lang="ru-RU" dirty="0" smtClean="0"/>
-          </a:p>
-          <a:p>
-            <a:r>
-              <a:rPr lang="ru-RU" dirty="0" smtClean="0"/>
-              <a:t>Выбор итоговой модели</a:t>
-            </a:r>
-            <a:r>
-              <a:rPr lang="ru-RU" dirty="0" smtClean="0"/>
-              <a:t>.</a:t>
+          </a:p>
+          <a:p>
+            <a:r>
+              <a:rPr lang="ru-RU" dirty="0" smtClean="0"/>
+              <a:t>Выбор </a:t>
+            </a:r>
+            <a:r>
+              <a:rPr lang="ru-RU" dirty="0" smtClean="0"/>
+              <a:t>итоговой модели.</a:t>
             </a:r>
           </a:p>
           <a:p>
@@ -4151,8 +4154,93 @@
           <a:lstStyle/>
           <a:p>
             <a:r>
-              <a:rPr lang="ru-RU" dirty="0" smtClean="0"/>
-              <a:t>Переобучение модели</a:t>
+              <a:rPr lang="ru-RU" dirty="0"/>
+              <a:t>Как работает машинное обучение?</a:t>
+            </a:r>
+          </a:p>
+        </p:txBody>
+      </p:sp>
+      <p:sp>
+        <p:nvSpPr>
+          <p:cNvPr id="4" name="Стрелка вправо 3"/>
+          <p:cNvSpPr/>
+          <p:nvPr/>
+        </p:nvSpPr>
+        <p:spPr>
+          <a:xfrm>
+            <a:off x="838200" y="5628904"/>
+            <a:ext cx="10515599" cy="924019"/>
+          </a:xfrm>
+          <a:prstGeom prst="rightArrow">
+            <a:avLst/>
+          </a:prstGeom>
+        </p:spPr>
+        <p:style>
+          <a:lnRef idx="1">
+            <a:schemeClr val="accent1"/>
+          </a:lnRef>
+          <a:fillRef idx="2">
+            <a:schemeClr val="accent1"/>
+          </a:fillRef>
+          <a:effectRef idx="1">
+            <a:schemeClr val="accent1"/>
+          </a:effectRef>
+          <a:fontRef idx="minor">
+            <a:schemeClr val="dk1"/>
+          </a:fontRef>
+        </p:style>
+        <p:txBody>
+          <a:bodyPr rtlCol="0" anchor="ctr"/>
+          <a:lstStyle/>
+          <a:p>
+            <a:pPr algn="ctr"/>
+            <a:r>
+              <a:rPr lang="ru-RU" sz="3600" dirty="0" smtClean="0"/>
+              <a:t>Время</a:t>
+            </a:r>
+            <a:endParaRPr lang="ru-RU" sz="3600" dirty="0"/>
+          </a:p>
+        </p:txBody>
+      </p:sp>
+      <p:sp>
+        <p:nvSpPr>
+          <p:cNvPr id="5" name="Прямоугольник 4"/>
+          <p:cNvSpPr/>
+          <p:nvPr/>
+        </p:nvSpPr>
+        <p:spPr>
+          <a:xfrm>
+            <a:off x="930827" y="3122022"/>
+            <a:ext cx="1121229" cy="950026"/>
+          </a:xfrm>
+          <a:prstGeom prst="rect">
+            <a:avLst/>
+          </a:prstGeom>
+        </p:spPr>
+        <p:style>
+          <a:lnRef idx="2">
+            <a:schemeClr val="accent1">
+              <a:shade val="50000"/>
+            </a:schemeClr>
+          </a:lnRef>
+          <a:fillRef idx="1">
+            <a:schemeClr val="accent1"/>
+          </a:fillRef>
+          <a:effectRef idx="0">
+            <a:schemeClr val="accent1"/>
+          </a:effectRef>
+          <a:fontRef idx="minor">
+            <a:schemeClr val="lt1"/>
+          </a:fontRef>
+        </p:style>
+        <p:txBody>
+          <a:bodyPr rtlCol="0" anchor="ctr"/>
+          <a:lstStyle/>
+          <a:p>
+            <a:pPr algn="ctr"/>
+            <a:r>
+              <a:rPr lang="ru-RU" dirty="0" smtClean="0"/>
+              <a:t>Данные</a:t>
             </a:r>
             <a:endParaRPr lang="ru-RU" dirty="0"/>
           </a:p>
@@ -4160,72 +4248,328 @@
       </p:sp>
       <p:sp>
         <p:nvSpPr>
-          <p:cNvPr id="3" name="Объект 2"/>
-          <p:cNvSpPr>
-            <a:spLocks noGrp="1"/>
-          </p:cNvSpPr>
-          <p:nvPr>
-            <p:ph idx="1"/>
-          </p:nvPr>
-        </p:nvSpPr>
-        <p:spPr/>
-        <p:txBody>
-          <a:bodyPr/>
-          <a:lstStyle/>
-          <a:p>
-            <a:pPr marL="0" indent="0">
-              <a:buNone/>
-            </a:pPr>
-            <a:r>
-              <a:rPr lang="ru-RU" dirty="0" smtClean="0"/>
-              <a:t>Данные = «полезные» данные  + шум</a:t>
-            </a:r>
-          </a:p>
-          <a:p>
-            <a:pPr marL="0" indent="0">
-              <a:buNone/>
-            </a:pPr>
+          <p:cNvPr id="7" name="Прямоугольник 6"/>
+          <p:cNvSpPr/>
+          <p:nvPr/>
+        </p:nvSpPr>
+        <p:spPr>
+          <a:xfrm>
+            <a:off x="2873828" y="3146602"/>
+            <a:ext cx="1425039" cy="914400"/>
+          </a:xfrm>
+          <a:prstGeom prst="rect">
+            <a:avLst/>
+          </a:prstGeom>
+        </p:spPr>
+        <p:style>
+          <a:lnRef idx="2">
+            <a:schemeClr val="accent1">
+              <a:shade val="50000"/>
+            </a:schemeClr>
+          </a:lnRef>
+          <a:fillRef idx="1">
+            <a:schemeClr val="accent1"/>
+          </a:fillRef>
+          <a:effectRef idx="0">
+            <a:schemeClr val="accent1"/>
+          </a:effectRef>
+          <a:fontRef idx="minor">
+            <a:schemeClr val="lt1"/>
+          </a:fontRef>
+        </p:style>
+        <p:txBody>
+          <a:bodyPr rtlCol="0" anchor="ctr"/>
+          <a:lstStyle/>
+          <a:p>
+            <a:pPr algn="ctr"/>
+            <a:r>
+              <a:rPr lang="ru-RU" dirty="0" smtClean="0"/>
+              <a:t>Алгоритм</a:t>
+            </a:r>
             <a:endParaRPr lang="ru-RU" dirty="0"/>
           </a:p>
-          <a:p>
-            <a:pPr marL="0" indent="0">
-              <a:buNone/>
-            </a:pPr>
-            <a:r>
-              <a:rPr lang="ru-RU" dirty="0" smtClean="0"/>
-              <a:t>Переобученная модель не отличает шум от полезных данных.</a:t>
-            </a:r>
-          </a:p>
-          <a:p>
-            <a:pPr marL="0" indent="0">
-              <a:buNone/>
-            </a:pPr>
-            <a:endParaRPr lang="ru-RU" dirty="0" smtClean="0"/>
-          </a:p>
-          <a:p>
-            <a:pPr marL="0" indent="0">
-              <a:buNone/>
-            </a:pPr>
-            <a:r>
-              <a:rPr lang="ru-RU" dirty="0" smtClean="0"/>
-              <a:t>Метрики производительности модели на обучающей выборке будут иметь хорошие значения, однако на </a:t>
-            </a:r>
+        </p:txBody>
+      </p:sp>
+      <p:sp>
+        <p:nvSpPr>
+          <p:cNvPr id="10" name="Прямоугольник 9"/>
+          <p:cNvSpPr/>
+          <p:nvPr/>
+        </p:nvSpPr>
+        <p:spPr>
+          <a:xfrm>
+            <a:off x="5120639" y="3139835"/>
+            <a:ext cx="1845425" cy="914400"/>
+          </a:xfrm>
+          <a:prstGeom prst="rect">
+            <a:avLst/>
+          </a:prstGeom>
+        </p:spPr>
+        <p:style>
+          <a:lnRef idx="2">
+            <a:schemeClr val="accent1">
+              <a:shade val="50000"/>
+            </a:schemeClr>
+          </a:lnRef>
+          <a:fillRef idx="1">
+            <a:schemeClr val="accent1"/>
+          </a:fillRef>
+          <a:effectRef idx="0">
+            <a:schemeClr val="accent1"/>
+          </a:effectRef>
+          <a:fontRef idx="minor">
+            <a:schemeClr val="lt1"/>
+          </a:fontRef>
+        </p:style>
+        <p:txBody>
+          <a:bodyPr rtlCol="0" anchor="ctr"/>
+          <a:lstStyle/>
+          <a:p>
+            <a:pPr algn="ctr"/>
             <a:r>
               <a:rPr lang="ru-RU" dirty="0" err="1" smtClean="0"/>
-              <a:t>валидационной</a:t>
-            </a:r>
-            <a:r>
-              <a:rPr lang="ru-RU" dirty="0" smtClean="0"/>
-              <a:t> и тестовой выборках – плохие.</a:t>
+              <a:t>Гиперпараметры</a:t>
             </a:r>
             <a:endParaRPr lang="ru-RU" dirty="0"/>
           </a:p>
         </p:txBody>
       </p:sp>
+      <p:sp>
+        <p:nvSpPr>
+          <p:cNvPr id="11" name="Прямоугольник 10"/>
+          <p:cNvSpPr/>
+          <p:nvPr/>
+        </p:nvSpPr>
+        <p:spPr>
+          <a:xfrm>
+            <a:off x="7787836" y="3141023"/>
+            <a:ext cx="1180408" cy="914400"/>
+          </a:xfrm>
+          <a:prstGeom prst="rect">
+            <a:avLst/>
+          </a:prstGeom>
+        </p:spPr>
+        <p:style>
+          <a:lnRef idx="2">
+            <a:schemeClr val="accent1">
+              <a:shade val="50000"/>
+            </a:schemeClr>
+          </a:lnRef>
+          <a:fillRef idx="1">
+            <a:schemeClr val="accent1"/>
+          </a:fillRef>
+          <a:effectRef idx="0">
+            <a:schemeClr val="accent1"/>
+          </a:effectRef>
+          <a:fontRef idx="minor">
+            <a:schemeClr val="lt1"/>
+          </a:fontRef>
+        </p:style>
+        <p:txBody>
+          <a:bodyPr rtlCol="0" anchor="ctr"/>
+          <a:lstStyle/>
+          <a:p>
+            <a:pPr algn="ctr"/>
+            <a:r>
+              <a:rPr lang="ru-RU" dirty="0" smtClean="0"/>
+              <a:t>Обучение</a:t>
+            </a:r>
+            <a:endParaRPr lang="ru-RU" dirty="0"/>
+          </a:p>
+        </p:txBody>
+      </p:sp>
+      <p:sp>
+        <p:nvSpPr>
+          <p:cNvPr id="12" name="Прямоугольник 11"/>
+          <p:cNvSpPr/>
+          <p:nvPr/>
+        </p:nvSpPr>
+        <p:spPr>
+          <a:xfrm>
+            <a:off x="9790016" y="3139835"/>
+            <a:ext cx="1463038" cy="914400"/>
+          </a:xfrm>
+          <a:prstGeom prst="rect">
+            <a:avLst/>
+          </a:prstGeom>
+        </p:spPr>
+        <p:style>
+          <a:lnRef idx="2">
+            <a:schemeClr val="accent1">
+              <a:shade val="50000"/>
+            </a:schemeClr>
+          </a:lnRef>
+          <a:fillRef idx="1">
+            <a:schemeClr val="accent1"/>
+          </a:fillRef>
+          <a:effectRef idx="0">
+            <a:schemeClr val="accent1"/>
+          </a:effectRef>
+          <a:fontRef idx="minor">
+            <a:schemeClr val="lt1"/>
+          </a:fontRef>
+        </p:style>
+        <p:txBody>
+          <a:bodyPr rtlCol="0" anchor="ctr"/>
+          <a:lstStyle/>
+          <a:p>
+            <a:pPr algn="ctr"/>
+            <a:r>
+              <a:rPr lang="ru-RU" dirty="0" smtClean="0"/>
+              <a:t>Модель и её параметры</a:t>
+            </a:r>
+            <a:endParaRPr lang="ru-RU" dirty="0"/>
+          </a:p>
+        </p:txBody>
+      </p:sp>
+      <p:cxnSp>
+        <p:nvCxnSpPr>
+          <p:cNvPr id="16" name="Прямая со стрелкой 15"/>
+          <p:cNvCxnSpPr>
+            <a:stCxn id="5" idx="3"/>
+            <a:endCxn id="7" idx="1"/>
+          </p:cNvCxnSpPr>
+          <p:nvPr/>
+        </p:nvCxnSpPr>
+        <p:spPr>
+          <a:xfrm>
+            <a:off x="2052056" y="3597035"/>
+            <a:ext cx="821772" cy="6767"/>
+          </a:xfrm>
+          <a:prstGeom prst="straightConnector1">
+            <a:avLst/>
+          </a:prstGeom>
+          <a:ln>
+            <a:tailEnd type="triangle"/>
+          </a:ln>
+        </p:spPr>
+        <p:style>
+          <a:lnRef idx="1">
+            <a:schemeClr val="accent1"/>
+          </a:lnRef>
+          <a:fillRef idx="0">
+            <a:schemeClr val="accent1"/>
+          </a:fillRef>
+          <a:effectRef idx="0">
+            <a:schemeClr val="accent1"/>
+          </a:effectRef>
+          <a:fontRef idx="minor">
+            <a:schemeClr val="tx1"/>
+          </a:fontRef>
+        </p:style>
+      </p:cxnSp>
+      <p:cxnSp>
+        <p:nvCxnSpPr>
+          <p:cNvPr id="18" name="Прямая со стрелкой 17"/>
+          <p:cNvCxnSpPr>
+            <a:stCxn id="7" idx="3"/>
+            <a:endCxn id="10" idx="1"/>
+          </p:cNvCxnSpPr>
+          <p:nvPr/>
+        </p:nvCxnSpPr>
+        <p:spPr>
+          <a:xfrm flipV="1">
+            <a:off x="4298867" y="3597035"/>
+            <a:ext cx="821772" cy="6767"/>
+          </a:xfrm>
+          <a:prstGeom prst="straightConnector1">
+            <a:avLst/>
+          </a:prstGeom>
+          <a:ln>
+            <a:tailEnd type="triangle"/>
+          </a:ln>
+        </p:spPr>
+        <p:style>
+          <a:lnRef idx="1">
+            <a:schemeClr val="accent1"/>
+          </a:lnRef>
+          <a:fillRef idx="0">
+            <a:schemeClr val="accent1"/>
+          </a:fillRef>
+          <a:effectRef idx="0">
+            <a:schemeClr val="accent1"/>
+          </a:effectRef>
+          <a:fontRef idx="minor">
+            <a:schemeClr val="tx1"/>
+          </a:fontRef>
+        </p:style>
+      </p:cxnSp>
+      <p:cxnSp>
+        <p:nvCxnSpPr>
+          <p:cNvPr id="20" name="Прямая со стрелкой 19"/>
+          <p:cNvCxnSpPr>
+            <a:stCxn id="10" idx="3"/>
+            <a:endCxn id="11" idx="1"/>
+          </p:cNvCxnSpPr>
+          <p:nvPr/>
+        </p:nvCxnSpPr>
+        <p:spPr>
+          <a:xfrm>
+            <a:off x="6966064" y="3597035"/>
+            <a:ext cx="821772" cy="1188"/>
+          </a:xfrm>
+          <a:prstGeom prst="straightConnector1">
+            <a:avLst/>
+          </a:prstGeom>
+          <a:ln>
+            <a:tailEnd type="triangle"/>
+          </a:ln>
+        </p:spPr>
+        <p:style>
+          <a:lnRef idx="1">
+            <a:schemeClr val="accent1"/>
+          </a:lnRef>
+          <a:fillRef idx="0">
+            <a:schemeClr val="accent1"/>
+          </a:fillRef>
+          <a:effectRef idx="0">
+            <a:schemeClr val="accent1"/>
+          </a:effectRef>
+          <a:fontRef idx="minor">
+            <a:schemeClr val="tx1"/>
+          </a:fontRef>
+        </p:style>
+      </p:cxnSp>
+      <p:cxnSp>
+        <p:nvCxnSpPr>
+          <p:cNvPr id="22" name="Прямая со стрелкой 21"/>
+          <p:cNvCxnSpPr>
+            <a:stCxn id="11" idx="3"/>
+            <a:endCxn id="12" idx="1"/>
+          </p:cNvCxnSpPr>
+          <p:nvPr/>
+        </p:nvCxnSpPr>
+        <p:spPr>
+          <a:xfrm flipV="1">
+            <a:off x="8968244" y="3597035"/>
+            <a:ext cx="821772" cy="1188"/>
+          </a:xfrm>
+          <a:prstGeom prst="straightConnector1">
+            <a:avLst/>
+          </a:prstGeom>
+          <a:ln>
+            <a:tailEnd type="triangle"/>
+          </a:ln>
+        </p:spPr>
+        <p:style>
+          <a:lnRef idx="1">
+            <a:schemeClr val="accent1"/>
+          </a:lnRef>
+          <a:fillRef idx="0">
+            <a:schemeClr val="accent1"/>
+          </a:fillRef>
+          <a:effectRef idx="0">
+            <a:schemeClr val="accent1"/>
+          </a:effectRef>
+          <a:fontRef idx="minor">
+            <a:schemeClr val="tx1"/>
+          </a:fontRef>
+        </p:style>
+      </p:cxnSp>
     </p:spTree>
     <p:extLst>
       <p:ext uri="{BB962C8B-B14F-4D97-AF65-F5344CB8AC3E}">
-        <p14:creationId xmlns:p14="http://schemas.microsoft.com/office/powerpoint/2010/main" val="2173937394"/>
+        <p14:creationId xmlns:p14="http://schemas.microsoft.com/office/powerpoint/2010/main" val="1390925505"/>
       </p:ext>
     </p:extLst>
   </p:cSld>
@@ -4294,12 +4638,8 @@
               <a:buNone/>
             </a:pPr>
             <a:r>
-              <a:rPr lang="ru-RU" dirty="0"/>
-              <a:t>Методы противодействия</a:t>
-            </a:r>
-            <a:r>
-              <a:rPr lang="ru-RU" dirty="0" smtClean="0"/>
-              <a:t>:</a:t>
+              <a:rPr lang="ru-RU" dirty="0" smtClean="0"/>
+              <a:t>Данные = «полезные» данные  + шум</a:t>
             </a:r>
           </a:p>
           <a:p>
@@ -4309,27 +4649,36 @@
             <a:endParaRPr lang="ru-RU" dirty="0"/>
           </a:p>
           <a:p>
-            <a:r>
-              <a:rPr lang="ru-RU" dirty="0" smtClean="0"/>
-              <a:t>Увеличение количества данных.</a:t>
-            </a:r>
-          </a:p>
-          <a:p>
-            <a:r>
-              <a:rPr lang="ru-RU" dirty="0" smtClean="0"/>
-              <a:t>Упрощение модели.</a:t>
-            </a:r>
-          </a:p>
-          <a:p>
-            <a:r>
-              <a:rPr lang="ru-RU" dirty="0" smtClean="0"/>
-              <a:t>Уменьшение времени обучения.</a:t>
-            </a:r>
-          </a:p>
-          <a:p>
             <a:pPr marL="0" indent="0">
               <a:buNone/>
             </a:pPr>
+            <a:r>
+              <a:rPr lang="ru-RU" dirty="0" smtClean="0"/>
+              <a:t>Переобученная модель не отличает шум от полезных данных.</a:t>
+            </a:r>
+          </a:p>
+          <a:p>
+            <a:pPr marL="0" indent="0">
+              <a:buNone/>
+            </a:pPr>
+            <a:endParaRPr lang="ru-RU" dirty="0" smtClean="0"/>
+          </a:p>
+          <a:p>
+            <a:pPr marL="0" indent="0">
+              <a:buNone/>
+            </a:pPr>
+            <a:r>
+              <a:rPr lang="ru-RU" dirty="0" smtClean="0"/>
+              <a:t>Метрики производительности модели на обучающей выборке будут иметь хорошие значения, однако на </a:t>
+            </a:r>
+            <a:r>
+              <a:rPr lang="ru-RU" dirty="0" err="1" smtClean="0"/>
+              <a:t>валидационной</a:t>
+            </a:r>
+            <a:r>
+              <a:rPr lang="ru-RU" dirty="0" smtClean="0"/>
+              <a:t> и тестовой выборках – плохие.</a:t>
+            </a:r>
             <a:endParaRPr lang="ru-RU" dirty="0"/>
           </a:p>
         </p:txBody>
@@ -4337,7 +4686,7 @@
     </p:spTree>
     <p:extLst>
       <p:ext uri="{BB962C8B-B14F-4D97-AF65-F5344CB8AC3E}">
-        <p14:creationId xmlns:p14="http://schemas.microsoft.com/office/powerpoint/2010/main" val="281856140"/>
+        <p14:creationId xmlns:p14="http://schemas.microsoft.com/office/powerpoint/2010/main" val="2173937394"/>
       </p:ext>
     </p:extLst>
   </p:cSld>
@@ -4380,12 +4729,8 @@
           <a:lstStyle/>
           <a:p>
             <a:r>
-              <a:rPr lang="ru-RU" dirty="0" err="1" smtClean="0"/>
-              <a:t>Недообучение</a:t>
-            </a:r>
-            <a:r>
-              <a:rPr lang="ru-RU" dirty="0" smtClean="0"/>
-              <a:t> модели</a:t>
+              <a:rPr lang="ru-RU" dirty="0" smtClean="0"/>
+              <a:t>Переобучение модели</a:t>
             </a:r>
             <a:endParaRPr lang="ru-RU" dirty="0"/>
           </a:p>
@@ -4410,12 +4755,12 @@
               <a:buNone/>
             </a:pPr>
             <a:r>
-              <a:rPr lang="ru-RU" dirty="0" err="1" smtClean="0"/>
-              <a:t>Недообученная</a:t>
-            </a:r>
-            <a:r>
-              <a:rPr lang="ru-RU" dirty="0" smtClean="0"/>
-              <a:t> модель не может обобщить информацию из обучающей выборки.</a:t>
+              <a:rPr lang="ru-RU" dirty="0"/>
+              <a:t>Методы противодействия</a:t>
+            </a:r>
+            <a:r>
+              <a:rPr lang="ru-RU" dirty="0" smtClean="0"/>
+              <a:t>:</a:t>
             </a:r>
           </a:p>
           <a:p>
@@ -4425,21 +4770,27 @@
             <a:endParaRPr lang="ru-RU" dirty="0"/>
           </a:p>
           <a:p>
+            <a:r>
+              <a:rPr lang="ru-RU" dirty="0" smtClean="0"/>
+              <a:t>Увеличение количества данных.</a:t>
+            </a:r>
+          </a:p>
+          <a:p>
+            <a:r>
+              <a:rPr lang="ru-RU" dirty="0" smtClean="0"/>
+              <a:t>Упрощение модели.</a:t>
+            </a:r>
+          </a:p>
+          <a:p>
+            <a:r>
+              <a:rPr lang="ru-RU" dirty="0" smtClean="0"/>
+              <a:t>Уменьшение времени обучения.</a:t>
+            </a:r>
+          </a:p>
+          <a:p>
             <a:pPr marL="0" indent="0">
               <a:buNone/>
             </a:pPr>
-            <a:r>
-              <a:rPr lang="ru-RU" dirty="0" smtClean="0"/>
-              <a:t>Метрики производительности модели будут плохими на всех выборках: обучающей, </a:t>
-            </a:r>
-            <a:r>
-              <a:rPr lang="ru-RU" dirty="0" err="1" smtClean="0"/>
-              <a:t>валидационной</a:t>
-            </a:r>
-            <a:r>
-              <a:rPr lang="ru-RU" dirty="0" smtClean="0"/>
-              <a:t>, тестовой.</a:t>
-            </a:r>
             <a:endParaRPr lang="ru-RU" dirty="0"/>
           </a:p>
         </p:txBody>
@@ -4447,7 +4798,7 @@
     </p:spTree>
     <p:extLst>
       <p:ext uri="{BB962C8B-B14F-4D97-AF65-F5344CB8AC3E}">
-        <p14:creationId xmlns:p14="http://schemas.microsoft.com/office/powerpoint/2010/main" val="3101063908"/>
+        <p14:creationId xmlns:p14="http://schemas.microsoft.com/office/powerpoint/2010/main" val="281856140"/>
       </p:ext>
     </p:extLst>
   </p:cSld>
@@ -4520,49 +4871,44 @@
               <a:buNone/>
             </a:pPr>
             <a:r>
-              <a:rPr lang="ru-RU" dirty="0" smtClean="0"/>
-              <a:t>Методы противодействия:</a:t>
+              <a:rPr lang="ru-RU" dirty="0" err="1" smtClean="0"/>
+              <a:t>Недообученная</a:t>
+            </a:r>
+            <a:r>
+              <a:rPr lang="ru-RU" dirty="0" smtClean="0"/>
+              <a:t> модель не может обобщить информацию из обучающей выборки.</a:t>
             </a:r>
           </a:p>
           <a:p>
             <a:pPr marL="0" indent="0">
               <a:buNone/>
             </a:pPr>
-            <a:endParaRPr lang="ru-RU" dirty="0" smtClean="0"/>
-          </a:p>
-          <a:p>
-            <a:r>
-              <a:rPr lang="ru-RU" dirty="0" smtClean="0"/>
-              <a:t>Усложнение модели.</a:t>
-            </a:r>
-          </a:p>
-          <a:p>
-            <a:r>
-              <a:rPr lang="ru-RU" dirty="0" smtClean="0"/>
-              <a:t>Увеличение размерности данных.</a:t>
-            </a:r>
-          </a:p>
-          <a:p>
-            <a:r>
-              <a:rPr lang="ru-RU" dirty="0" smtClean="0"/>
-              <a:t>Уменьшение шума в данных.</a:t>
-            </a:r>
-          </a:p>
-          <a:p>
-            <a:r>
-              <a:rPr lang="ru-RU" dirty="0" smtClean="0"/>
-              <a:t>Увеличение времени обучения.</a:t>
-            </a:r>
-          </a:p>
-          <a:p>
-            <a:endParaRPr lang="ru-RU" dirty="0" smtClean="0"/>
+            <a:endParaRPr lang="ru-RU" dirty="0"/>
+          </a:p>
+          <a:p>
+            <a:pPr marL="0" indent="0">
+              <a:buNone/>
+            </a:pPr>
+            <a:r>
+              <a:rPr lang="ru-RU" dirty="0" smtClean="0"/>
+              <a:t>Метрики производительности модели будут плохими на всех выборках: обучающей, </a:t>
+            </a:r>
+            <a:r>
+              <a:rPr lang="ru-RU" dirty="0" err="1" smtClean="0"/>
+              <a:t>валидационной</a:t>
+            </a:r>
+            <a:r>
+              <a:rPr lang="ru-RU" dirty="0" smtClean="0"/>
+              <a:t>, тестовой.</a:t>
+            </a:r>
+            <a:endParaRPr lang="ru-RU" dirty="0"/>
           </a:p>
         </p:txBody>
       </p:sp>
     </p:spTree>
     <p:extLst>
       <p:ext uri="{BB962C8B-B14F-4D97-AF65-F5344CB8AC3E}">
-        <p14:creationId xmlns:p14="http://schemas.microsoft.com/office/powerpoint/2010/main" val="1068467753"/>
+        <p14:creationId xmlns:p14="http://schemas.microsoft.com/office/powerpoint/2010/main" val="3101063908"/>
       </p:ext>
     </p:extLst>
   </p:cSld>
@@ -4663,7 +5009,6 @@
               <a:rPr lang="ru-RU" dirty="0" smtClean="0"/>
               <a:t> модели.</a:t>
             </a:r>
-            <a:endParaRPr lang="ru-RU" dirty="0" smtClean="0"/>
           </a:p>
           <a:p>
             <a:r>
@@ -4676,11 +5021,7 @@
             </a:r>
             <a:r>
               <a:rPr lang="ru-RU" dirty="0" smtClean="0"/>
-              <a:t> (перекрестная проверка</a:t>
-            </a:r>
-            <a:r>
-              <a:rPr lang="ru-RU" dirty="0" smtClean="0"/>
-              <a:t>).</a:t>
+              <a:t> (перекрестная проверка).</a:t>
             </a:r>
           </a:p>
           <a:p>
@@ -4723,6 +5064,121 @@
 </file>
 
 <file path=ppt/slides/slide20.xml><?xml version="1.0" encoding="utf-8"?>
+<p:sld xmlns:a="http://schemas.openxmlformats.org/drawingml/2006/main" xmlns:r="http://schemas.openxmlformats.org/officeDocument/2006/relationships" xmlns:p="http://schemas.openxmlformats.org/presentationml/2006/main">
+  <p:cSld>
+    <p:spTree>
+      <p:nvGrpSpPr>
+        <p:cNvPr id="1" name=""/>
+        <p:cNvGrpSpPr/>
+        <p:nvPr/>
+      </p:nvGrpSpPr>
+      <p:grpSpPr>
+        <a:xfrm>
+          <a:off x="0" y="0"/>
+          <a:ext cx="0" cy="0"/>
+          <a:chOff x="0" y="0"/>
+          <a:chExt cx="0" cy="0"/>
+        </a:xfrm>
+      </p:grpSpPr>
+      <p:sp>
+        <p:nvSpPr>
+          <p:cNvPr id="2" name="Заголовок 1"/>
+          <p:cNvSpPr>
+            <a:spLocks noGrp="1"/>
+          </p:cNvSpPr>
+          <p:nvPr>
+            <p:ph type="title"/>
+          </p:nvPr>
+        </p:nvSpPr>
+        <p:spPr/>
+        <p:txBody>
+          <a:bodyPr/>
+          <a:lstStyle/>
+          <a:p>
+            <a:r>
+              <a:rPr lang="ru-RU" dirty="0" err="1" smtClean="0"/>
+              <a:t>Недообучение</a:t>
+            </a:r>
+            <a:r>
+              <a:rPr lang="ru-RU" dirty="0" smtClean="0"/>
+              <a:t> модели</a:t>
+            </a:r>
+            <a:endParaRPr lang="ru-RU" dirty="0"/>
+          </a:p>
+        </p:txBody>
+      </p:sp>
+      <p:sp>
+        <p:nvSpPr>
+          <p:cNvPr id="3" name="Объект 2"/>
+          <p:cNvSpPr>
+            <a:spLocks noGrp="1"/>
+          </p:cNvSpPr>
+          <p:nvPr>
+            <p:ph idx="1"/>
+          </p:nvPr>
+        </p:nvSpPr>
+        <p:spPr/>
+        <p:txBody>
+          <a:bodyPr/>
+          <a:lstStyle/>
+          <a:p>
+            <a:pPr marL="0" indent="0">
+              <a:buNone/>
+            </a:pPr>
+            <a:r>
+              <a:rPr lang="ru-RU" dirty="0" smtClean="0"/>
+              <a:t>Методы противодействия:</a:t>
+            </a:r>
+          </a:p>
+          <a:p>
+            <a:pPr marL="0" indent="0">
+              <a:buNone/>
+            </a:pPr>
+            <a:endParaRPr lang="ru-RU" dirty="0" smtClean="0"/>
+          </a:p>
+          <a:p>
+            <a:r>
+              <a:rPr lang="ru-RU" dirty="0" smtClean="0"/>
+              <a:t>Усложнение модели.</a:t>
+            </a:r>
+          </a:p>
+          <a:p>
+            <a:r>
+              <a:rPr lang="ru-RU" dirty="0" smtClean="0"/>
+              <a:t>Увеличение размерности данных.</a:t>
+            </a:r>
+          </a:p>
+          <a:p>
+            <a:r>
+              <a:rPr lang="ru-RU" dirty="0" smtClean="0"/>
+              <a:t>Уменьшение шума в данных.</a:t>
+            </a:r>
+          </a:p>
+          <a:p>
+            <a:r>
+              <a:rPr lang="ru-RU" dirty="0" smtClean="0"/>
+              <a:t>Увеличение времени обучения.</a:t>
+            </a:r>
+          </a:p>
+          <a:p>
+            <a:endParaRPr lang="ru-RU" dirty="0" smtClean="0"/>
+          </a:p>
+        </p:txBody>
+      </p:sp>
+    </p:spTree>
+    <p:extLst>
+      <p:ext uri="{BB962C8B-B14F-4D97-AF65-F5344CB8AC3E}">
+        <p14:creationId xmlns:p14="http://schemas.microsoft.com/office/powerpoint/2010/main" val="1068467753"/>
+      </p:ext>
+    </p:extLst>
+  </p:cSld>
+  <p:clrMapOvr>
+    <a:masterClrMapping/>
+  </p:clrMapOvr>
+</p:sld>
+</file>
+
+<file path=ppt/slides/slide21.xml><?xml version="1.0" encoding="utf-8"?>
 <p:sld xmlns:a="http://schemas.openxmlformats.org/drawingml/2006/main" xmlns:r="http://schemas.openxmlformats.org/officeDocument/2006/relationships" xmlns:p="http://schemas.openxmlformats.org/presentationml/2006/main">
   <p:cSld>
     <p:spTree>
@@ -4987,86 +5443,6 @@
 </p:sld>
 </file>
 
-<file path=ppt/slides/slide21.xml><?xml version="1.0" encoding="utf-8"?>
-<p:sld xmlns:a="http://schemas.openxmlformats.org/drawingml/2006/main" xmlns:r="http://schemas.openxmlformats.org/officeDocument/2006/relationships" xmlns:p="http://schemas.openxmlformats.org/presentationml/2006/main">
-  <p:cSld>
-    <p:spTree>
-      <p:nvGrpSpPr>
-        <p:cNvPr id="1" name=""/>
-        <p:cNvGrpSpPr/>
-        <p:nvPr/>
-      </p:nvGrpSpPr>
-      <p:grpSpPr>
-        <a:xfrm>
-          <a:off x="0" y="0"/>
-          <a:ext cx="0" cy="0"/>
-          <a:chOff x="0" y="0"/>
-          <a:chExt cx="0" cy="0"/>
-        </a:xfrm>
-      </p:grpSpPr>
-      <p:sp>
-        <p:nvSpPr>
-          <p:cNvPr id="2" name="Заголовок 1"/>
-          <p:cNvSpPr>
-            <a:spLocks noGrp="1"/>
-          </p:cNvSpPr>
-          <p:nvPr>
-            <p:ph type="title"/>
-          </p:nvPr>
-        </p:nvSpPr>
-        <p:spPr/>
-        <p:txBody>
-          <a:bodyPr/>
-          <a:lstStyle/>
-          <a:p>
-            <a:r>
-              <a:rPr lang="ru-RU" dirty="0" smtClean="0"/>
-              <a:t>Кросс-</a:t>
-            </a:r>
-            <a:r>
-              <a:rPr lang="ru-RU" dirty="0" err="1" smtClean="0"/>
-              <a:t>валидация</a:t>
-            </a:r>
-            <a:r>
-              <a:rPr lang="ru-RU" dirty="0" smtClean="0"/>
-              <a:t> (перекрёстная проверка)</a:t>
-            </a:r>
-            <a:endParaRPr lang="ru-RU" dirty="0"/>
-          </a:p>
-        </p:txBody>
-      </p:sp>
-      <p:sp>
-        <p:nvSpPr>
-          <p:cNvPr id="3" name="Объект 2"/>
-          <p:cNvSpPr>
-            <a:spLocks noGrp="1"/>
-          </p:cNvSpPr>
-          <p:nvPr>
-            <p:ph idx="1"/>
-          </p:nvPr>
-        </p:nvSpPr>
-        <p:spPr/>
-        <p:txBody>
-          <a:bodyPr/>
-          <a:lstStyle/>
-          <a:p>
-            <a:endParaRPr lang="ru-RU" dirty="0"/>
-          </a:p>
-        </p:txBody>
-      </p:sp>
-    </p:spTree>
-    <p:extLst>
-      <p:ext uri="{BB962C8B-B14F-4D97-AF65-F5344CB8AC3E}">
-        <p14:creationId xmlns:p14="http://schemas.microsoft.com/office/powerpoint/2010/main" val="1151752894"/>
-      </p:ext>
-    </p:extLst>
-  </p:cSld>
-  <p:clrMapOvr>
-    <a:masterClrMapping/>
-  </p:clrMapOvr>
-</p:sld>
-</file>
-
 <file path=ppt/slides/slide22.xml><?xml version="1.0" encoding="utf-8"?>
 <p:sld xmlns:a="http://schemas.openxmlformats.org/drawingml/2006/main" xmlns:r="http://schemas.openxmlformats.org/officeDocument/2006/relationships" xmlns:p="http://schemas.openxmlformats.org/presentationml/2006/main">
   <p:cSld>
@@ -5096,16 +5472,22 @@
         </p:nvSpPr>
         <p:spPr/>
         <p:txBody>
-          <a:bodyPr>
-            <a:normAutofit/>
-          </a:bodyPr>
-          <a:lstStyle/>
-          <a:p>
-            <a:r>
-              <a:rPr lang="ru-RU" sz="4000" dirty="0" smtClean="0"/>
-              <a:t>Интерпретация моделей машинного обучения.</a:t>
-            </a:r>
-            <a:endParaRPr lang="ru-RU" sz="4000" dirty="0"/>
+          <a:bodyPr/>
+          <a:lstStyle/>
+          <a:p>
+            <a:r>
+              <a:rPr lang="ru-RU" dirty="0" smtClean="0"/>
+              <a:t>Кросс-</a:t>
+            </a:r>
+            <a:r>
+              <a:rPr lang="ru-RU" dirty="0" err="1" smtClean="0"/>
+              <a:t>валидация</a:t>
+            </a:r>
+            <a:r>
+              <a:rPr lang="ru-RU" dirty="0" smtClean="0"/>
+              <a:t> (перекрёстная проверка)</a:t>
+            </a:r>
+            <a:endParaRPr lang="ru-RU" dirty="0"/>
           </a:p>
         </p:txBody>
       </p:sp>
@@ -5131,7 +5513,7 @@
     </p:spTree>
     <p:extLst>
       <p:ext uri="{BB962C8B-B14F-4D97-AF65-F5344CB8AC3E}">
-        <p14:creationId xmlns:p14="http://schemas.microsoft.com/office/powerpoint/2010/main" val="894776881"/>
+        <p14:creationId xmlns:p14="http://schemas.microsoft.com/office/powerpoint/2010/main" val="1151752894"/>
       </p:ext>
     </p:extLst>
   </p:cSld>
@@ -5170,14 +5552,16 @@
         </p:nvSpPr>
         <p:spPr/>
         <p:txBody>
-          <a:bodyPr/>
-          <a:lstStyle/>
-          <a:p>
-            <a:r>
-              <a:rPr lang="ru-RU" dirty="0" smtClean="0"/>
-              <a:t>Требования к модели машинного обучения</a:t>
-            </a:r>
-            <a:endParaRPr lang="ru-RU" dirty="0"/>
+          <a:bodyPr>
+            <a:normAutofit/>
+          </a:bodyPr>
+          <a:lstStyle/>
+          <a:p>
+            <a:r>
+              <a:rPr lang="ru-RU" sz="4000" dirty="0" smtClean="0"/>
+              <a:t>Интерпретация моделей машинного обучения.</a:t>
+            </a:r>
+            <a:endParaRPr lang="ru-RU" sz="4000" dirty="0"/>
           </a:p>
         </p:txBody>
       </p:sp>
@@ -5196,30 +5580,6 @@
           <a:bodyPr/>
           <a:lstStyle/>
           <a:p>
-            <a:r>
-              <a:rPr lang="ru-RU" dirty="0" smtClean="0"/>
-              <a:t>Способность к обобщению.</a:t>
-            </a:r>
-          </a:p>
-          <a:p>
-            <a:r>
-              <a:rPr lang="ru-RU" dirty="0" smtClean="0"/>
-              <a:t>Интерпретируемость логики работы.</a:t>
-            </a:r>
-          </a:p>
-          <a:p>
-            <a:r>
-              <a:rPr lang="ru-RU" dirty="0" smtClean="0"/>
-              <a:t>Отсутствие переобучения и </a:t>
-            </a:r>
-            <a:r>
-              <a:rPr lang="ru-RU" dirty="0" err="1" smtClean="0"/>
-              <a:t>недообучения</a:t>
-            </a:r>
-            <a:r>
-              <a:rPr lang="ru-RU" dirty="0" smtClean="0"/>
-              <a:t>.</a:t>
-            </a:r>
             <a:endParaRPr lang="ru-RU" dirty="0"/>
           </a:p>
         </p:txBody>
@@ -5227,7 +5587,7 @@
     </p:spTree>
     <p:extLst>
       <p:ext uri="{BB962C8B-B14F-4D97-AF65-F5344CB8AC3E}">
-        <p14:creationId xmlns:p14="http://schemas.microsoft.com/office/powerpoint/2010/main" val="771411335"/>
+        <p14:creationId xmlns:p14="http://schemas.microsoft.com/office/powerpoint/2010/main" val="894776881"/>
       </p:ext>
     </p:extLst>
   </p:cSld>
@@ -5271,6 +5631,102 @@
           <a:p>
             <a:r>
               <a:rPr lang="ru-RU" dirty="0" smtClean="0"/>
+              <a:t>Требования к модели машинного обучения</a:t>
+            </a:r>
+            <a:endParaRPr lang="ru-RU" dirty="0"/>
+          </a:p>
+        </p:txBody>
+      </p:sp>
+      <p:sp>
+        <p:nvSpPr>
+          <p:cNvPr id="3" name="Объект 2"/>
+          <p:cNvSpPr>
+            <a:spLocks noGrp="1"/>
+          </p:cNvSpPr>
+          <p:nvPr>
+            <p:ph idx="1"/>
+          </p:nvPr>
+        </p:nvSpPr>
+        <p:spPr/>
+        <p:txBody>
+          <a:bodyPr/>
+          <a:lstStyle/>
+          <a:p>
+            <a:r>
+              <a:rPr lang="ru-RU" dirty="0" smtClean="0"/>
+              <a:t>Способность к обобщению.</a:t>
+            </a:r>
+          </a:p>
+          <a:p>
+            <a:r>
+              <a:rPr lang="ru-RU" dirty="0" smtClean="0"/>
+              <a:t>Интерпретируемость логики работы.</a:t>
+            </a:r>
+          </a:p>
+          <a:p>
+            <a:r>
+              <a:rPr lang="ru-RU" dirty="0" smtClean="0"/>
+              <a:t>Отсутствие переобучения и </a:t>
+            </a:r>
+            <a:r>
+              <a:rPr lang="ru-RU" dirty="0" err="1" smtClean="0"/>
+              <a:t>недообучения</a:t>
+            </a:r>
+            <a:r>
+              <a:rPr lang="ru-RU" dirty="0" smtClean="0"/>
+              <a:t>.</a:t>
+            </a:r>
+            <a:endParaRPr lang="ru-RU" dirty="0"/>
+          </a:p>
+        </p:txBody>
+      </p:sp>
+    </p:spTree>
+    <p:extLst>
+      <p:ext uri="{BB962C8B-B14F-4D97-AF65-F5344CB8AC3E}">
+        <p14:creationId xmlns:p14="http://schemas.microsoft.com/office/powerpoint/2010/main" val="771411335"/>
+      </p:ext>
+    </p:extLst>
+  </p:cSld>
+  <p:clrMapOvr>
+    <a:masterClrMapping/>
+  </p:clrMapOvr>
+</p:sld>
+</file>
+
+<file path=ppt/slides/slide25.xml><?xml version="1.0" encoding="utf-8"?>
+<p:sld xmlns:a="http://schemas.openxmlformats.org/drawingml/2006/main" xmlns:r="http://schemas.openxmlformats.org/officeDocument/2006/relationships" xmlns:p="http://schemas.openxmlformats.org/presentationml/2006/main">
+  <p:cSld>
+    <p:spTree>
+      <p:nvGrpSpPr>
+        <p:cNvPr id="1" name=""/>
+        <p:cNvGrpSpPr/>
+        <p:nvPr/>
+      </p:nvGrpSpPr>
+      <p:grpSpPr>
+        <a:xfrm>
+          <a:off x="0" y="0"/>
+          <a:ext cx="0" cy="0"/>
+          <a:chOff x="0" y="0"/>
+          <a:chExt cx="0" cy="0"/>
+        </a:xfrm>
+      </p:grpSpPr>
+      <p:sp>
+        <p:nvSpPr>
+          <p:cNvPr id="2" name="Заголовок 1"/>
+          <p:cNvSpPr>
+            <a:spLocks noGrp="1"/>
+          </p:cNvSpPr>
+          <p:nvPr>
+            <p:ph type="title"/>
+          </p:nvPr>
+        </p:nvSpPr>
+        <p:spPr/>
+        <p:txBody>
+          <a:bodyPr/>
+          <a:lstStyle/>
+          <a:p>
+            <a:r>
+              <a:rPr lang="ru-RU" dirty="0" smtClean="0"/>
               <a:t>Ссылки</a:t>
             </a:r>
             <a:endParaRPr lang="ru-RU" dirty="0"/>
@@ -5328,7 +5784,7 @@
 </p:sld>
 </file>
 
-<file path=ppt/slides/slide25.xml><?xml version="1.0" encoding="utf-8"?>
+<file path=ppt/slides/slide26.xml><?xml version="1.0" encoding="utf-8"?>
 <p:sld xmlns:a="http://schemas.openxmlformats.org/drawingml/2006/main" xmlns:r="http://schemas.openxmlformats.org/officeDocument/2006/relationships" xmlns:p="http://schemas.openxmlformats.org/presentationml/2006/main">
   <p:cSld>
     <p:spTree>
@@ -5451,15 +5907,7 @@
             </a:pPr>
             <a:r>
               <a:rPr lang="ru-RU" sz="4000" dirty="0" smtClean="0"/>
-              <a:t>Машинное обучение – это составная часть (ветвь</a:t>
-            </a:r>
-            <a:r>
-              <a:rPr lang="ru-RU" sz="4000" dirty="0" smtClean="0"/>
-              <a:t>, область и т.д.</a:t>
-            </a:r>
-            <a:r>
-              <a:rPr lang="ru-RU" sz="4000" dirty="0" smtClean="0"/>
-              <a:t>) искусственного интеллекта.</a:t>
+              <a:t>Машинное обучение – это составная часть (ветвь, область и т.д.) искусственного интеллекта.</a:t>
             </a:r>
           </a:p>
         </p:txBody>
@@ -5687,23 +6135,7 @@
             </a:pPr>
             <a:r>
               <a:rPr lang="ru-RU" dirty="0" smtClean="0"/>
-              <a:t>Машинное </a:t>
-            </a:r>
-            <a:r>
-              <a:rPr lang="ru-RU" dirty="0" smtClean="0"/>
-              <a:t>обучение – это область </a:t>
-            </a:r>
-            <a:r>
-              <a:rPr lang="ru-RU" dirty="0" smtClean="0"/>
-              <a:t>информатики, </a:t>
-            </a:r>
-            <a:r>
-              <a:rPr lang="ru-RU" dirty="0" smtClean="0"/>
-              <a:t>которая позволяет компьютерам обучаться без </a:t>
-            </a:r>
-            <a:r>
-              <a:rPr lang="ru-RU" dirty="0" smtClean="0"/>
-              <a:t>использования явных алгоритмов.</a:t>
+              <a:t>Машинное обучение – это область информатики, которая позволяет компьютерам обучаться без использования явных алгоритмов.</a:t>
             </a:r>
             <a:endParaRPr lang="ru-RU" dirty="0"/>
           </a:p>
@@ -5721,7 +6153,6 @@
               <a:rPr lang="ru-RU" dirty="0" smtClean="0"/>
               <a:t>С точки зрения обработки данных:</a:t>
             </a:r>
-            <a:endParaRPr lang="ru-RU" dirty="0" smtClean="0"/>
           </a:p>
           <a:p>
             <a:pPr marL="0" indent="0">
@@ -5785,7 +6216,6 @@
               <a:rPr lang="ru-RU" dirty="0"/>
               <a:t>Что такое машинное обучение?</a:t>
             </a:r>
-            <a:endParaRPr lang="ru-RU" dirty="0"/>
           </a:p>
         </p:txBody>
       </p:sp>
@@ -6413,7 +6843,6 @@
               <a:rPr lang="ru-RU" dirty="0"/>
               <a:t>Как работает машинное обучение?</a:t>
             </a:r>
-            <a:endParaRPr lang="ru-RU" dirty="0"/>
           </a:p>
         </p:txBody>
       </p:sp>
@@ -6445,14 +6874,12 @@
               <a:rPr lang="ru-RU" dirty="0" smtClean="0"/>
               <a:t>Данные – оцифрованная информация, которая может содержать ошибки, пустые значения и т.п. </a:t>
             </a:r>
-            <a:endParaRPr lang="ru-RU" dirty="0" smtClean="0"/>
           </a:p>
           <a:p>
             <a:r>
               <a:rPr lang="ru-RU" dirty="0" smtClean="0"/>
               <a:t>(Математическая) модель – математически сформулированная зависимость между частями данных.</a:t>
             </a:r>
-            <a:endParaRPr lang="ru-RU" dirty="0" smtClean="0"/>
           </a:p>
           <a:p>
             <a:r>
@@ -6541,6 +6968,10 @@
             <a:pPr marL="0" indent="0">
               <a:buNone/>
             </a:pPr>
+            <a:r>
+              <a:rPr lang="ru-RU" dirty="0" smtClean="0"/>
+              <a:t>Величины, описывающие устройство и работу модели, вычисляются в процессе обучения.</a:t>
+            </a:r>
             <a:endParaRPr lang="ru-RU" dirty="0" smtClean="0"/>
           </a:p>
           <a:p>
@@ -6559,7 +6990,20 @@
             </a:r>
             <a:r>
               <a:rPr lang="ru-RU" dirty="0" smtClean="0"/>
-              <a:t> модели:</a:t>
+              <a:t> модели</a:t>
+            </a:r>
+            <a:r>
+              <a:rPr lang="ru-RU" dirty="0" smtClean="0"/>
+              <a:t>:</a:t>
+            </a:r>
+          </a:p>
+          <a:p>
+            <a:pPr marL="0" indent="0">
+              <a:buNone/>
+            </a:pPr>
+            <a:r>
+              <a:rPr lang="ru-RU" dirty="0" smtClean="0"/>
+              <a:t>Величины, описывающие устройство и работу алгоритма построения модели, задаются до начала обучения.</a:t>
             </a:r>
             <a:endParaRPr lang="ru-RU" dirty="0"/>
           </a:p>

--- a/Лекция 1.pptx
+++ b/Лекция 1.pptx
@@ -12,25 +12,35 @@
     <p:sldId id="271" r:id="rId6"/>
     <p:sldId id="270" r:id="rId7"/>
     <p:sldId id="267" r:id="rId8"/>
-    <p:sldId id="261" r:id="rId9"/>
-    <p:sldId id="278" r:id="rId10"/>
-    <p:sldId id="262" r:id="rId11"/>
-    <p:sldId id="264" r:id="rId12"/>
-    <p:sldId id="266" r:id="rId13"/>
-    <p:sldId id="277" r:id="rId14"/>
-    <p:sldId id="275" r:id="rId15"/>
-    <p:sldId id="272" r:id="rId16"/>
-    <p:sldId id="283" r:id="rId17"/>
-    <p:sldId id="273" r:id="rId18"/>
-    <p:sldId id="282" r:id="rId19"/>
-    <p:sldId id="274" r:id="rId20"/>
-    <p:sldId id="281" r:id="rId21"/>
-    <p:sldId id="280" r:id="rId22"/>
-    <p:sldId id="279" r:id="rId23"/>
-    <p:sldId id="265" r:id="rId24"/>
-    <p:sldId id="276" r:id="rId25"/>
-    <p:sldId id="259" r:id="rId26"/>
-    <p:sldId id="260" r:id="rId27"/>
+    <p:sldId id="293" r:id="rId9"/>
+    <p:sldId id="261" r:id="rId10"/>
+    <p:sldId id="278" r:id="rId11"/>
+    <p:sldId id="262" r:id="rId12"/>
+    <p:sldId id="264" r:id="rId13"/>
+    <p:sldId id="266" r:id="rId14"/>
+    <p:sldId id="277" r:id="rId15"/>
+    <p:sldId id="294" r:id="rId16"/>
+    <p:sldId id="275" r:id="rId17"/>
+    <p:sldId id="272" r:id="rId18"/>
+    <p:sldId id="283" r:id="rId19"/>
+    <p:sldId id="273" r:id="rId20"/>
+    <p:sldId id="282" r:id="rId21"/>
+    <p:sldId id="274" r:id="rId22"/>
+    <p:sldId id="281" r:id="rId23"/>
+    <p:sldId id="280" r:id="rId24"/>
+    <p:sldId id="279" r:id="rId25"/>
+    <p:sldId id="284" r:id="rId26"/>
+    <p:sldId id="285" r:id="rId27"/>
+    <p:sldId id="288" r:id="rId28"/>
+    <p:sldId id="287" r:id="rId29"/>
+    <p:sldId id="289" r:id="rId30"/>
+    <p:sldId id="286" r:id="rId31"/>
+    <p:sldId id="290" r:id="rId32"/>
+    <p:sldId id="265" r:id="rId33"/>
+    <p:sldId id="291" r:id="rId34"/>
+    <p:sldId id="292" r:id="rId35"/>
+    <p:sldId id="259" r:id="rId36"/>
+    <p:sldId id="260" r:id="rId37"/>
   </p:sldIdLst>
   <p:sldSz cx="12192000" cy="6858000"/>
   <p:notesSz cx="6858000" cy="9144000"/>
@@ -137,6 +147,32 @@
 </p:presentation>
 </file>
 
+<file path=ppt/commentAuthors.xml><?xml version="1.0" encoding="utf-8"?>
+<p:cmAuthorLst xmlns:a="http://schemas.openxmlformats.org/drawingml/2006/main" xmlns:r="http://schemas.openxmlformats.org/officeDocument/2006/relationships" xmlns:p="http://schemas.openxmlformats.org/presentationml/2006/main">
+  <p:cmAuthor id="1" name="Олег" initials="О" lastIdx="1" clrIdx="0">
+    <p:extLst>
+      <p:ext uri="{19B8F6BF-5375-455C-9EA6-DF929625EA0E}">
+        <p15:presenceInfo xmlns:p15="http://schemas.microsoft.com/office/powerpoint/2012/main" userId="Олег" providerId="None"/>
+      </p:ext>
+    </p:extLst>
+  </p:cmAuthor>
+</p:cmAuthorLst>
+</file>
+
+<file path=ppt/comments/comment1.xml><?xml version="1.0" encoding="utf-8"?>
+<p:cmLst xmlns:a="http://schemas.openxmlformats.org/drawingml/2006/main" xmlns:r="http://schemas.openxmlformats.org/officeDocument/2006/relationships" xmlns:p="http://schemas.openxmlformats.org/presentationml/2006/main">
+  <p:cm authorId="1" dt="2020-09-02T14:51:05.220" idx="1">
+    <p:pos x="10" y="10"/>
+    <p:text/>
+    <p:extLst>
+      <p:ext uri="{C676402C-5697-4E1C-873F-D02D1690AC5C}">
+        <p15:threadingInfo xmlns:p15="http://schemas.microsoft.com/office/powerpoint/2012/main" timeZoneBias="-180"/>
+      </p:ext>
+    </p:extLst>
+  </p:cm>
+</p:cmLst>
+</file>
+
 <file path=ppt/slideLayouts/slideLayout1.xml><?xml version="1.0" encoding="utf-8"?>
 <p:sldLayout xmlns:a="http://schemas.openxmlformats.org/drawingml/2006/main" xmlns:r="http://schemas.openxmlformats.org/officeDocument/2006/relationships" xmlns:p="http://schemas.openxmlformats.org/presentationml/2006/main" type="title" preserve="1">
   <p:cSld name="Титульный слайд">
@@ -268,7 +304,7 @@
           <a:p>
             <a:fld id="{9F4DF3D0-C105-404D-A43B-7CBA1B97B744}" type="datetimeFigureOut">
               <a:rPr lang="ru-RU" smtClean="0"/>
-              <a:t>01.09.2020</a:t>
+              <a:t>02.09.2020</a:t>
             </a:fld>
             <a:endParaRPr lang="ru-RU"/>
           </a:p>
@@ -438,7 +474,7 @@
           <a:p>
             <a:fld id="{9F4DF3D0-C105-404D-A43B-7CBA1B97B744}" type="datetimeFigureOut">
               <a:rPr lang="ru-RU" smtClean="0"/>
-              <a:t>01.09.2020</a:t>
+              <a:t>02.09.2020</a:t>
             </a:fld>
             <a:endParaRPr lang="ru-RU"/>
           </a:p>
@@ -618,7 +654,7 @@
           <a:p>
             <a:fld id="{9F4DF3D0-C105-404D-A43B-7CBA1B97B744}" type="datetimeFigureOut">
               <a:rPr lang="ru-RU" smtClean="0"/>
-              <a:t>01.09.2020</a:t>
+              <a:t>02.09.2020</a:t>
             </a:fld>
             <a:endParaRPr lang="ru-RU"/>
           </a:p>
@@ -788,7 +824,7 @@
           <a:p>
             <a:fld id="{9F4DF3D0-C105-404D-A43B-7CBA1B97B744}" type="datetimeFigureOut">
               <a:rPr lang="ru-RU" smtClean="0"/>
-              <a:t>01.09.2020</a:t>
+              <a:t>02.09.2020</a:t>
             </a:fld>
             <a:endParaRPr lang="ru-RU"/>
           </a:p>
@@ -1034,7 +1070,7 @@
           <a:p>
             <a:fld id="{9F4DF3D0-C105-404D-A43B-7CBA1B97B744}" type="datetimeFigureOut">
               <a:rPr lang="ru-RU" smtClean="0"/>
-              <a:t>01.09.2020</a:t>
+              <a:t>02.09.2020</a:t>
             </a:fld>
             <a:endParaRPr lang="ru-RU"/>
           </a:p>
@@ -1266,7 +1302,7 @@
           <a:p>
             <a:fld id="{9F4DF3D0-C105-404D-A43B-7CBA1B97B744}" type="datetimeFigureOut">
               <a:rPr lang="ru-RU" smtClean="0"/>
-              <a:t>01.09.2020</a:t>
+              <a:t>02.09.2020</a:t>
             </a:fld>
             <a:endParaRPr lang="ru-RU"/>
           </a:p>
@@ -1633,7 +1669,7 @@
           <a:p>
             <a:fld id="{9F4DF3D0-C105-404D-A43B-7CBA1B97B744}" type="datetimeFigureOut">
               <a:rPr lang="ru-RU" smtClean="0"/>
-              <a:t>01.09.2020</a:t>
+              <a:t>02.09.2020</a:t>
             </a:fld>
             <a:endParaRPr lang="ru-RU"/>
           </a:p>
@@ -1751,7 +1787,7 @@
           <a:p>
             <a:fld id="{9F4DF3D0-C105-404D-A43B-7CBA1B97B744}" type="datetimeFigureOut">
               <a:rPr lang="ru-RU" smtClean="0"/>
-              <a:t>01.09.2020</a:t>
+              <a:t>02.09.2020</a:t>
             </a:fld>
             <a:endParaRPr lang="ru-RU"/>
           </a:p>
@@ -1846,7 +1882,7 @@
           <a:p>
             <a:fld id="{9F4DF3D0-C105-404D-A43B-7CBA1B97B744}" type="datetimeFigureOut">
               <a:rPr lang="ru-RU" smtClean="0"/>
-              <a:t>01.09.2020</a:t>
+              <a:t>02.09.2020</a:t>
             </a:fld>
             <a:endParaRPr lang="ru-RU"/>
           </a:p>
@@ -2123,7 +2159,7 @@
           <a:p>
             <a:fld id="{9F4DF3D0-C105-404D-A43B-7CBA1B97B744}" type="datetimeFigureOut">
               <a:rPr lang="ru-RU" smtClean="0"/>
-              <a:t>01.09.2020</a:t>
+              <a:t>02.09.2020</a:t>
             </a:fld>
             <a:endParaRPr lang="ru-RU"/>
           </a:p>
@@ -2376,7 +2412,7 @@
           <a:p>
             <a:fld id="{9F4DF3D0-C105-404D-A43B-7CBA1B97B744}" type="datetimeFigureOut">
               <a:rPr lang="ru-RU" smtClean="0"/>
-              <a:t>01.09.2020</a:t>
+              <a:t>02.09.2020</a:t>
             </a:fld>
             <a:endParaRPr lang="ru-RU"/>
           </a:p>
@@ -2589,7 +2625,7 @@
           <a:p>
             <a:fld id="{9F4DF3D0-C105-404D-A43B-7CBA1B97B744}" type="datetimeFigureOut">
               <a:rPr lang="ru-RU" smtClean="0"/>
-              <a:t>01.09.2020</a:t>
+              <a:t>02.09.2020</a:t>
             </a:fld>
             <a:endParaRPr lang="ru-RU"/>
           </a:p>
@@ -3093,6 +3129,13 @@
   <p:clrMapOvr>
     <a:masterClrMapping/>
   </p:clrMapOvr>
+  <p:timing>
+    <p:tnLst>
+      <p:par>
+        <p:cTn id="1" dur="indefinite" restart="never" nodeType="tmRoot"/>
+      </p:par>
+    </p:tnLst>
+  </p:timing>
 </p:sld>
 </file>
 
@@ -3129,10 +3172,9 @@
           <a:lstStyle/>
           <a:p>
             <a:r>
-              <a:rPr lang="ru-RU" dirty="0" smtClean="0"/>
+              <a:rPr lang="ru-RU" dirty="0"/>
               <a:t>Как работает машинное обучение?</a:t>
             </a:r>
-            <a:endParaRPr lang="ru-RU" dirty="0"/>
           </a:p>
         </p:txBody>
       </p:sp>
@@ -3148,52 +3190,74 @@
         </p:nvSpPr>
         <p:spPr/>
         <p:txBody>
-          <a:bodyPr>
-            <a:normAutofit/>
-          </a:bodyPr>
-          <a:lstStyle/>
-          <a:p>
-            <a:r>
-              <a:rPr lang="ru-RU" dirty="0" smtClean="0"/>
-              <a:t>Анализ данных.</a:t>
-            </a:r>
-          </a:p>
-          <a:p>
-            <a:r>
-              <a:rPr lang="ru-RU" dirty="0" smtClean="0"/>
-              <a:t>Поиск статистических закономерностей в данных.</a:t>
-            </a:r>
-          </a:p>
-          <a:p>
-            <a:r>
-              <a:rPr lang="ru-RU" dirty="0" smtClean="0"/>
-              <a:t>Построение математической модели на основе найденных закономерностей.</a:t>
-            </a:r>
-          </a:p>
-          <a:p>
-            <a:r>
-              <a:rPr lang="ru-RU" dirty="0" smtClean="0"/>
-              <a:t>Использование полученной математической модели на новых данных.</a:t>
-            </a:r>
-          </a:p>
-          <a:p>
-            <a:r>
-              <a:rPr lang="ru-RU" dirty="0" smtClean="0"/>
-              <a:t>Принятие решений на основании полученных результатов.</a:t>
-            </a:r>
+          <a:bodyPr/>
+          <a:lstStyle/>
+          <a:p>
+            <a:pPr marL="0" indent="0">
+              <a:buNone/>
+            </a:pPr>
+            <a:r>
+              <a:rPr lang="ru-RU" dirty="0" smtClean="0"/>
+              <a:t>Параметры модели:</a:t>
+            </a:r>
+          </a:p>
+          <a:p>
+            <a:pPr marL="0" indent="0">
+              <a:buNone/>
+            </a:pPr>
+            <a:r>
+              <a:rPr lang="ru-RU" dirty="0" smtClean="0"/>
+              <a:t>Величины, описывающие устройство и работу модели, вычисляются в процессе обучения.</a:t>
+            </a:r>
+          </a:p>
+          <a:p>
+            <a:pPr marL="0" indent="0">
+              <a:buNone/>
+            </a:pPr>
+            <a:endParaRPr lang="ru-RU" dirty="0"/>
+          </a:p>
+          <a:p>
+            <a:pPr marL="0" indent="0">
+              <a:buNone/>
+            </a:pPr>
+            <a:r>
+              <a:rPr lang="ru-RU" dirty="0" err="1" smtClean="0"/>
+              <a:t>Гиперпараметры</a:t>
+            </a:r>
+            <a:r>
+              <a:rPr lang="ru-RU" dirty="0" smtClean="0"/>
+              <a:t> модели:</a:t>
+            </a:r>
+          </a:p>
+          <a:p>
+            <a:pPr marL="0" indent="0">
+              <a:buNone/>
+            </a:pPr>
+            <a:r>
+              <a:rPr lang="ru-RU" dirty="0" smtClean="0"/>
+              <a:t>Величины, описывающие устройство и работу алгоритма построения модели, задаются до начала обучения.</a:t>
+            </a:r>
+            <a:endParaRPr lang="ru-RU" dirty="0"/>
           </a:p>
         </p:txBody>
       </p:sp>
     </p:spTree>
     <p:extLst>
       <p:ext uri="{BB962C8B-B14F-4D97-AF65-F5344CB8AC3E}">
-        <p14:creationId xmlns:p14="http://schemas.microsoft.com/office/powerpoint/2010/main" val="1087335680"/>
+        <p14:creationId xmlns:p14="http://schemas.microsoft.com/office/powerpoint/2010/main" val="1846912744"/>
       </p:ext>
     </p:extLst>
   </p:cSld>
   <p:clrMapOvr>
     <a:masterClrMapping/>
   </p:clrMapOvr>
+  <p:timing>
+    <p:tnLst>
+      <p:par>
+        <p:cTn id="1" dur="indefinite" restart="never" nodeType="tmRoot"/>
+      </p:par>
+    </p:tnLst>
+  </p:timing>
 </p:sld>
 </file>
 
@@ -3239,385 +3303,69 @@
       </p:sp>
       <p:sp>
         <p:nvSpPr>
-          <p:cNvPr id="8" name="Прямоугольник 7"/>
-          <p:cNvSpPr/>
-          <p:nvPr/>
-        </p:nvSpPr>
-        <p:spPr>
-          <a:xfrm>
-            <a:off x="838200" y="2689977"/>
-            <a:ext cx="1508166" cy="961901"/>
-          </a:xfrm>
-          <a:prstGeom prst="rect">
-            <a:avLst/>
-          </a:prstGeom>
-        </p:spPr>
-        <p:style>
-          <a:lnRef idx="2">
-            <a:schemeClr val="accent1">
-              <a:shade val="50000"/>
-            </a:schemeClr>
-          </a:lnRef>
-          <a:fillRef idx="1">
-            <a:schemeClr val="accent1"/>
-          </a:fillRef>
-          <a:effectRef idx="0">
-            <a:schemeClr val="accent1"/>
-          </a:effectRef>
-          <a:fontRef idx="minor">
-            <a:schemeClr val="lt1"/>
-          </a:fontRef>
-        </p:style>
-        <p:txBody>
-          <a:bodyPr rtlCol="0" anchor="ctr"/>
-          <a:lstStyle/>
-          <a:p>
-            <a:pPr algn="ctr"/>
-            <a:r>
-              <a:rPr lang="ru-RU" dirty="0" smtClean="0"/>
-              <a:t>Данные</a:t>
-            </a:r>
-            <a:endParaRPr lang="ru-RU" dirty="0"/>
-          </a:p>
-        </p:txBody>
-      </p:sp>
-      <p:sp>
-        <p:nvSpPr>
-          <p:cNvPr id="9" name="Прямоугольник 8"/>
-          <p:cNvSpPr/>
-          <p:nvPr/>
-        </p:nvSpPr>
-        <p:spPr>
-          <a:xfrm>
-            <a:off x="838200" y="4953989"/>
-            <a:ext cx="1508166" cy="961901"/>
-          </a:xfrm>
-          <a:prstGeom prst="rect">
-            <a:avLst/>
-          </a:prstGeom>
-        </p:spPr>
-        <p:style>
-          <a:lnRef idx="2">
-            <a:schemeClr val="accent1">
-              <a:shade val="50000"/>
-            </a:schemeClr>
-          </a:lnRef>
-          <a:fillRef idx="1">
-            <a:schemeClr val="accent1"/>
-          </a:fillRef>
-          <a:effectRef idx="0">
-            <a:schemeClr val="accent1"/>
-          </a:effectRef>
-          <a:fontRef idx="minor">
-            <a:schemeClr val="lt1"/>
-          </a:fontRef>
-        </p:style>
-        <p:txBody>
-          <a:bodyPr rtlCol="0" anchor="ctr"/>
-          <a:lstStyle/>
-          <a:p>
-            <a:pPr algn="ctr"/>
-            <a:r>
-              <a:rPr lang="ru-RU" dirty="0" smtClean="0"/>
-              <a:t>Алгоритмы</a:t>
-            </a:r>
-            <a:endParaRPr lang="ru-RU" dirty="0"/>
-          </a:p>
-        </p:txBody>
-      </p:sp>
-      <p:sp>
-        <p:nvSpPr>
-          <p:cNvPr id="10" name="Прямоугольник 9"/>
-          <p:cNvSpPr/>
-          <p:nvPr/>
-        </p:nvSpPr>
-        <p:spPr>
-          <a:xfrm>
-            <a:off x="9662556" y="3821983"/>
-            <a:ext cx="1508166" cy="961901"/>
-          </a:xfrm>
-          <a:prstGeom prst="rect">
-            <a:avLst/>
-          </a:prstGeom>
-        </p:spPr>
-        <p:style>
-          <a:lnRef idx="2">
-            <a:schemeClr val="accent1">
-              <a:shade val="50000"/>
-            </a:schemeClr>
-          </a:lnRef>
-          <a:fillRef idx="1">
-            <a:schemeClr val="accent1"/>
-          </a:fillRef>
-          <a:effectRef idx="0">
-            <a:schemeClr val="accent1"/>
-          </a:effectRef>
-          <a:fontRef idx="minor">
-            <a:schemeClr val="lt1"/>
-          </a:fontRef>
-        </p:style>
-        <p:txBody>
-          <a:bodyPr rtlCol="0" anchor="ctr"/>
-          <a:lstStyle/>
-          <a:p>
-            <a:pPr algn="ctr"/>
-            <a:r>
-              <a:rPr lang="ru-RU" dirty="0" smtClean="0"/>
-              <a:t>Решения</a:t>
-            </a:r>
-            <a:endParaRPr lang="ru-RU" dirty="0"/>
-          </a:p>
-        </p:txBody>
-      </p:sp>
-      <p:sp>
-        <p:nvSpPr>
-          <p:cNvPr id="11" name="Прямоугольник 10"/>
-          <p:cNvSpPr/>
-          <p:nvPr/>
-        </p:nvSpPr>
-        <p:spPr>
-          <a:xfrm>
-            <a:off x="6798625" y="1709382"/>
-            <a:ext cx="1508166" cy="961901"/>
-          </a:xfrm>
-          <a:prstGeom prst="rect">
-            <a:avLst/>
-          </a:prstGeom>
-        </p:spPr>
-        <p:style>
-          <a:lnRef idx="2">
-            <a:schemeClr val="accent1">
-              <a:shade val="50000"/>
-            </a:schemeClr>
-          </a:lnRef>
-          <a:fillRef idx="1">
-            <a:schemeClr val="accent1"/>
-          </a:fillRef>
-          <a:effectRef idx="0">
-            <a:schemeClr val="accent1"/>
-          </a:effectRef>
-          <a:fontRef idx="minor">
-            <a:schemeClr val="lt1"/>
-          </a:fontRef>
-        </p:style>
-        <p:txBody>
-          <a:bodyPr rtlCol="0" anchor="ctr"/>
-          <a:lstStyle/>
-          <a:p>
-            <a:pPr algn="ctr"/>
-            <a:r>
-              <a:rPr lang="ru-RU" dirty="0" smtClean="0"/>
-              <a:t>Новые</a:t>
-            </a:r>
-          </a:p>
-          <a:p>
-            <a:pPr algn="ctr"/>
-            <a:r>
-              <a:rPr lang="ru-RU" dirty="0" smtClean="0"/>
-              <a:t>данные</a:t>
-            </a:r>
-            <a:endParaRPr lang="ru-RU" dirty="0"/>
-          </a:p>
-        </p:txBody>
-      </p:sp>
-      <p:sp>
-        <p:nvSpPr>
-          <p:cNvPr id="12" name="Прямоугольник 11"/>
-          <p:cNvSpPr/>
-          <p:nvPr/>
-        </p:nvSpPr>
-        <p:spPr>
-          <a:xfrm>
-            <a:off x="3946566" y="3821982"/>
-            <a:ext cx="1508166" cy="961901"/>
-          </a:xfrm>
-          <a:prstGeom prst="rect">
-            <a:avLst/>
-          </a:prstGeom>
-        </p:spPr>
-        <p:style>
-          <a:lnRef idx="2">
-            <a:schemeClr val="accent1">
-              <a:shade val="50000"/>
-            </a:schemeClr>
-          </a:lnRef>
-          <a:fillRef idx="1">
-            <a:schemeClr val="accent1"/>
-          </a:fillRef>
-          <a:effectRef idx="0">
-            <a:schemeClr val="accent1"/>
-          </a:effectRef>
-          <a:fontRef idx="minor">
-            <a:schemeClr val="lt1"/>
-          </a:fontRef>
-        </p:style>
-        <p:txBody>
-          <a:bodyPr rtlCol="0" anchor="ctr"/>
-          <a:lstStyle/>
-          <a:p>
-            <a:pPr algn="ctr"/>
-            <a:r>
-              <a:rPr lang="ru-RU" dirty="0" smtClean="0"/>
-              <a:t>Модели</a:t>
-            </a:r>
-            <a:endParaRPr lang="ru-RU" dirty="0"/>
-          </a:p>
-        </p:txBody>
-      </p:sp>
-      <p:cxnSp>
-        <p:nvCxnSpPr>
-          <p:cNvPr id="14" name="Соединительная линия уступом 13"/>
-          <p:cNvCxnSpPr>
-            <a:stCxn id="8" idx="3"/>
-            <a:endCxn id="12" idx="0"/>
-          </p:cNvCxnSpPr>
-          <p:nvPr/>
-        </p:nvCxnSpPr>
-        <p:spPr>
-          <a:xfrm>
-            <a:off x="2346366" y="3170928"/>
-            <a:ext cx="2354283" cy="651054"/>
-          </a:xfrm>
-          <a:prstGeom prst="bentConnector2">
-            <a:avLst/>
-          </a:prstGeom>
-          <a:ln>
-            <a:tailEnd type="triangle"/>
-          </a:ln>
-        </p:spPr>
-        <p:style>
-          <a:lnRef idx="1">
-            <a:schemeClr val="accent1"/>
-          </a:lnRef>
-          <a:fillRef idx="0">
-            <a:schemeClr val="accent1"/>
-          </a:fillRef>
-          <a:effectRef idx="0">
-            <a:schemeClr val="accent1"/>
-          </a:effectRef>
-          <a:fontRef idx="minor">
-            <a:schemeClr val="tx1"/>
-          </a:fontRef>
-        </p:style>
-      </p:cxnSp>
-      <p:cxnSp>
-        <p:nvCxnSpPr>
-          <p:cNvPr id="18" name="Соединительная линия уступом 17"/>
-          <p:cNvCxnSpPr>
-            <a:stCxn id="9" idx="3"/>
-            <a:endCxn id="12" idx="2"/>
-          </p:cNvCxnSpPr>
-          <p:nvPr/>
-        </p:nvCxnSpPr>
-        <p:spPr>
-          <a:xfrm flipV="1">
-            <a:off x="2346366" y="4783883"/>
-            <a:ext cx="2354283" cy="651057"/>
-          </a:xfrm>
-          <a:prstGeom prst="bentConnector2">
-            <a:avLst/>
-          </a:prstGeom>
-          <a:ln>
-            <a:tailEnd type="triangle"/>
-          </a:ln>
-        </p:spPr>
-        <p:style>
-          <a:lnRef idx="1">
-            <a:schemeClr val="accent1"/>
-          </a:lnRef>
-          <a:fillRef idx="0">
-            <a:schemeClr val="accent1"/>
-          </a:fillRef>
-          <a:effectRef idx="0">
-            <a:schemeClr val="accent1"/>
-          </a:effectRef>
-          <a:fontRef idx="minor">
-            <a:schemeClr val="tx1"/>
-          </a:fontRef>
-        </p:style>
-      </p:cxnSp>
-      <p:cxnSp>
-        <p:nvCxnSpPr>
-          <p:cNvPr id="22" name="Соединительная линия уступом 21"/>
-          <p:cNvCxnSpPr>
-            <a:stCxn id="12" idx="3"/>
-            <a:endCxn id="10" idx="1"/>
-          </p:cNvCxnSpPr>
-          <p:nvPr/>
-        </p:nvCxnSpPr>
-        <p:spPr>
-          <a:xfrm>
-            <a:off x="5454732" y="4302933"/>
-            <a:ext cx="4207824" cy="1"/>
-          </a:xfrm>
-          <a:prstGeom prst="bentConnector3">
-            <a:avLst/>
-          </a:prstGeom>
-          <a:ln>
-            <a:tailEnd type="triangle"/>
-          </a:ln>
-        </p:spPr>
-        <p:style>
-          <a:lnRef idx="1">
-            <a:schemeClr val="accent1"/>
-          </a:lnRef>
-          <a:fillRef idx="0">
-            <a:schemeClr val="accent1"/>
-          </a:fillRef>
-          <a:effectRef idx="0">
-            <a:schemeClr val="accent1"/>
-          </a:effectRef>
-          <a:fontRef idx="minor">
-            <a:schemeClr val="tx1"/>
-          </a:fontRef>
-        </p:style>
-      </p:cxnSp>
-      <p:cxnSp>
-        <p:nvCxnSpPr>
-          <p:cNvPr id="24" name="Соединительная линия уступом 23"/>
-          <p:cNvCxnSpPr>
-            <a:stCxn id="11" idx="3"/>
-            <a:endCxn id="10" idx="0"/>
-          </p:cNvCxnSpPr>
-          <p:nvPr/>
-        </p:nvCxnSpPr>
-        <p:spPr>
-          <a:xfrm>
-            <a:off x="8306791" y="2190333"/>
-            <a:ext cx="2109848" cy="1631650"/>
-          </a:xfrm>
-          <a:prstGeom prst="bentConnector2">
-            <a:avLst/>
-          </a:prstGeom>
-          <a:ln>
-            <a:tailEnd type="triangle"/>
-          </a:ln>
-        </p:spPr>
-        <p:style>
-          <a:lnRef idx="1">
-            <a:schemeClr val="accent1"/>
-          </a:lnRef>
-          <a:fillRef idx="0">
-            <a:schemeClr val="accent1"/>
-          </a:fillRef>
-          <a:effectRef idx="0">
-            <a:schemeClr val="accent1"/>
-          </a:effectRef>
-          <a:fontRef idx="minor">
-            <a:schemeClr val="tx1"/>
-          </a:fontRef>
-        </p:style>
-      </p:cxnSp>
+          <p:cNvPr id="3" name="Объект 2"/>
+          <p:cNvSpPr>
+            <a:spLocks noGrp="1"/>
+          </p:cNvSpPr>
+          <p:nvPr>
+            <p:ph idx="1"/>
+          </p:nvPr>
+        </p:nvSpPr>
+        <p:spPr/>
+        <p:txBody>
+          <a:bodyPr>
+            <a:normAutofit/>
+          </a:bodyPr>
+          <a:lstStyle/>
+          <a:p>
+            <a:r>
+              <a:rPr lang="ru-RU" dirty="0" smtClean="0"/>
+              <a:t>Анализ данных.</a:t>
+            </a:r>
+          </a:p>
+          <a:p>
+            <a:r>
+              <a:rPr lang="ru-RU" dirty="0" smtClean="0"/>
+              <a:t>Поиск статистических закономерностей в данных.</a:t>
+            </a:r>
+          </a:p>
+          <a:p>
+            <a:r>
+              <a:rPr lang="ru-RU" dirty="0" smtClean="0"/>
+              <a:t>Построение математической модели на основе найденных закономерностей.</a:t>
+            </a:r>
+          </a:p>
+          <a:p>
+            <a:r>
+              <a:rPr lang="ru-RU" dirty="0" smtClean="0"/>
+              <a:t>Использование полученной математической модели на новых данных.</a:t>
+            </a:r>
+          </a:p>
+          <a:p>
+            <a:r>
+              <a:rPr lang="ru-RU" dirty="0" smtClean="0"/>
+              <a:t>Принятие решений на основании полученных результатов.</a:t>
+            </a:r>
+          </a:p>
+        </p:txBody>
+      </p:sp>
     </p:spTree>
     <p:extLst>
       <p:ext uri="{BB962C8B-B14F-4D97-AF65-F5344CB8AC3E}">
-        <p14:creationId xmlns:p14="http://schemas.microsoft.com/office/powerpoint/2010/main" val="4231213153"/>
+        <p14:creationId xmlns:p14="http://schemas.microsoft.com/office/powerpoint/2010/main" val="1087335680"/>
       </p:ext>
     </p:extLst>
   </p:cSld>
   <p:clrMapOvr>
     <a:masterClrMapping/>
   </p:clrMapOvr>
+  <p:timing>
+    <p:tnLst>
+      <p:par>
+        <p:cTn id="1" dur="indefinite" restart="never" nodeType="tmRoot"/>
+      </p:par>
+    </p:tnLst>
+  </p:timing>
 </p:sld>
 </file>
 
@@ -3663,83 +3411,392 @@
       </p:sp>
       <p:sp>
         <p:nvSpPr>
-          <p:cNvPr id="3" name="Объект 2"/>
-          <p:cNvSpPr>
-            <a:spLocks noGrp="1"/>
-          </p:cNvSpPr>
-          <p:nvPr>
-            <p:ph idx="1"/>
-          </p:nvPr>
-        </p:nvSpPr>
-        <p:spPr/>
-        <p:txBody>
-          <a:bodyPr>
-            <a:normAutofit/>
-          </a:bodyPr>
-          <a:lstStyle/>
-          <a:p>
-            <a:pPr marL="0" indent="0">
-              <a:buNone/>
-            </a:pPr>
-            <a:r>
-              <a:rPr lang="ru-RU" dirty="0" smtClean="0"/>
-              <a:t>Данные:</a:t>
-            </a:r>
-          </a:p>
-          <a:p>
-            <a:r>
-              <a:rPr lang="ru-RU" dirty="0" smtClean="0"/>
-              <a:t>Сбор данных.</a:t>
-            </a:r>
-          </a:p>
-          <a:p>
-            <a:r>
-              <a:rPr lang="ru-RU" dirty="0" smtClean="0"/>
-              <a:t>Структурирование и оцифровка данных.</a:t>
-            </a:r>
-          </a:p>
-          <a:p>
-            <a:r>
-              <a:rPr lang="ru-RU" dirty="0" smtClean="0"/>
-              <a:t>Очистка и исправление данных.</a:t>
-            </a:r>
-          </a:p>
-          <a:p>
-            <a:r>
-              <a:rPr lang="ru-RU" dirty="0" smtClean="0"/>
-              <a:t>Обогащение данных.</a:t>
-            </a:r>
-          </a:p>
-          <a:p>
-            <a:r>
-              <a:rPr lang="ru-RU" dirty="0" smtClean="0"/>
-              <a:t>Формирование обучающей, </a:t>
-            </a:r>
-            <a:r>
-              <a:rPr lang="ru-RU" dirty="0" err="1"/>
-              <a:t>в</a:t>
-            </a:r>
-            <a:r>
-              <a:rPr lang="ru-RU" dirty="0" err="1" smtClean="0"/>
-              <a:t>алидационной</a:t>
-            </a:r>
-            <a:r>
-              <a:rPr lang="ru-RU" dirty="0" smtClean="0"/>
-              <a:t> и тестовой выборок.</a:t>
-            </a:r>
-          </a:p>
-        </p:txBody>
-      </p:sp>
+          <p:cNvPr id="8" name="Прямоугольник 7"/>
+          <p:cNvSpPr/>
+          <p:nvPr/>
+        </p:nvSpPr>
+        <p:spPr>
+          <a:xfrm>
+            <a:off x="838200" y="2689977"/>
+            <a:ext cx="1508166" cy="961901"/>
+          </a:xfrm>
+          <a:prstGeom prst="rect">
+            <a:avLst/>
+          </a:prstGeom>
+        </p:spPr>
+        <p:style>
+          <a:lnRef idx="2">
+            <a:schemeClr val="accent1">
+              <a:shade val="50000"/>
+            </a:schemeClr>
+          </a:lnRef>
+          <a:fillRef idx="1">
+            <a:schemeClr val="accent1"/>
+          </a:fillRef>
+          <a:effectRef idx="0">
+            <a:schemeClr val="accent1"/>
+          </a:effectRef>
+          <a:fontRef idx="minor">
+            <a:schemeClr val="lt1"/>
+          </a:fontRef>
+        </p:style>
+        <p:txBody>
+          <a:bodyPr rtlCol="0" anchor="ctr"/>
+          <a:lstStyle/>
+          <a:p>
+            <a:pPr algn="ctr"/>
+            <a:r>
+              <a:rPr lang="ru-RU" dirty="0" smtClean="0"/>
+              <a:t>Данные</a:t>
+            </a:r>
+            <a:endParaRPr lang="ru-RU" dirty="0"/>
+          </a:p>
+        </p:txBody>
+      </p:sp>
+      <p:sp>
+        <p:nvSpPr>
+          <p:cNvPr id="9" name="Прямоугольник 8"/>
+          <p:cNvSpPr/>
+          <p:nvPr/>
+        </p:nvSpPr>
+        <p:spPr>
+          <a:xfrm>
+            <a:off x="838200" y="4953989"/>
+            <a:ext cx="1508166" cy="961901"/>
+          </a:xfrm>
+          <a:prstGeom prst="rect">
+            <a:avLst/>
+          </a:prstGeom>
+        </p:spPr>
+        <p:style>
+          <a:lnRef idx="2">
+            <a:schemeClr val="accent1">
+              <a:shade val="50000"/>
+            </a:schemeClr>
+          </a:lnRef>
+          <a:fillRef idx="1">
+            <a:schemeClr val="accent1"/>
+          </a:fillRef>
+          <a:effectRef idx="0">
+            <a:schemeClr val="accent1"/>
+          </a:effectRef>
+          <a:fontRef idx="minor">
+            <a:schemeClr val="lt1"/>
+          </a:fontRef>
+        </p:style>
+        <p:txBody>
+          <a:bodyPr rtlCol="0" anchor="ctr"/>
+          <a:lstStyle/>
+          <a:p>
+            <a:pPr algn="ctr"/>
+            <a:r>
+              <a:rPr lang="ru-RU" dirty="0" smtClean="0"/>
+              <a:t>Алгоритмы</a:t>
+            </a:r>
+            <a:endParaRPr lang="ru-RU" dirty="0"/>
+          </a:p>
+        </p:txBody>
+      </p:sp>
+      <p:sp>
+        <p:nvSpPr>
+          <p:cNvPr id="10" name="Прямоугольник 9"/>
+          <p:cNvSpPr/>
+          <p:nvPr/>
+        </p:nvSpPr>
+        <p:spPr>
+          <a:xfrm>
+            <a:off x="9662556" y="3821983"/>
+            <a:ext cx="1508166" cy="961901"/>
+          </a:xfrm>
+          <a:prstGeom prst="rect">
+            <a:avLst/>
+          </a:prstGeom>
+        </p:spPr>
+        <p:style>
+          <a:lnRef idx="2">
+            <a:schemeClr val="accent1">
+              <a:shade val="50000"/>
+            </a:schemeClr>
+          </a:lnRef>
+          <a:fillRef idx="1">
+            <a:schemeClr val="accent1"/>
+          </a:fillRef>
+          <a:effectRef idx="0">
+            <a:schemeClr val="accent1"/>
+          </a:effectRef>
+          <a:fontRef idx="minor">
+            <a:schemeClr val="lt1"/>
+          </a:fontRef>
+        </p:style>
+        <p:txBody>
+          <a:bodyPr rtlCol="0" anchor="ctr"/>
+          <a:lstStyle/>
+          <a:p>
+            <a:pPr algn="ctr"/>
+            <a:r>
+              <a:rPr lang="ru-RU" dirty="0" smtClean="0"/>
+              <a:t>Решения</a:t>
+            </a:r>
+            <a:endParaRPr lang="ru-RU" dirty="0"/>
+          </a:p>
+        </p:txBody>
+      </p:sp>
+      <p:sp>
+        <p:nvSpPr>
+          <p:cNvPr id="11" name="Прямоугольник 10"/>
+          <p:cNvSpPr/>
+          <p:nvPr/>
+        </p:nvSpPr>
+        <p:spPr>
+          <a:xfrm>
+            <a:off x="6798625" y="1709382"/>
+            <a:ext cx="1508166" cy="961901"/>
+          </a:xfrm>
+          <a:prstGeom prst="rect">
+            <a:avLst/>
+          </a:prstGeom>
+        </p:spPr>
+        <p:style>
+          <a:lnRef idx="2">
+            <a:schemeClr val="accent1">
+              <a:shade val="50000"/>
+            </a:schemeClr>
+          </a:lnRef>
+          <a:fillRef idx="1">
+            <a:schemeClr val="accent1"/>
+          </a:fillRef>
+          <a:effectRef idx="0">
+            <a:schemeClr val="accent1"/>
+          </a:effectRef>
+          <a:fontRef idx="minor">
+            <a:schemeClr val="lt1"/>
+          </a:fontRef>
+        </p:style>
+        <p:txBody>
+          <a:bodyPr rtlCol="0" anchor="ctr"/>
+          <a:lstStyle/>
+          <a:p>
+            <a:pPr algn="ctr"/>
+            <a:r>
+              <a:rPr lang="ru-RU" dirty="0" smtClean="0"/>
+              <a:t>Новые</a:t>
+            </a:r>
+          </a:p>
+          <a:p>
+            <a:pPr algn="ctr"/>
+            <a:r>
+              <a:rPr lang="ru-RU" dirty="0" smtClean="0"/>
+              <a:t>данные</a:t>
+            </a:r>
+            <a:endParaRPr lang="ru-RU" dirty="0"/>
+          </a:p>
+        </p:txBody>
+      </p:sp>
+      <p:sp>
+        <p:nvSpPr>
+          <p:cNvPr id="12" name="Прямоугольник 11"/>
+          <p:cNvSpPr/>
+          <p:nvPr/>
+        </p:nvSpPr>
+        <p:spPr>
+          <a:xfrm>
+            <a:off x="3946566" y="3821982"/>
+            <a:ext cx="1508166" cy="961901"/>
+          </a:xfrm>
+          <a:prstGeom prst="rect">
+            <a:avLst/>
+          </a:prstGeom>
+        </p:spPr>
+        <p:style>
+          <a:lnRef idx="2">
+            <a:schemeClr val="accent1">
+              <a:shade val="50000"/>
+            </a:schemeClr>
+          </a:lnRef>
+          <a:fillRef idx="1">
+            <a:schemeClr val="accent1"/>
+          </a:fillRef>
+          <a:effectRef idx="0">
+            <a:schemeClr val="accent1"/>
+          </a:effectRef>
+          <a:fontRef idx="minor">
+            <a:schemeClr val="lt1"/>
+          </a:fontRef>
+        </p:style>
+        <p:txBody>
+          <a:bodyPr rtlCol="0" anchor="ctr"/>
+          <a:lstStyle/>
+          <a:p>
+            <a:pPr algn="ctr"/>
+            <a:r>
+              <a:rPr lang="ru-RU" dirty="0" smtClean="0"/>
+              <a:t>Модели</a:t>
+            </a:r>
+            <a:endParaRPr lang="ru-RU" dirty="0"/>
+          </a:p>
+        </p:txBody>
+      </p:sp>
+      <p:cxnSp>
+        <p:nvCxnSpPr>
+          <p:cNvPr id="14" name="Соединительная линия уступом 13"/>
+          <p:cNvCxnSpPr>
+            <a:stCxn id="8" idx="3"/>
+            <a:endCxn id="12" idx="0"/>
+          </p:cNvCxnSpPr>
+          <p:nvPr/>
+        </p:nvCxnSpPr>
+        <p:spPr>
+          <a:xfrm>
+            <a:off x="2346366" y="3170928"/>
+            <a:ext cx="2354283" cy="651054"/>
+          </a:xfrm>
+          <a:prstGeom prst="bentConnector2">
+            <a:avLst/>
+          </a:prstGeom>
+          <a:ln>
+            <a:tailEnd type="triangle"/>
+          </a:ln>
+        </p:spPr>
+        <p:style>
+          <a:lnRef idx="1">
+            <a:schemeClr val="accent1"/>
+          </a:lnRef>
+          <a:fillRef idx="0">
+            <a:schemeClr val="accent1"/>
+          </a:fillRef>
+          <a:effectRef idx="0">
+            <a:schemeClr val="accent1"/>
+          </a:effectRef>
+          <a:fontRef idx="minor">
+            <a:schemeClr val="tx1"/>
+          </a:fontRef>
+        </p:style>
+      </p:cxnSp>
+      <p:cxnSp>
+        <p:nvCxnSpPr>
+          <p:cNvPr id="18" name="Соединительная линия уступом 17"/>
+          <p:cNvCxnSpPr>
+            <a:stCxn id="9" idx="3"/>
+            <a:endCxn id="12" idx="2"/>
+          </p:cNvCxnSpPr>
+          <p:nvPr/>
+        </p:nvCxnSpPr>
+        <p:spPr>
+          <a:xfrm flipV="1">
+            <a:off x="2346366" y="4783883"/>
+            <a:ext cx="2354283" cy="651057"/>
+          </a:xfrm>
+          <a:prstGeom prst="bentConnector2">
+            <a:avLst/>
+          </a:prstGeom>
+          <a:ln>
+            <a:tailEnd type="triangle"/>
+          </a:ln>
+        </p:spPr>
+        <p:style>
+          <a:lnRef idx="1">
+            <a:schemeClr val="accent1"/>
+          </a:lnRef>
+          <a:fillRef idx="0">
+            <a:schemeClr val="accent1"/>
+          </a:fillRef>
+          <a:effectRef idx="0">
+            <a:schemeClr val="accent1"/>
+          </a:effectRef>
+          <a:fontRef idx="minor">
+            <a:schemeClr val="tx1"/>
+          </a:fontRef>
+        </p:style>
+      </p:cxnSp>
+      <p:cxnSp>
+        <p:nvCxnSpPr>
+          <p:cNvPr id="22" name="Соединительная линия уступом 21"/>
+          <p:cNvCxnSpPr>
+            <a:stCxn id="12" idx="3"/>
+            <a:endCxn id="10" idx="1"/>
+          </p:cNvCxnSpPr>
+          <p:nvPr/>
+        </p:nvCxnSpPr>
+        <p:spPr>
+          <a:xfrm>
+            <a:off x="5454732" y="4302933"/>
+            <a:ext cx="4207824" cy="1"/>
+          </a:xfrm>
+          <a:prstGeom prst="bentConnector3">
+            <a:avLst/>
+          </a:prstGeom>
+          <a:ln>
+            <a:tailEnd type="triangle"/>
+          </a:ln>
+        </p:spPr>
+        <p:style>
+          <a:lnRef idx="1">
+            <a:schemeClr val="accent1"/>
+          </a:lnRef>
+          <a:fillRef idx="0">
+            <a:schemeClr val="accent1"/>
+          </a:fillRef>
+          <a:effectRef idx="0">
+            <a:schemeClr val="accent1"/>
+          </a:effectRef>
+          <a:fontRef idx="minor">
+            <a:schemeClr val="tx1"/>
+          </a:fontRef>
+        </p:style>
+      </p:cxnSp>
+      <p:cxnSp>
+        <p:nvCxnSpPr>
+          <p:cNvPr id="24" name="Соединительная линия уступом 23"/>
+          <p:cNvCxnSpPr>
+            <a:stCxn id="11" idx="3"/>
+            <a:endCxn id="10" idx="0"/>
+          </p:cNvCxnSpPr>
+          <p:nvPr/>
+        </p:nvCxnSpPr>
+        <p:spPr>
+          <a:xfrm>
+            <a:off x="8306791" y="2190333"/>
+            <a:ext cx="2109848" cy="1631650"/>
+          </a:xfrm>
+          <a:prstGeom prst="bentConnector2">
+            <a:avLst/>
+          </a:prstGeom>
+          <a:ln>
+            <a:tailEnd type="triangle"/>
+          </a:ln>
+        </p:spPr>
+        <p:style>
+          <a:lnRef idx="1">
+            <a:schemeClr val="accent1"/>
+          </a:lnRef>
+          <a:fillRef idx="0">
+            <a:schemeClr val="accent1"/>
+          </a:fillRef>
+          <a:effectRef idx="0">
+            <a:schemeClr val="accent1"/>
+          </a:effectRef>
+          <a:fontRef idx="minor">
+            <a:schemeClr val="tx1"/>
+          </a:fontRef>
+        </p:style>
+      </p:cxnSp>
     </p:spTree>
     <p:extLst>
       <p:ext uri="{BB962C8B-B14F-4D97-AF65-F5344CB8AC3E}">
-        <p14:creationId xmlns:p14="http://schemas.microsoft.com/office/powerpoint/2010/main" val="752379524"/>
+        <p14:creationId xmlns:p14="http://schemas.microsoft.com/office/powerpoint/2010/main" val="4231213153"/>
       </p:ext>
     </p:extLst>
   </p:cSld>
   <p:clrMapOvr>
     <a:masterClrMapping/>
   </p:clrMapOvr>
+  <p:timing>
+    <p:tnLst>
+      <p:par>
+        <p:cTn id="1" dur="indefinite" restart="never" nodeType="tmRoot"/>
+      </p:par>
+    </p:tnLst>
+  </p:timing>
 </p:sld>
 </file>
 
@@ -3776,9 +3833,10 @@
           <a:lstStyle/>
           <a:p>
             <a:r>
-              <a:rPr lang="ru-RU" dirty="0"/>
+              <a:rPr lang="ru-RU" dirty="0" smtClean="0"/>
               <a:t>Как работает машинное обучение?</a:t>
             </a:r>
+            <a:endParaRPr lang="ru-RU" dirty="0"/>
           </a:p>
         </p:txBody>
       </p:sp>
@@ -3794,7 +3852,9 @@
         </p:nvSpPr>
         <p:spPr/>
         <p:txBody>
-          <a:bodyPr/>
+          <a:bodyPr>
+            <a:normAutofit/>
+          </a:bodyPr>
           <a:lstStyle/>
           <a:p>
             <a:pPr marL="0" indent="0">
@@ -3802,79 +3862,70 @@
             </a:pPr>
             <a:r>
               <a:rPr lang="ru-RU" dirty="0" smtClean="0"/>
-              <a:t>Типы выборок:</a:t>
-            </a:r>
-          </a:p>
-          <a:p>
-            <a:pPr marL="0" indent="0">
-              <a:buNone/>
-            </a:pPr>
-            <a:endParaRPr lang="ru-RU" dirty="0" smtClean="0"/>
-          </a:p>
-          <a:p>
-            <a:pPr marL="0" indent="0">
-              <a:buNone/>
-            </a:pPr>
-            <a:r>
-              <a:rPr lang="ru-RU" dirty="0" smtClean="0"/>
-              <a:t>Обучающая (60%) – используется для построения модели.</a:t>
-            </a:r>
-          </a:p>
-          <a:p>
-            <a:pPr marL="0" indent="0">
-              <a:buNone/>
-            </a:pPr>
-            <a:endParaRPr lang="ru-RU" dirty="0" smtClean="0"/>
-          </a:p>
-          <a:p>
-            <a:pPr marL="0" indent="0">
-              <a:buNone/>
-            </a:pPr>
+              <a:t>Данные:</a:t>
+            </a:r>
+          </a:p>
+          <a:p>
+            <a:r>
+              <a:rPr lang="ru-RU" dirty="0" smtClean="0"/>
+              <a:t>Сбор данных.</a:t>
+            </a:r>
+          </a:p>
+          <a:p>
+            <a:r>
+              <a:rPr lang="ru-RU" dirty="0" smtClean="0"/>
+              <a:t>Структурирование и оцифровка данных.</a:t>
+            </a:r>
+          </a:p>
+          <a:p>
+            <a:r>
+              <a:rPr lang="ru-RU" dirty="0" smtClean="0"/>
+              <a:t>Очистка и исправление данных.</a:t>
+            </a:r>
+          </a:p>
+          <a:p>
+            <a:r>
+              <a:rPr lang="ru-RU" dirty="0" smtClean="0"/>
+              <a:t>Обогащение данных.</a:t>
+            </a:r>
+          </a:p>
+          <a:p>
+            <a:r>
+              <a:rPr lang="ru-RU" dirty="0" smtClean="0"/>
+              <a:t>Формирование обучающей, </a:t>
+            </a:r>
+            <a:r>
+              <a:rPr lang="ru-RU" dirty="0" err="1"/>
+              <a:t>в</a:t>
+            </a:r>
             <a:r>
               <a:rPr lang="ru-RU" dirty="0" err="1" smtClean="0"/>
-              <a:t>Валидационная</a:t>
-            </a:r>
-            <a:r>
-              <a:rPr lang="ru-RU" dirty="0" smtClean="0"/>
-              <a:t> (20%) – используется для настройки </a:t>
-            </a:r>
-            <a:r>
-              <a:rPr lang="ru-RU" dirty="0" err="1" smtClean="0"/>
-              <a:t>гиперпараметров</a:t>
-            </a:r>
-            <a:r>
-              <a:rPr lang="ru-RU" dirty="0" smtClean="0"/>
-              <a:t> модели.</a:t>
-            </a:r>
-          </a:p>
-          <a:p>
-            <a:pPr marL="0" indent="0">
-              <a:buNone/>
-            </a:pPr>
-            <a:endParaRPr lang="ru-RU" dirty="0" smtClean="0"/>
-          </a:p>
-          <a:p>
-            <a:pPr marL="0" indent="0">
-              <a:buNone/>
-            </a:pPr>
-            <a:r>
-              <a:rPr lang="ru-RU" dirty="0" smtClean="0"/>
-              <a:t>Тестовая (20%) – используется для определения метрик производительности модели.</a:t>
-            </a:r>
-            <a:endParaRPr lang="ru-RU" dirty="0"/>
+              <a:t>алидационной</a:t>
+            </a:r>
+            <a:r>
+              <a:rPr lang="ru-RU" dirty="0" smtClean="0"/>
+              <a:t> и тестовой выборок.</a:t>
+            </a:r>
           </a:p>
         </p:txBody>
       </p:sp>
     </p:spTree>
     <p:extLst>
       <p:ext uri="{BB962C8B-B14F-4D97-AF65-F5344CB8AC3E}">
-        <p14:creationId xmlns:p14="http://schemas.microsoft.com/office/powerpoint/2010/main" val="3313143894"/>
+        <p14:creationId xmlns:p14="http://schemas.microsoft.com/office/powerpoint/2010/main" val="752379524"/>
       </p:ext>
     </p:extLst>
   </p:cSld>
   <p:clrMapOvr>
     <a:masterClrMapping/>
   </p:clrMapOvr>
+  <p:timing>
+    <p:tnLst>
+      <p:par>
+        <p:cTn id="1" dur="indefinite" restart="never" nodeType="tmRoot"/>
+      </p:par>
+    </p:tnLst>
+  </p:timing>
 </p:sld>
 </file>
 
@@ -3937,30 +3988,41 @@
             </a:pPr>
             <a:r>
               <a:rPr lang="ru-RU" dirty="0" smtClean="0"/>
-              <a:t>Алгоритмы:</a:t>
-            </a:r>
-          </a:p>
-          <a:p>
-            <a:r>
-              <a:rPr lang="ru-RU" dirty="0" smtClean="0"/>
-              <a:t>Подбор алгоритмов, подходящих для решения задачи.</a:t>
-            </a:r>
-          </a:p>
-          <a:p>
-            <a:r>
-              <a:rPr lang="ru-RU" dirty="0" smtClean="0"/>
-              <a:t>Повторение шагов</a:t>
-            </a:r>
-            <a:r>
-              <a:rPr lang="ru-RU" dirty="0" smtClean="0"/>
-              <a:t>:</a:t>
-            </a:r>
-          </a:p>
-          <a:p>
-            <a:pPr lvl="1"/>
-            <a:r>
-              <a:rPr lang="ru-RU" dirty="0" smtClean="0"/>
-              <a:t>Задание значений </a:t>
+              <a:t>Типы выборок:</a:t>
+            </a:r>
+          </a:p>
+          <a:p>
+            <a:pPr marL="0" indent="0">
+              <a:buNone/>
+            </a:pPr>
+            <a:endParaRPr lang="ru-RU" dirty="0" smtClean="0"/>
+          </a:p>
+          <a:p>
+            <a:pPr marL="0" indent="0">
+              <a:buNone/>
+            </a:pPr>
+            <a:r>
+              <a:rPr lang="ru-RU" dirty="0" smtClean="0"/>
+              <a:t>Обучающая (60%) – используется для построения модели.</a:t>
+            </a:r>
+          </a:p>
+          <a:p>
+            <a:pPr marL="0" indent="0">
+              <a:buNone/>
+            </a:pPr>
+            <a:endParaRPr lang="ru-RU" dirty="0" smtClean="0"/>
+          </a:p>
+          <a:p>
+            <a:pPr marL="0" indent="0">
+              <a:buNone/>
+            </a:pPr>
+            <a:r>
+              <a:rPr lang="ru-RU" dirty="0" err="1" smtClean="0"/>
+              <a:t>Валидационная</a:t>
+            </a:r>
+            <a:r>
+              <a:rPr lang="ru-RU" dirty="0" smtClean="0"/>
+              <a:t> (20%) – используется для настройки </a:t>
             </a:r>
             <a:r>
               <a:rPr lang="ru-RU" dirty="0" err="1" smtClean="0"/>
@@ -3968,25 +4030,23 @@
             </a:r>
             <a:r>
               <a:rPr lang="ru-RU" dirty="0" smtClean="0"/>
-              <a:t>.</a:t>
-            </a:r>
+              <a:t> модели.</a:t>
+            </a:r>
+          </a:p>
+          <a:p>
+            <a:pPr marL="0" indent="0">
+              <a:buNone/>
+            </a:pPr>
             <a:endParaRPr lang="ru-RU" dirty="0" smtClean="0"/>
           </a:p>
           <a:p>
-            <a:pPr lvl="1"/>
-            <a:r>
-              <a:rPr lang="ru-RU" dirty="0" smtClean="0"/>
-              <a:t>Использование части или всей обучающей выборки для настройки параметров модели.</a:t>
-            </a:r>
-          </a:p>
-          <a:p>
-            <a:pPr lvl="1"/>
-            <a:r>
-              <a:rPr lang="ru-RU" dirty="0" smtClean="0"/>
-              <a:t>Анализ получающегося результата.</a:t>
-            </a:r>
-          </a:p>
-          <a:p>
+            <a:pPr marL="0" indent="0">
+              <a:buNone/>
+            </a:pPr>
+            <a:r>
+              <a:rPr lang="ru-RU" dirty="0" smtClean="0"/>
+              <a:t>Тестовая (20%) – используется для определения метрик производительности модели.</a:t>
+            </a:r>
             <a:endParaRPr lang="ru-RU" dirty="0"/>
           </a:p>
         </p:txBody>
@@ -3994,13 +4054,20 @@
     </p:spTree>
     <p:extLst>
       <p:ext uri="{BB962C8B-B14F-4D97-AF65-F5344CB8AC3E}">
-        <p14:creationId xmlns:p14="http://schemas.microsoft.com/office/powerpoint/2010/main" val="3401147244"/>
+        <p14:creationId xmlns:p14="http://schemas.microsoft.com/office/powerpoint/2010/main" val="3313143894"/>
       </p:ext>
     </p:extLst>
   </p:cSld>
   <p:clrMapOvr>
     <a:masterClrMapping/>
   </p:clrMapOvr>
+  <p:timing>
+    <p:tnLst>
+      <p:par>
+        <p:cTn id="1" dur="indefinite" restart="never" nodeType="tmRoot"/>
+      </p:par>
+    </p:tnLst>
+  </p:timing>
 </p:sld>
 </file>
 
@@ -4037,87 +4104,209 @@
           <a:lstStyle/>
           <a:p>
             <a:r>
-              <a:rPr lang="ru-RU" dirty="0" smtClean="0"/>
+              <a:rPr lang="ru-RU" dirty="0"/>
               <a:t>Как работает машинное обучение?</a:t>
             </a:r>
+          </a:p>
+        </p:txBody>
+      </p:sp>
+      <p:sp>
+        <p:nvSpPr>
+          <p:cNvPr id="5" name="Прямоугольник 4"/>
+          <p:cNvSpPr/>
+          <p:nvPr/>
+        </p:nvSpPr>
+        <p:spPr>
+          <a:xfrm>
+            <a:off x="838200" y="1690688"/>
+            <a:ext cx="10003971" cy="1028761"/>
+          </a:xfrm>
+          <a:prstGeom prst="rect">
+            <a:avLst/>
+          </a:prstGeom>
+        </p:spPr>
+        <p:style>
+          <a:lnRef idx="2">
+            <a:schemeClr val="accent2">
+              <a:shade val="50000"/>
+            </a:schemeClr>
+          </a:lnRef>
+          <a:fillRef idx="1">
+            <a:schemeClr val="accent2"/>
+          </a:fillRef>
+          <a:effectRef idx="0">
+            <a:schemeClr val="accent2"/>
+          </a:effectRef>
+          <a:fontRef idx="minor">
+            <a:schemeClr val="lt1"/>
+          </a:fontRef>
+        </p:style>
+        <p:txBody>
+          <a:bodyPr rtlCol="0" anchor="ctr"/>
+          <a:lstStyle/>
+          <a:p>
+            <a:pPr algn="ctr"/>
+            <a:r>
+              <a:rPr lang="ru-RU" dirty="0" smtClean="0"/>
+              <a:t>Данные</a:t>
+            </a:r>
             <a:endParaRPr lang="ru-RU" dirty="0"/>
           </a:p>
         </p:txBody>
       </p:sp>
       <p:sp>
         <p:nvSpPr>
-          <p:cNvPr id="3" name="Объект 2"/>
-          <p:cNvSpPr>
-            <a:spLocks noGrp="1"/>
-          </p:cNvSpPr>
-          <p:nvPr>
-            <p:ph idx="1"/>
-          </p:nvPr>
-        </p:nvSpPr>
-        <p:spPr/>
-        <p:txBody>
-          <a:bodyPr/>
-          <a:lstStyle/>
-          <a:p>
-            <a:pPr marL="0" indent="0">
-              <a:buNone/>
-            </a:pPr>
-            <a:r>
-              <a:rPr lang="ru-RU" dirty="0" smtClean="0"/>
-              <a:t>Модели:</a:t>
-            </a:r>
-          </a:p>
-          <a:p>
-            <a:r>
-              <a:rPr lang="ru-RU" dirty="0" smtClean="0"/>
-              <a:t>Построение </a:t>
-            </a:r>
-            <a:r>
-              <a:rPr lang="ru-RU" dirty="0" smtClean="0"/>
-              <a:t>моделей (определение значений параметров моделей).</a:t>
-            </a:r>
-            <a:endParaRPr lang="ru-RU" dirty="0" smtClean="0"/>
-          </a:p>
-          <a:p>
-            <a:r>
-              <a:rPr lang="ru-RU" dirty="0" smtClean="0"/>
-              <a:t>Оценка моделей.</a:t>
-            </a:r>
-          </a:p>
-          <a:p>
-            <a:r>
-              <a:rPr lang="ru-RU" dirty="0" smtClean="0"/>
-              <a:t>Сравнение моделей.</a:t>
-            </a:r>
-          </a:p>
-          <a:p>
-            <a:r>
-              <a:rPr lang="ru-RU" dirty="0" smtClean="0"/>
-              <a:t>Выбор </a:t>
-            </a:r>
-            <a:r>
-              <a:rPr lang="ru-RU" dirty="0" smtClean="0"/>
-              <a:t>итоговой модели.</a:t>
-            </a:r>
-          </a:p>
-          <a:p>
-            <a:r>
-              <a:rPr lang="ru-RU" dirty="0" smtClean="0"/>
-              <a:t>Использование итоговой модели.</a:t>
-            </a:r>
+          <p:cNvPr id="6" name="Прямоугольник 5"/>
+          <p:cNvSpPr/>
+          <p:nvPr/>
+        </p:nvSpPr>
+        <p:spPr>
+          <a:xfrm>
+            <a:off x="838200" y="3016251"/>
+            <a:ext cx="7593282" cy="1028761"/>
+          </a:xfrm>
+          <a:prstGeom prst="rect">
+            <a:avLst/>
+          </a:prstGeom>
+        </p:spPr>
+        <p:style>
+          <a:lnRef idx="2">
+            <a:schemeClr val="accent1">
+              <a:shade val="50000"/>
+            </a:schemeClr>
+          </a:lnRef>
+          <a:fillRef idx="1">
+            <a:schemeClr val="accent1"/>
+          </a:fillRef>
+          <a:effectRef idx="0">
+            <a:schemeClr val="accent1"/>
+          </a:effectRef>
+          <a:fontRef idx="minor">
+            <a:schemeClr val="lt1"/>
+          </a:fontRef>
+        </p:style>
+        <p:txBody>
+          <a:bodyPr rtlCol="0" anchor="ctr"/>
+          <a:lstStyle/>
+          <a:p>
+            <a:pPr algn="ctr"/>
+            <a:r>
+              <a:rPr lang="ru-RU" dirty="0" smtClean="0"/>
+              <a:t>Обучающая выборка</a:t>
+            </a:r>
+            <a:endParaRPr lang="ru-RU" dirty="0"/>
+          </a:p>
+        </p:txBody>
+      </p:sp>
+      <p:sp>
+        <p:nvSpPr>
+          <p:cNvPr id="7" name="Прямоугольник 6"/>
+          <p:cNvSpPr/>
+          <p:nvPr/>
+        </p:nvSpPr>
+        <p:spPr>
+          <a:xfrm>
+            <a:off x="8431482" y="4341814"/>
+            <a:ext cx="1235032" cy="1028761"/>
+          </a:xfrm>
+          <a:prstGeom prst="rect">
+            <a:avLst/>
+          </a:prstGeom>
+        </p:spPr>
+        <p:style>
+          <a:lnRef idx="2">
+            <a:schemeClr val="accent6">
+              <a:shade val="50000"/>
+            </a:schemeClr>
+          </a:lnRef>
+          <a:fillRef idx="1">
+            <a:schemeClr val="accent6"/>
+          </a:fillRef>
+          <a:effectRef idx="0">
+            <a:schemeClr val="accent6"/>
+          </a:effectRef>
+          <a:fontRef idx="minor">
+            <a:schemeClr val="lt1"/>
+          </a:fontRef>
+        </p:style>
+        <p:txBody>
+          <a:bodyPr rtlCol="0" anchor="ctr"/>
+          <a:lstStyle/>
+          <a:p>
+            <a:pPr algn="ctr"/>
+            <a:r>
+              <a:rPr lang="ru-RU" dirty="0" smtClean="0"/>
+              <a:t>Тестовая выборка</a:t>
+            </a:r>
+            <a:endParaRPr lang="ru-RU" dirty="0"/>
+          </a:p>
+        </p:txBody>
+      </p:sp>
+      <p:sp>
+        <p:nvSpPr>
+          <p:cNvPr id="8" name="Прямоугольник 7"/>
+          <p:cNvSpPr/>
+          <p:nvPr/>
+        </p:nvSpPr>
+        <p:spPr>
+          <a:xfrm>
+            <a:off x="9666514" y="5615321"/>
+            <a:ext cx="1175657" cy="1028761"/>
+          </a:xfrm>
+          <a:prstGeom prst="rect">
+            <a:avLst/>
+          </a:prstGeom>
+        </p:spPr>
+        <p:style>
+          <a:lnRef idx="2">
+            <a:schemeClr val="accent4">
+              <a:shade val="50000"/>
+            </a:schemeClr>
+          </a:lnRef>
+          <a:fillRef idx="1">
+            <a:schemeClr val="accent4"/>
+          </a:fillRef>
+          <a:effectRef idx="0">
+            <a:schemeClr val="accent4"/>
+          </a:effectRef>
+          <a:fontRef idx="minor">
+            <a:schemeClr val="lt1"/>
+          </a:fontRef>
+        </p:style>
+        <p:txBody>
+          <a:bodyPr rtlCol="0" anchor="ctr"/>
+          <a:lstStyle/>
+          <a:p>
+            <a:pPr algn="ctr"/>
+            <a:r>
+              <a:rPr lang="ru-RU" dirty="0" err="1" smtClean="0"/>
+              <a:t>Валидационная</a:t>
+            </a:r>
+            <a:r>
+              <a:rPr lang="ru-RU" dirty="0" smtClean="0"/>
+              <a:t> выборка</a:t>
+            </a:r>
+            <a:endParaRPr lang="ru-RU" dirty="0"/>
           </a:p>
         </p:txBody>
       </p:sp>
     </p:spTree>
     <p:extLst>
       <p:ext uri="{BB962C8B-B14F-4D97-AF65-F5344CB8AC3E}">
-        <p14:creationId xmlns:p14="http://schemas.microsoft.com/office/powerpoint/2010/main" val="588428620"/>
+        <p14:creationId xmlns:p14="http://schemas.microsoft.com/office/powerpoint/2010/main" val="147058024"/>
       </p:ext>
     </p:extLst>
   </p:cSld>
   <p:clrMapOvr>
     <a:masterClrMapping/>
   </p:clrMapOvr>
+  <p:timing>
+    <p:tnLst>
+      <p:par>
+        <p:cTn id="1" dur="indefinite" restart="never" nodeType="tmRoot"/>
+      </p:par>
+    </p:tnLst>
+  </p:timing>
 </p:sld>
 </file>
 
@@ -4162,420 +4351,90 @@
       </p:sp>
       <p:sp>
         <p:nvSpPr>
-          <p:cNvPr id="4" name="Стрелка вправо 3"/>
-          <p:cNvSpPr/>
-          <p:nvPr/>
-        </p:nvSpPr>
-        <p:spPr>
-          <a:xfrm>
-            <a:off x="838200" y="5628904"/>
-            <a:ext cx="10515599" cy="924019"/>
-          </a:xfrm>
-          <a:prstGeom prst="rightArrow">
-            <a:avLst/>
-          </a:prstGeom>
-        </p:spPr>
-        <p:style>
-          <a:lnRef idx="1">
-            <a:schemeClr val="accent1"/>
-          </a:lnRef>
-          <a:fillRef idx="2">
-            <a:schemeClr val="accent1"/>
-          </a:fillRef>
-          <a:effectRef idx="1">
-            <a:schemeClr val="accent1"/>
-          </a:effectRef>
-          <a:fontRef idx="minor">
-            <a:schemeClr val="dk1"/>
-          </a:fontRef>
-        </p:style>
-        <p:txBody>
-          <a:bodyPr rtlCol="0" anchor="ctr"/>
-          <a:lstStyle/>
-          <a:p>
-            <a:pPr algn="ctr"/>
-            <a:r>
-              <a:rPr lang="ru-RU" sz="3600" dirty="0" smtClean="0"/>
-              <a:t>Время</a:t>
-            </a:r>
-            <a:endParaRPr lang="ru-RU" sz="3600" dirty="0"/>
-          </a:p>
-        </p:txBody>
-      </p:sp>
-      <p:sp>
-        <p:nvSpPr>
-          <p:cNvPr id="5" name="Прямоугольник 4"/>
-          <p:cNvSpPr/>
-          <p:nvPr/>
-        </p:nvSpPr>
-        <p:spPr>
-          <a:xfrm>
-            <a:off x="930827" y="3122022"/>
-            <a:ext cx="1121229" cy="950026"/>
-          </a:xfrm>
-          <a:prstGeom prst="rect">
-            <a:avLst/>
-          </a:prstGeom>
-        </p:spPr>
-        <p:style>
-          <a:lnRef idx="2">
-            <a:schemeClr val="accent1">
-              <a:shade val="50000"/>
-            </a:schemeClr>
-          </a:lnRef>
-          <a:fillRef idx="1">
-            <a:schemeClr val="accent1"/>
-          </a:fillRef>
-          <a:effectRef idx="0">
-            <a:schemeClr val="accent1"/>
-          </a:effectRef>
-          <a:fontRef idx="minor">
-            <a:schemeClr val="lt1"/>
-          </a:fontRef>
-        </p:style>
-        <p:txBody>
-          <a:bodyPr rtlCol="0" anchor="ctr"/>
-          <a:lstStyle/>
-          <a:p>
-            <a:pPr algn="ctr"/>
-            <a:r>
-              <a:rPr lang="ru-RU" dirty="0" smtClean="0"/>
-              <a:t>Данные</a:t>
-            </a:r>
+          <p:cNvPr id="3" name="Объект 2"/>
+          <p:cNvSpPr>
+            <a:spLocks noGrp="1"/>
+          </p:cNvSpPr>
+          <p:nvPr>
+            <p:ph idx="1"/>
+          </p:nvPr>
+        </p:nvSpPr>
+        <p:spPr/>
+        <p:txBody>
+          <a:bodyPr/>
+          <a:lstStyle/>
+          <a:p>
+            <a:pPr marL="0" indent="0">
+              <a:buNone/>
+            </a:pPr>
+            <a:r>
+              <a:rPr lang="ru-RU" dirty="0" smtClean="0"/>
+              <a:t>Алгоритмы:</a:t>
+            </a:r>
+          </a:p>
+          <a:p>
+            <a:r>
+              <a:rPr lang="ru-RU" dirty="0" smtClean="0"/>
+              <a:t>Подбор алгоритмов, подходящих для решения задачи.</a:t>
+            </a:r>
+          </a:p>
+          <a:p>
+            <a:r>
+              <a:rPr lang="ru-RU" dirty="0" smtClean="0"/>
+              <a:t>Повторение шагов:</a:t>
+            </a:r>
+          </a:p>
+          <a:p>
+            <a:pPr lvl="1"/>
+            <a:r>
+              <a:rPr lang="ru-RU" dirty="0" smtClean="0"/>
+              <a:t>Задание значений </a:t>
+            </a:r>
+            <a:r>
+              <a:rPr lang="ru-RU" dirty="0" err="1" smtClean="0"/>
+              <a:t>гиперпараметров</a:t>
+            </a:r>
+            <a:r>
+              <a:rPr lang="ru-RU" dirty="0" smtClean="0"/>
+              <a:t>.</a:t>
+            </a:r>
+          </a:p>
+          <a:p>
+            <a:pPr lvl="1"/>
+            <a:r>
+              <a:rPr lang="ru-RU" dirty="0" smtClean="0"/>
+              <a:t>Использование части или всей обучающей выборки для настройки параметров модели.</a:t>
+            </a:r>
+          </a:p>
+          <a:p>
+            <a:pPr lvl="1"/>
+            <a:r>
+              <a:rPr lang="ru-RU" dirty="0" smtClean="0"/>
+              <a:t>Анализ получающегося результата.</a:t>
+            </a:r>
+          </a:p>
+          <a:p>
             <a:endParaRPr lang="ru-RU" dirty="0"/>
           </a:p>
         </p:txBody>
       </p:sp>
-      <p:sp>
-        <p:nvSpPr>
-          <p:cNvPr id="7" name="Прямоугольник 6"/>
-          <p:cNvSpPr/>
-          <p:nvPr/>
-        </p:nvSpPr>
-        <p:spPr>
-          <a:xfrm>
-            <a:off x="2873828" y="3146602"/>
-            <a:ext cx="1425039" cy="914400"/>
-          </a:xfrm>
-          <a:prstGeom prst="rect">
-            <a:avLst/>
-          </a:prstGeom>
-        </p:spPr>
-        <p:style>
-          <a:lnRef idx="2">
-            <a:schemeClr val="accent1">
-              <a:shade val="50000"/>
-            </a:schemeClr>
-          </a:lnRef>
-          <a:fillRef idx="1">
-            <a:schemeClr val="accent1"/>
-          </a:fillRef>
-          <a:effectRef idx="0">
-            <a:schemeClr val="accent1"/>
-          </a:effectRef>
-          <a:fontRef idx="minor">
-            <a:schemeClr val="lt1"/>
-          </a:fontRef>
-        </p:style>
-        <p:txBody>
-          <a:bodyPr rtlCol="0" anchor="ctr"/>
-          <a:lstStyle/>
-          <a:p>
-            <a:pPr algn="ctr"/>
-            <a:r>
-              <a:rPr lang="ru-RU" dirty="0" smtClean="0"/>
-              <a:t>Алгоритм</a:t>
-            </a:r>
-            <a:endParaRPr lang="ru-RU" dirty="0"/>
-          </a:p>
-        </p:txBody>
-      </p:sp>
-      <p:sp>
-        <p:nvSpPr>
-          <p:cNvPr id="10" name="Прямоугольник 9"/>
-          <p:cNvSpPr/>
-          <p:nvPr/>
-        </p:nvSpPr>
-        <p:spPr>
-          <a:xfrm>
-            <a:off x="5120639" y="3139835"/>
-            <a:ext cx="1845425" cy="914400"/>
-          </a:xfrm>
-          <a:prstGeom prst="rect">
-            <a:avLst/>
-          </a:prstGeom>
-        </p:spPr>
-        <p:style>
-          <a:lnRef idx="2">
-            <a:schemeClr val="accent1">
-              <a:shade val="50000"/>
-            </a:schemeClr>
-          </a:lnRef>
-          <a:fillRef idx="1">
-            <a:schemeClr val="accent1"/>
-          </a:fillRef>
-          <a:effectRef idx="0">
-            <a:schemeClr val="accent1"/>
-          </a:effectRef>
-          <a:fontRef idx="minor">
-            <a:schemeClr val="lt1"/>
-          </a:fontRef>
-        </p:style>
-        <p:txBody>
-          <a:bodyPr rtlCol="0" anchor="ctr"/>
-          <a:lstStyle/>
-          <a:p>
-            <a:pPr algn="ctr"/>
-            <a:r>
-              <a:rPr lang="ru-RU" dirty="0" err="1" smtClean="0"/>
-              <a:t>Гиперпараметры</a:t>
-            </a:r>
-            <a:endParaRPr lang="ru-RU" dirty="0"/>
-          </a:p>
-        </p:txBody>
-      </p:sp>
-      <p:sp>
-        <p:nvSpPr>
-          <p:cNvPr id="11" name="Прямоугольник 10"/>
-          <p:cNvSpPr/>
-          <p:nvPr/>
-        </p:nvSpPr>
-        <p:spPr>
-          <a:xfrm>
-            <a:off x="7787836" y="3141023"/>
-            <a:ext cx="1180408" cy="914400"/>
-          </a:xfrm>
-          <a:prstGeom prst="rect">
-            <a:avLst/>
-          </a:prstGeom>
-        </p:spPr>
-        <p:style>
-          <a:lnRef idx="2">
-            <a:schemeClr val="accent1">
-              <a:shade val="50000"/>
-            </a:schemeClr>
-          </a:lnRef>
-          <a:fillRef idx="1">
-            <a:schemeClr val="accent1"/>
-          </a:fillRef>
-          <a:effectRef idx="0">
-            <a:schemeClr val="accent1"/>
-          </a:effectRef>
-          <a:fontRef idx="minor">
-            <a:schemeClr val="lt1"/>
-          </a:fontRef>
-        </p:style>
-        <p:txBody>
-          <a:bodyPr rtlCol="0" anchor="ctr"/>
-          <a:lstStyle/>
-          <a:p>
-            <a:pPr algn="ctr"/>
-            <a:r>
-              <a:rPr lang="ru-RU" dirty="0" smtClean="0"/>
-              <a:t>Обучение</a:t>
-            </a:r>
-            <a:endParaRPr lang="ru-RU" dirty="0"/>
-          </a:p>
-        </p:txBody>
-      </p:sp>
-      <p:sp>
-        <p:nvSpPr>
-          <p:cNvPr id="12" name="Прямоугольник 11"/>
-          <p:cNvSpPr/>
-          <p:nvPr/>
-        </p:nvSpPr>
-        <p:spPr>
-          <a:xfrm>
-            <a:off x="9790016" y="3139835"/>
-            <a:ext cx="1463038" cy="914400"/>
-          </a:xfrm>
-          <a:prstGeom prst="rect">
-            <a:avLst/>
-          </a:prstGeom>
-        </p:spPr>
-        <p:style>
-          <a:lnRef idx="2">
-            <a:schemeClr val="accent1">
-              <a:shade val="50000"/>
-            </a:schemeClr>
-          </a:lnRef>
-          <a:fillRef idx="1">
-            <a:schemeClr val="accent1"/>
-          </a:fillRef>
-          <a:effectRef idx="0">
-            <a:schemeClr val="accent1"/>
-          </a:effectRef>
-          <a:fontRef idx="minor">
-            <a:schemeClr val="lt1"/>
-          </a:fontRef>
-        </p:style>
-        <p:txBody>
-          <a:bodyPr rtlCol="0" anchor="ctr"/>
-          <a:lstStyle/>
-          <a:p>
-            <a:pPr algn="ctr"/>
-            <a:r>
-              <a:rPr lang="ru-RU" dirty="0" smtClean="0"/>
-              <a:t>Модель и её параметры</a:t>
-            </a:r>
-            <a:endParaRPr lang="ru-RU" dirty="0"/>
-          </a:p>
-        </p:txBody>
-      </p:sp>
-      <p:cxnSp>
-        <p:nvCxnSpPr>
-          <p:cNvPr id="16" name="Прямая со стрелкой 15"/>
-          <p:cNvCxnSpPr>
-            <a:stCxn id="5" idx="3"/>
-            <a:endCxn id="7" idx="1"/>
-          </p:cNvCxnSpPr>
-          <p:nvPr/>
-        </p:nvCxnSpPr>
-        <p:spPr>
-          <a:xfrm>
-            <a:off x="2052056" y="3597035"/>
-            <a:ext cx="821772" cy="6767"/>
-          </a:xfrm>
-          <a:prstGeom prst="straightConnector1">
-            <a:avLst/>
-          </a:prstGeom>
-          <a:ln>
-            <a:tailEnd type="triangle"/>
-          </a:ln>
-        </p:spPr>
-        <p:style>
-          <a:lnRef idx="1">
-            <a:schemeClr val="accent1"/>
-          </a:lnRef>
-          <a:fillRef idx="0">
-            <a:schemeClr val="accent1"/>
-          </a:fillRef>
-          <a:effectRef idx="0">
-            <a:schemeClr val="accent1"/>
-          </a:effectRef>
-          <a:fontRef idx="minor">
-            <a:schemeClr val="tx1"/>
-          </a:fontRef>
-        </p:style>
-      </p:cxnSp>
-      <p:cxnSp>
-        <p:nvCxnSpPr>
-          <p:cNvPr id="18" name="Прямая со стрелкой 17"/>
-          <p:cNvCxnSpPr>
-            <a:stCxn id="7" idx="3"/>
-            <a:endCxn id="10" idx="1"/>
-          </p:cNvCxnSpPr>
-          <p:nvPr/>
-        </p:nvCxnSpPr>
-        <p:spPr>
-          <a:xfrm flipV="1">
-            <a:off x="4298867" y="3597035"/>
-            <a:ext cx="821772" cy="6767"/>
-          </a:xfrm>
-          <a:prstGeom prst="straightConnector1">
-            <a:avLst/>
-          </a:prstGeom>
-          <a:ln>
-            <a:tailEnd type="triangle"/>
-          </a:ln>
-        </p:spPr>
-        <p:style>
-          <a:lnRef idx="1">
-            <a:schemeClr val="accent1"/>
-          </a:lnRef>
-          <a:fillRef idx="0">
-            <a:schemeClr val="accent1"/>
-          </a:fillRef>
-          <a:effectRef idx="0">
-            <a:schemeClr val="accent1"/>
-          </a:effectRef>
-          <a:fontRef idx="minor">
-            <a:schemeClr val="tx1"/>
-          </a:fontRef>
-        </p:style>
-      </p:cxnSp>
-      <p:cxnSp>
-        <p:nvCxnSpPr>
-          <p:cNvPr id="20" name="Прямая со стрелкой 19"/>
-          <p:cNvCxnSpPr>
-            <a:stCxn id="10" idx="3"/>
-            <a:endCxn id="11" idx="1"/>
-          </p:cNvCxnSpPr>
-          <p:nvPr/>
-        </p:nvCxnSpPr>
-        <p:spPr>
-          <a:xfrm>
-            <a:off x="6966064" y="3597035"/>
-            <a:ext cx="821772" cy="1188"/>
-          </a:xfrm>
-          <a:prstGeom prst="straightConnector1">
-            <a:avLst/>
-          </a:prstGeom>
-          <a:ln>
-            <a:tailEnd type="triangle"/>
-          </a:ln>
-        </p:spPr>
-        <p:style>
-          <a:lnRef idx="1">
-            <a:schemeClr val="accent1"/>
-          </a:lnRef>
-          <a:fillRef idx="0">
-            <a:schemeClr val="accent1"/>
-          </a:fillRef>
-          <a:effectRef idx="0">
-            <a:schemeClr val="accent1"/>
-          </a:effectRef>
-          <a:fontRef idx="minor">
-            <a:schemeClr val="tx1"/>
-          </a:fontRef>
-        </p:style>
-      </p:cxnSp>
-      <p:cxnSp>
-        <p:nvCxnSpPr>
-          <p:cNvPr id="22" name="Прямая со стрелкой 21"/>
-          <p:cNvCxnSpPr>
-            <a:stCxn id="11" idx="3"/>
-            <a:endCxn id="12" idx="1"/>
-          </p:cNvCxnSpPr>
-          <p:nvPr/>
-        </p:nvCxnSpPr>
-        <p:spPr>
-          <a:xfrm flipV="1">
-            <a:off x="8968244" y="3597035"/>
-            <a:ext cx="821772" cy="1188"/>
-          </a:xfrm>
-          <a:prstGeom prst="straightConnector1">
-            <a:avLst/>
-          </a:prstGeom>
-          <a:ln>
-            <a:tailEnd type="triangle"/>
-          </a:ln>
-        </p:spPr>
-        <p:style>
-          <a:lnRef idx="1">
-            <a:schemeClr val="accent1"/>
-          </a:lnRef>
-          <a:fillRef idx="0">
-            <a:schemeClr val="accent1"/>
-          </a:fillRef>
-          <a:effectRef idx="0">
-            <a:schemeClr val="accent1"/>
-          </a:effectRef>
-          <a:fontRef idx="minor">
-            <a:schemeClr val="tx1"/>
-          </a:fontRef>
-        </p:style>
-      </p:cxnSp>
     </p:spTree>
     <p:extLst>
       <p:ext uri="{BB962C8B-B14F-4D97-AF65-F5344CB8AC3E}">
-        <p14:creationId xmlns:p14="http://schemas.microsoft.com/office/powerpoint/2010/main" val="1390925505"/>
+        <p14:creationId xmlns:p14="http://schemas.microsoft.com/office/powerpoint/2010/main" val="3401147244"/>
       </p:ext>
     </p:extLst>
   </p:cSld>
   <p:clrMapOvr>
     <a:masterClrMapping/>
   </p:clrMapOvr>
+  <p:timing>
+    <p:tnLst>
+      <p:par>
+        <p:cTn id="1" dur="indefinite" restart="never" nodeType="tmRoot"/>
+      </p:par>
+    </p:tnLst>
+  </p:timing>
 </p:sld>
 </file>
 
@@ -4613,7 +4472,7 @@
           <a:p>
             <a:r>
               <a:rPr lang="ru-RU" dirty="0" smtClean="0"/>
-              <a:t>Переобучение модели</a:t>
+              <a:t>Как работает машинное обучение?</a:t>
             </a:r>
             <a:endParaRPr lang="ru-RU" dirty="0"/>
           </a:p>
@@ -4639,60 +4498,58 @@
             </a:pPr>
             <a:r>
               <a:rPr lang="ru-RU" dirty="0" smtClean="0"/>
-              <a:t>Данные = «полезные» данные  + шум</a:t>
-            </a:r>
-          </a:p>
-          <a:p>
-            <a:pPr marL="0" indent="0">
-              <a:buNone/>
-            </a:pPr>
-            <a:endParaRPr lang="ru-RU" dirty="0"/>
-          </a:p>
-          <a:p>
-            <a:pPr marL="0" indent="0">
-              <a:buNone/>
-            </a:pPr>
-            <a:r>
-              <a:rPr lang="ru-RU" dirty="0" smtClean="0"/>
-              <a:t>Переобученная модель не отличает шум от полезных данных.</a:t>
-            </a:r>
-          </a:p>
-          <a:p>
-            <a:pPr marL="0" indent="0">
-              <a:buNone/>
-            </a:pPr>
-            <a:endParaRPr lang="ru-RU" dirty="0" smtClean="0"/>
-          </a:p>
-          <a:p>
-            <a:pPr marL="0" indent="0">
-              <a:buNone/>
-            </a:pPr>
-            <a:r>
-              <a:rPr lang="ru-RU" dirty="0" smtClean="0"/>
-              <a:t>Метрики производительности модели на обучающей выборке будут иметь хорошие значения, однако на </a:t>
-            </a:r>
-            <a:r>
-              <a:rPr lang="ru-RU" dirty="0" err="1" smtClean="0"/>
-              <a:t>валидационной</a:t>
-            </a:r>
-            <a:r>
-              <a:rPr lang="ru-RU" dirty="0" smtClean="0"/>
-              <a:t> и тестовой выборках – плохие.</a:t>
-            </a:r>
-            <a:endParaRPr lang="ru-RU" dirty="0"/>
+              <a:t>Модели:</a:t>
+            </a:r>
+          </a:p>
+          <a:p>
+            <a:r>
+              <a:rPr lang="ru-RU" dirty="0" smtClean="0"/>
+              <a:t>Построение моделей (определение значений параметров моделей).</a:t>
+            </a:r>
+          </a:p>
+          <a:p>
+            <a:r>
+              <a:rPr lang="ru-RU" dirty="0" smtClean="0"/>
+              <a:t>Оценка моделей.</a:t>
+            </a:r>
+          </a:p>
+          <a:p>
+            <a:r>
+              <a:rPr lang="ru-RU" dirty="0" smtClean="0"/>
+              <a:t>Сравнение моделей.</a:t>
+            </a:r>
+          </a:p>
+          <a:p>
+            <a:r>
+              <a:rPr lang="ru-RU" dirty="0" smtClean="0"/>
+              <a:t>Выбор итоговой модели.</a:t>
+            </a:r>
+          </a:p>
+          <a:p>
+            <a:r>
+              <a:rPr lang="ru-RU" dirty="0" smtClean="0"/>
+              <a:t>Использование итоговой модели.</a:t>
+            </a:r>
           </a:p>
         </p:txBody>
       </p:sp>
     </p:spTree>
     <p:extLst>
       <p:ext uri="{BB962C8B-B14F-4D97-AF65-F5344CB8AC3E}">
-        <p14:creationId xmlns:p14="http://schemas.microsoft.com/office/powerpoint/2010/main" val="2173937394"/>
+        <p14:creationId xmlns:p14="http://schemas.microsoft.com/office/powerpoint/2010/main" val="588428620"/>
       </p:ext>
     </p:extLst>
   </p:cSld>
   <p:clrMapOvr>
     <a:masterClrMapping/>
   </p:clrMapOvr>
+  <p:timing>
+    <p:tnLst>
+      <p:par>
+        <p:cTn id="1" dur="indefinite" restart="never" nodeType="tmRoot"/>
+      </p:par>
+    </p:tnLst>
+  </p:timing>
 </p:sld>
 </file>
 
@@ -4729,8 +4586,93 @@
           <a:lstStyle/>
           <a:p>
             <a:r>
-              <a:rPr lang="ru-RU" dirty="0" smtClean="0"/>
-              <a:t>Переобучение модели</a:t>
+              <a:rPr lang="ru-RU" dirty="0"/>
+              <a:t>Как работает машинное обучение?</a:t>
+            </a:r>
+          </a:p>
+        </p:txBody>
+      </p:sp>
+      <p:sp>
+        <p:nvSpPr>
+          <p:cNvPr id="4" name="Стрелка вправо 3"/>
+          <p:cNvSpPr/>
+          <p:nvPr/>
+        </p:nvSpPr>
+        <p:spPr>
+          <a:xfrm>
+            <a:off x="838200" y="5628904"/>
+            <a:ext cx="10515599" cy="924019"/>
+          </a:xfrm>
+          <a:prstGeom prst="rightArrow">
+            <a:avLst/>
+          </a:prstGeom>
+        </p:spPr>
+        <p:style>
+          <a:lnRef idx="1">
+            <a:schemeClr val="accent1"/>
+          </a:lnRef>
+          <a:fillRef idx="2">
+            <a:schemeClr val="accent1"/>
+          </a:fillRef>
+          <a:effectRef idx="1">
+            <a:schemeClr val="accent1"/>
+          </a:effectRef>
+          <a:fontRef idx="minor">
+            <a:schemeClr val="dk1"/>
+          </a:fontRef>
+        </p:style>
+        <p:txBody>
+          <a:bodyPr rtlCol="0" anchor="ctr"/>
+          <a:lstStyle/>
+          <a:p>
+            <a:pPr algn="ctr"/>
+            <a:r>
+              <a:rPr lang="ru-RU" sz="3600" dirty="0" smtClean="0"/>
+              <a:t>Время</a:t>
+            </a:r>
+            <a:endParaRPr lang="ru-RU" sz="3600" dirty="0"/>
+          </a:p>
+        </p:txBody>
+      </p:sp>
+      <p:sp>
+        <p:nvSpPr>
+          <p:cNvPr id="5" name="Прямоугольник 4"/>
+          <p:cNvSpPr/>
+          <p:nvPr/>
+        </p:nvSpPr>
+        <p:spPr>
+          <a:xfrm>
+            <a:off x="930827" y="3122022"/>
+            <a:ext cx="1121229" cy="950026"/>
+          </a:xfrm>
+          <a:prstGeom prst="rect">
+            <a:avLst/>
+          </a:prstGeom>
+        </p:spPr>
+        <p:style>
+          <a:lnRef idx="2">
+            <a:schemeClr val="accent1">
+              <a:shade val="50000"/>
+            </a:schemeClr>
+          </a:lnRef>
+          <a:fillRef idx="1">
+            <a:schemeClr val="accent1"/>
+          </a:fillRef>
+          <a:effectRef idx="0">
+            <a:schemeClr val="accent1"/>
+          </a:effectRef>
+          <a:fontRef idx="minor">
+            <a:schemeClr val="lt1"/>
+          </a:fontRef>
+        </p:style>
+        <p:txBody>
+          <a:bodyPr rtlCol="0" anchor="ctr"/>
+          <a:lstStyle/>
+          <a:p>
+            <a:pPr algn="ctr"/>
+            <a:r>
+              <a:rPr lang="ru-RU" dirty="0" smtClean="0"/>
+              <a:t>Данные</a:t>
             </a:r>
             <a:endParaRPr lang="ru-RU" dirty="0"/>
           </a:p>
@@ -4738,73 +4680,341 @@
       </p:sp>
       <p:sp>
         <p:nvSpPr>
-          <p:cNvPr id="3" name="Объект 2"/>
-          <p:cNvSpPr>
-            <a:spLocks noGrp="1"/>
-          </p:cNvSpPr>
-          <p:nvPr>
-            <p:ph idx="1"/>
-          </p:nvPr>
-        </p:nvSpPr>
-        <p:spPr/>
-        <p:txBody>
-          <a:bodyPr/>
-          <a:lstStyle/>
-          <a:p>
-            <a:pPr marL="0" indent="0">
-              <a:buNone/>
-            </a:pPr>
-            <a:r>
-              <a:rPr lang="ru-RU" dirty="0"/>
-              <a:t>Методы противодействия</a:t>
-            </a:r>
-            <a:r>
-              <a:rPr lang="ru-RU" dirty="0" smtClean="0"/>
-              <a:t>:</a:t>
-            </a:r>
-          </a:p>
-          <a:p>
-            <a:pPr marL="0" indent="0">
-              <a:buNone/>
-            </a:pPr>
+          <p:cNvPr id="7" name="Прямоугольник 6"/>
+          <p:cNvSpPr/>
+          <p:nvPr/>
+        </p:nvSpPr>
+        <p:spPr>
+          <a:xfrm>
+            <a:off x="2873828" y="3146602"/>
+            <a:ext cx="1425039" cy="914400"/>
+          </a:xfrm>
+          <a:prstGeom prst="rect">
+            <a:avLst/>
+          </a:prstGeom>
+        </p:spPr>
+        <p:style>
+          <a:lnRef idx="2">
+            <a:schemeClr val="accent1">
+              <a:shade val="50000"/>
+            </a:schemeClr>
+          </a:lnRef>
+          <a:fillRef idx="1">
+            <a:schemeClr val="accent1"/>
+          </a:fillRef>
+          <a:effectRef idx="0">
+            <a:schemeClr val="accent1"/>
+          </a:effectRef>
+          <a:fontRef idx="minor">
+            <a:schemeClr val="lt1"/>
+          </a:fontRef>
+        </p:style>
+        <p:txBody>
+          <a:bodyPr rtlCol="0" anchor="ctr"/>
+          <a:lstStyle/>
+          <a:p>
+            <a:pPr algn="ctr"/>
+            <a:r>
+              <a:rPr lang="ru-RU" dirty="0" smtClean="0"/>
+              <a:t>Алгоритм</a:t>
+            </a:r>
             <a:endParaRPr lang="ru-RU" dirty="0"/>
           </a:p>
-          <a:p>
-            <a:r>
-              <a:rPr lang="ru-RU" dirty="0" smtClean="0"/>
-              <a:t>Увеличение количества данных.</a:t>
-            </a:r>
-          </a:p>
-          <a:p>
-            <a:r>
-              <a:rPr lang="ru-RU" dirty="0" smtClean="0"/>
-              <a:t>Упрощение модели.</a:t>
-            </a:r>
-          </a:p>
-          <a:p>
-            <a:r>
-              <a:rPr lang="ru-RU" dirty="0" smtClean="0"/>
-              <a:t>Уменьшение времени обучения.</a:t>
-            </a:r>
-          </a:p>
-          <a:p>
-            <a:pPr marL="0" indent="0">
-              <a:buNone/>
-            </a:pPr>
+        </p:txBody>
+      </p:sp>
+      <p:sp>
+        <p:nvSpPr>
+          <p:cNvPr id="10" name="Прямоугольник 9"/>
+          <p:cNvSpPr/>
+          <p:nvPr/>
+        </p:nvSpPr>
+        <p:spPr>
+          <a:xfrm>
+            <a:off x="5120639" y="3139835"/>
+            <a:ext cx="1845425" cy="914400"/>
+          </a:xfrm>
+          <a:prstGeom prst="rect">
+            <a:avLst/>
+          </a:prstGeom>
+        </p:spPr>
+        <p:style>
+          <a:lnRef idx="2">
+            <a:schemeClr val="accent1">
+              <a:shade val="50000"/>
+            </a:schemeClr>
+          </a:lnRef>
+          <a:fillRef idx="1">
+            <a:schemeClr val="accent1"/>
+          </a:fillRef>
+          <a:effectRef idx="0">
+            <a:schemeClr val="accent1"/>
+          </a:effectRef>
+          <a:fontRef idx="minor">
+            <a:schemeClr val="lt1"/>
+          </a:fontRef>
+        </p:style>
+        <p:txBody>
+          <a:bodyPr rtlCol="0" anchor="ctr"/>
+          <a:lstStyle/>
+          <a:p>
+            <a:pPr algn="ctr"/>
+            <a:r>
+              <a:rPr lang="ru-RU" dirty="0" err="1" smtClean="0"/>
+              <a:t>Гиперпараметры</a:t>
+            </a:r>
             <a:endParaRPr lang="ru-RU" dirty="0"/>
           </a:p>
         </p:txBody>
       </p:sp>
+      <p:sp>
+        <p:nvSpPr>
+          <p:cNvPr id="11" name="Прямоугольник 10"/>
+          <p:cNvSpPr/>
+          <p:nvPr/>
+        </p:nvSpPr>
+        <p:spPr>
+          <a:xfrm>
+            <a:off x="7787836" y="3141023"/>
+            <a:ext cx="1180408" cy="914400"/>
+          </a:xfrm>
+          <a:prstGeom prst="rect">
+            <a:avLst/>
+          </a:prstGeom>
+        </p:spPr>
+        <p:style>
+          <a:lnRef idx="2">
+            <a:schemeClr val="accent1">
+              <a:shade val="50000"/>
+            </a:schemeClr>
+          </a:lnRef>
+          <a:fillRef idx="1">
+            <a:schemeClr val="accent1"/>
+          </a:fillRef>
+          <a:effectRef idx="0">
+            <a:schemeClr val="accent1"/>
+          </a:effectRef>
+          <a:fontRef idx="minor">
+            <a:schemeClr val="lt1"/>
+          </a:fontRef>
+        </p:style>
+        <p:txBody>
+          <a:bodyPr rtlCol="0" anchor="ctr"/>
+          <a:lstStyle/>
+          <a:p>
+            <a:pPr algn="ctr"/>
+            <a:r>
+              <a:rPr lang="ru-RU" dirty="0" smtClean="0"/>
+              <a:t>Обучение</a:t>
+            </a:r>
+            <a:endParaRPr lang="ru-RU" dirty="0"/>
+          </a:p>
+        </p:txBody>
+      </p:sp>
+      <p:sp>
+        <p:nvSpPr>
+          <p:cNvPr id="12" name="Прямоугольник 11"/>
+          <p:cNvSpPr/>
+          <p:nvPr/>
+        </p:nvSpPr>
+        <p:spPr>
+          <a:xfrm>
+            <a:off x="9790016" y="3139835"/>
+            <a:ext cx="1463038" cy="914400"/>
+          </a:xfrm>
+          <a:prstGeom prst="rect">
+            <a:avLst/>
+          </a:prstGeom>
+        </p:spPr>
+        <p:style>
+          <a:lnRef idx="2">
+            <a:schemeClr val="accent1">
+              <a:shade val="50000"/>
+            </a:schemeClr>
+          </a:lnRef>
+          <a:fillRef idx="1">
+            <a:schemeClr val="accent1"/>
+          </a:fillRef>
+          <a:effectRef idx="0">
+            <a:schemeClr val="accent1"/>
+          </a:effectRef>
+          <a:fontRef idx="minor">
+            <a:schemeClr val="lt1"/>
+          </a:fontRef>
+        </p:style>
+        <p:txBody>
+          <a:bodyPr rtlCol="0" anchor="ctr"/>
+          <a:lstStyle/>
+          <a:p>
+            <a:pPr algn="ctr"/>
+            <a:r>
+              <a:rPr lang="ru-RU" dirty="0" smtClean="0"/>
+              <a:t>Модель и её параметры</a:t>
+            </a:r>
+            <a:endParaRPr lang="ru-RU" dirty="0"/>
+          </a:p>
+        </p:txBody>
+      </p:sp>
+      <p:cxnSp>
+        <p:nvCxnSpPr>
+          <p:cNvPr id="16" name="Прямая со стрелкой 15"/>
+          <p:cNvCxnSpPr>
+            <a:stCxn id="5" idx="3"/>
+            <a:endCxn id="7" idx="1"/>
+          </p:cNvCxnSpPr>
+          <p:nvPr/>
+        </p:nvCxnSpPr>
+        <p:spPr>
+          <a:xfrm>
+            <a:off x="2052056" y="3597035"/>
+            <a:ext cx="821772" cy="6767"/>
+          </a:xfrm>
+          <a:prstGeom prst="straightConnector1">
+            <a:avLst/>
+          </a:prstGeom>
+          <a:ln>
+            <a:tailEnd type="triangle"/>
+          </a:ln>
+        </p:spPr>
+        <p:style>
+          <a:lnRef idx="1">
+            <a:schemeClr val="accent1"/>
+          </a:lnRef>
+          <a:fillRef idx="0">
+            <a:schemeClr val="accent1"/>
+          </a:fillRef>
+          <a:effectRef idx="0">
+            <a:schemeClr val="accent1"/>
+          </a:effectRef>
+          <a:fontRef idx="minor">
+            <a:schemeClr val="tx1"/>
+          </a:fontRef>
+        </p:style>
+      </p:cxnSp>
+      <p:cxnSp>
+        <p:nvCxnSpPr>
+          <p:cNvPr id="18" name="Прямая со стрелкой 17"/>
+          <p:cNvCxnSpPr>
+            <a:stCxn id="7" idx="3"/>
+            <a:endCxn id="10" idx="1"/>
+          </p:cNvCxnSpPr>
+          <p:nvPr/>
+        </p:nvCxnSpPr>
+        <p:spPr>
+          <a:xfrm flipV="1">
+            <a:off x="4298867" y="3597035"/>
+            <a:ext cx="821772" cy="6767"/>
+          </a:xfrm>
+          <a:prstGeom prst="straightConnector1">
+            <a:avLst/>
+          </a:prstGeom>
+          <a:ln>
+            <a:tailEnd type="triangle"/>
+          </a:ln>
+        </p:spPr>
+        <p:style>
+          <a:lnRef idx="1">
+            <a:schemeClr val="accent1"/>
+          </a:lnRef>
+          <a:fillRef idx="0">
+            <a:schemeClr val="accent1"/>
+          </a:fillRef>
+          <a:effectRef idx="0">
+            <a:schemeClr val="accent1"/>
+          </a:effectRef>
+          <a:fontRef idx="minor">
+            <a:schemeClr val="tx1"/>
+          </a:fontRef>
+        </p:style>
+      </p:cxnSp>
+      <p:cxnSp>
+        <p:nvCxnSpPr>
+          <p:cNvPr id="20" name="Прямая со стрелкой 19"/>
+          <p:cNvCxnSpPr>
+            <a:stCxn id="10" idx="3"/>
+            <a:endCxn id="11" idx="1"/>
+          </p:cNvCxnSpPr>
+          <p:nvPr/>
+        </p:nvCxnSpPr>
+        <p:spPr>
+          <a:xfrm>
+            <a:off x="6966064" y="3597035"/>
+            <a:ext cx="821772" cy="1188"/>
+          </a:xfrm>
+          <a:prstGeom prst="straightConnector1">
+            <a:avLst/>
+          </a:prstGeom>
+          <a:ln>
+            <a:tailEnd type="triangle"/>
+          </a:ln>
+        </p:spPr>
+        <p:style>
+          <a:lnRef idx="1">
+            <a:schemeClr val="accent1"/>
+          </a:lnRef>
+          <a:fillRef idx="0">
+            <a:schemeClr val="accent1"/>
+          </a:fillRef>
+          <a:effectRef idx="0">
+            <a:schemeClr val="accent1"/>
+          </a:effectRef>
+          <a:fontRef idx="minor">
+            <a:schemeClr val="tx1"/>
+          </a:fontRef>
+        </p:style>
+      </p:cxnSp>
+      <p:cxnSp>
+        <p:nvCxnSpPr>
+          <p:cNvPr id="22" name="Прямая со стрелкой 21"/>
+          <p:cNvCxnSpPr>
+            <a:stCxn id="11" idx="3"/>
+            <a:endCxn id="12" idx="1"/>
+          </p:cNvCxnSpPr>
+          <p:nvPr/>
+        </p:nvCxnSpPr>
+        <p:spPr>
+          <a:xfrm flipV="1">
+            <a:off x="8968244" y="3597035"/>
+            <a:ext cx="821772" cy="1188"/>
+          </a:xfrm>
+          <a:prstGeom prst="straightConnector1">
+            <a:avLst/>
+          </a:prstGeom>
+          <a:ln>
+            <a:tailEnd type="triangle"/>
+          </a:ln>
+        </p:spPr>
+        <p:style>
+          <a:lnRef idx="1">
+            <a:schemeClr val="accent1"/>
+          </a:lnRef>
+          <a:fillRef idx="0">
+            <a:schemeClr val="accent1"/>
+          </a:fillRef>
+          <a:effectRef idx="0">
+            <a:schemeClr val="accent1"/>
+          </a:effectRef>
+          <a:fontRef idx="minor">
+            <a:schemeClr val="tx1"/>
+          </a:fontRef>
+        </p:style>
+      </p:cxnSp>
     </p:spTree>
     <p:extLst>
       <p:ext uri="{BB962C8B-B14F-4D97-AF65-F5344CB8AC3E}">
-        <p14:creationId xmlns:p14="http://schemas.microsoft.com/office/powerpoint/2010/main" val="281856140"/>
+        <p14:creationId xmlns:p14="http://schemas.microsoft.com/office/powerpoint/2010/main" val="1390925505"/>
       </p:ext>
     </p:extLst>
   </p:cSld>
   <p:clrMapOvr>
     <a:masterClrMapping/>
   </p:clrMapOvr>
+  <p:timing>
+    <p:tnLst>
+      <p:par>
+        <p:cTn id="1" dur="indefinite" restart="never" nodeType="tmRoot"/>
+      </p:par>
+    </p:tnLst>
+  </p:timing>
 </p:sld>
 </file>
 
@@ -4841,12 +5051,8 @@
           <a:lstStyle/>
           <a:p>
             <a:r>
-              <a:rPr lang="ru-RU" dirty="0" err="1" smtClean="0"/>
-              <a:t>Недообучение</a:t>
-            </a:r>
-            <a:r>
-              <a:rPr lang="ru-RU" dirty="0" smtClean="0"/>
-              <a:t> модели</a:t>
+              <a:rPr lang="ru-RU" dirty="0" smtClean="0"/>
+              <a:t>Переобучение модели</a:t>
             </a:r>
             <a:endParaRPr lang="ru-RU" dirty="0"/>
           </a:p>
@@ -4871,12 +5077,8 @@
               <a:buNone/>
             </a:pPr>
             <a:r>
-              <a:rPr lang="ru-RU" dirty="0" err="1" smtClean="0"/>
-              <a:t>Недообученная</a:t>
-            </a:r>
-            <a:r>
-              <a:rPr lang="ru-RU" dirty="0" smtClean="0"/>
-              <a:t> модель не может обобщить информацию из обучающей выборки.</a:t>
+              <a:rPr lang="ru-RU" dirty="0" smtClean="0"/>
+              <a:t>Данные = «полезные» данные  + шум</a:t>
             </a:r>
           </a:p>
           <a:p>
@@ -4891,7 +5093,22 @@
             </a:pPr>
             <a:r>
               <a:rPr lang="ru-RU" dirty="0" smtClean="0"/>
-              <a:t>Метрики производительности модели будут плохими на всех выборках: обучающей, </a:t>
+              <a:t>Переобученная модель не отличает шум от полезных данных.</a:t>
+            </a:r>
+          </a:p>
+          <a:p>
+            <a:pPr marL="0" indent="0">
+              <a:buNone/>
+            </a:pPr>
+            <a:endParaRPr lang="ru-RU" dirty="0" smtClean="0"/>
+          </a:p>
+          <a:p>
+            <a:pPr marL="0" indent="0">
+              <a:buNone/>
+            </a:pPr>
+            <a:r>
+              <a:rPr lang="ru-RU" dirty="0" smtClean="0"/>
+              <a:t>Метрики производительности модели на обучающей выборке будут иметь хорошие значения, однако на </a:t>
             </a:r>
             <a:r>
               <a:rPr lang="ru-RU" dirty="0" err="1" smtClean="0"/>
@@ -4899,7 +5116,7 @@
             </a:r>
             <a:r>
               <a:rPr lang="ru-RU" dirty="0" smtClean="0"/>
-              <a:t>, тестовой.</a:t>
+              <a:t> и тестовой выборках – плохие.</a:t>
             </a:r>
             <a:endParaRPr lang="ru-RU" dirty="0"/>
           </a:p>
@@ -4908,13 +5125,20 @@
     </p:spTree>
     <p:extLst>
       <p:ext uri="{BB962C8B-B14F-4D97-AF65-F5344CB8AC3E}">
-        <p14:creationId xmlns:p14="http://schemas.microsoft.com/office/powerpoint/2010/main" val="3101063908"/>
+        <p14:creationId xmlns:p14="http://schemas.microsoft.com/office/powerpoint/2010/main" val="2173937394"/>
       </p:ext>
     </p:extLst>
   </p:cSld>
   <p:clrMapOvr>
     <a:masterClrMapping/>
   </p:clrMapOvr>
+  <p:timing>
+    <p:tnLst>
+      <p:par>
+        <p:cTn id="1" dur="indefinite" restart="never" nodeType="tmRoot"/>
+      </p:par>
+    </p:tnLst>
+  </p:timing>
 </p:sld>
 </file>
 
@@ -5021,8 +5245,13 @@
             </a:r>
             <a:r>
               <a:rPr lang="ru-RU" dirty="0" smtClean="0"/>
-              <a:t> (перекрестная проверка).</a:t>
-            </a:r>
+              <a:t> </a:t>
+            </a:r>
+            <a:r>
+              <a:rPr lang="ru-RU" dirty="0" smtClean="0"/>
+              <a:t>модели.</a:t>
+            </a:r>
+            <a:endParaRPr lang="ru-RU" dirty="0" smtClean="0"/>
           </a:p>
           <a:p>
             <a:r>
@@ -5033,20 +5262,7 @@
               <a:rPr lang="ru-RU" dirty="0" smtClean="0"/>
               <a:t>.</a:t>
             </a:r>
-          </a:p>
-          <a:p>
-            <a:r>
-              <a:rPr lang="ru-RU" dirty="0"/>
-              <a:t>Требования к модели машинного </a:t>
-            </a:r>
-            <a:r>
-              <a:rPr lang="ru-RU" dirty="0" smtClean="0"/>
-              <a:t>обучения.</a:t>
-            </a:r>
-            <a:endParaRPr lang="ru-RU" dirty="0"/>
-          </a:p>
-          <a:p>
-            <a:endParaRPr lang="ru-RU" dirty="0"/>
+            <a:endParaRPr lang="ru-RU" dirty="0" smtClean="0"/>
           </a:p>
         </p:txBody>
       </p:sp>
@@ -5060,6 +5276,13 @@
   <p:clrMapOvr>
     <a:masterClrMapping/>
   </p:clrMapOvr>
+  <p:timing>
+    <p:tnLst>
+      <p:par>
+        <p:cTn id="1" dur="indefinite" restart="never" nodeType="tmRoot"/>
+      </p:par>
+    </p:tnLst>
+  </p:timing>
 </p:sld>
 </file>
 
@@ -5096,6 +5319,242 @@
           <a:lstStyle/>
           <a:p>
             <a:r>
+              <a:rPr lang="ru-RU" dirty="0" smtClean="0"/>
+              <a:t>Переобучение модели</a:t>
+            </a:r>
+            <a:endParaRPr lang="ru-RU" dirty="0"/>
+          </a:p>
+        </p:txBody>
+      </p:sp>
+      <p:sp>
+        <p:nvSpPr>
+          <p:cNvPr id="3" name="Объект 2"/>
+          <p:cNvSpPr>
+            <a:spLocks noGrp="1"/>
+          </p:cNvSpPr>
+          <p:nvPr>
+            <p:ph idx="1"/>
+          </p:nvPr>
+        </p:nvSpPr>
+        <p:spPr/>
+        <p:txBody>
+          <a:bodyPr/>
+          <a:lstStyle/>
+          <a:p>
+            <a:pPr marL="0" indent="0">
+              <a:buNone/>
+            </a:pPr>
+            <a:r>
+              <a:rPr lang="ru-RU" dirty="0"/>
+              <a:t>Методы противодействия</a:t>
+            </a:r>
+            <a:r>
+              <a:rPr lang="ru-RU" dirty="0" smtClean="0"/>
+              <a:t>:</a:t>
+            </a:r>
+          </a:p>
+          <a:p>
+            <a:pPr marL="0" indent="0">
+              <a:buNone/>
+            </a:pPr>
+            <a:endParaRPr lang="ru-RU" dirty="0"/>
+          </a:p>
+          <a:p>
+            <a:r>
+              <a:rPr lang="ru-RU" dirty="0" smtClean="0"/>
+              <a:t>Увеличение количества данных.</a:t>
+            </a:r>
+          </a:p>
+          <a:p>
+            <a:r>
+              <a:rPr lang="ru-RU" dirty="0" smtClean="0"/>
+              <a:t>Упрощение модели.</a:t>
+            </a:r>
+          </a:p>
+          <a:p>
+            <a:r>
+              <a:rPr lang="ru-RU" dirty="0" smtClean="0"/>
+              <a:t>Уменьшение времени обучения.</a:t>
+            </a:r>
+          </a:p>
+          <a:p>
+            <a:pPr marL="0" indent="0">
+              <a:buNone/>
+            </a:pPr>
+            <a:endParaRPr lang="ru-RU" dirty="0"/>
+          </a:p>
+        </p:txBody>
+      </p:sp>
+    </p:spTree>
+    <p:extLst>
+      <p:ext uri="{BB962C8B-B14F-4D97-AF65-F5344CB8AC3E}">
+        <p14:creationId xmlns:p14="http://schemas.microsoft.com/office/powerpoint/2010/main" val="281856140"/>
+      </p:ext>
+    </p:extLst>
+  </p:cSld>
+  <p:clrMapOvr>
+    <a:masterClrMapping/>
+  </p:clrMapOvr>
+  <p:timing>
+    <p:tnLst>
+      <p:par>
+        <p:cTn id="1" dur="indefinite" restart="never" nodeType="tmRoot"/>
+      </p:par>
+    </p:tnLst>
+  </p:timing>
+</p:sld>
+</file>
+
+<file path=ppt/slides/slide21.xml><?xml version="1.0" encoding="utf-8"?>
+<p:sld xmlns:a="http://schemas.openxmlformats.org/drawingml/2006/main" xmlns:r="http://schemas.openxmlformats.org/officeDocument/2006/relationships" xmlns:p="http://schemas.openxmlformats.org/presentationml/2006/main">
+  <p:cSld>
+    <p:spTree>
+      <p:nvGrpSpPr>
+        <p:cNvPr id="1" name=""/>
+        <p:cNvGrpSpPr/>
+        <p:nvPr/>
+      </p:nvGrpSpPr>
+      <p:grpSpPr>
+        <a:xfrm>
+          <a:off x="0" y="0"/>
+          <a:ext cx="0" cy="0"/>
+          <a:chOff x="0" y="0"/>
+          <a:chExt cx="0" cy="0"/>
+        </a:xfrm>
+      </p:grpSpPr>
+      <p:sp>
+        <p:nvSpPr>
+          <p:cNvPr id="2" name="Заголовок 1"/>
+          <p:cNvSpPr>
+            <a:spLocks noGrp="1"/>
+          </p:cNvSpPr>
+          <p:nvPr>
+            <p:ph type="title"/>
+          </p:nvPr>
+        </p:nvSpPr>
+        <p:spPr/>
+        <p:txBody>
+          <a:bodyPr/>
+          <a:lstStyle/>
+          <a:p>
+            <a:r>
+              <a:rPr lang="ru-RU" dirty="0" err="1" smtClean="0"/>
+              <a:t>Недообучение</a:t>
+            </a:r>
+            <a:r>
+              <a:rPr lang="ru-RU" dirty="0" smtClean="0"/>
+              <a:t> модели</a:t>
+            </a:r>
+            <a:endParaRPr lang="ru-RU" dirty="0"/>
+          </a:p>
+        </p:txBody>
+      </p:sp>
+      <p:sp>
+        <p:nvSpPr>
+          <p:cNvPr id="3" name="Объект 2"/>
+          <p:cNvSpPr>
+            <a:spLocks noGrp="1"/>
+          </p:cNvSpPr>
+          <p:nvPr>
+            <p:ph idx="1"/>
+          </p:nvPr>
+        </p:nvSpPr>
+        <p:spPr/>
+        <p:txBody>
+          <a:bodyPr/>
+          <a:lstStyle/>
+          <a:p>
+            <a:pPr marL="0" indent="0">
+              <a:buNone/>
+            </a:pPr>
+            <a:r>
+              <a:rPr lang="ru-RU" dirty="0" err="1" smtClean="0"/>
+              <a:t>Недообученная</a:t>
+            </a:r>
+            <a:r>
+              <a:rPr lang="ru-RU" dirty="0" smtClean="0"/>
+              <a:t> модель не может обобщить информацию из обучающей выборки.</a:t>
+            </a:r>
+          </a:p>
+          <a:p>
+            <a:pPr marL="0" indent="0">
+              <a:buNone/>
+            </a:pPr>
+            <a:endParaRPr lang="ru-RU" dirty="0"/>
+          </a:p>
+          <a:p>
+            <a:pPr marL="0" indent="0">
+              <a:buNone/>
+            </a:pPr>
+            <a:r>
+              <a:rPr lang="ru-RU" dirty="0" smtClean="0"/>
+              <a:t>Метрики производительности модели будут плохими на всех выборках: обучающей, </a:t>
+            </a:r>
+            <a:r>
+              <a:rPr lang="ru-RU" dirty="0" err="1" smtClean="0"/>
+              <a:t>валидационной</a:t>
+            </a:r>
+            <a:r>
+              <a:rPr lang="ru-RU" dirty="0" smtClean="0"/>
+              <a:t>, тестовой.</a:t>
+            </a:r>
+            <a:endParaRPr lang="ru-RU" dirty="0"/>
+          </a:p>
+        </p:txBody>
+      </p:sp>
+    </p:spTree>
+    <p:extLst>
+      <p:ext uri="{BB962C8B-B14F-4D97-AF65-F5344CB8AC3E}">
+        <p14:creationId xmlns:p14="http://schemas.microsoft.com/office/powerpoint/2010/main" val="3101063908"/>
+      </p:ext>
+    </p:extLst>
+  </p:cSld>
+  <p:clrMapOvr>
+    <a:masterClrMapping/>
+  </p:clrMapOvr>
+  <p:timing>
+    <p:tnLst>
+      <p:par>
+        <p:cTn id="1" dur="indefinite" restart="never" nodeType="tmRoot"/>
+      </p:par>
+    </p:tnLst>
+  </p:timing>
+</p:sld>
+</file>
+
+<file path=ppt/slides/slide22.xml><?xml version="1.0" encoding="utf-8"?>
+<p:sld xmlns:a="http://schemas.openxmlformats.org/drawingml/2006/main" xmlns:r="http://schemas.openxmlformats.org/officeDocument/2006/relationships" xmlns:p="http://schemas.openxmlformats.org/presentationml/2006/main">
+  <p:cSld>
+    <p:spTree>
+      <p:nvGrpSpPr>
+        <p:cNvPr id="1" name=""/>
+        <p:cNvGrpSpPr/>
+        <p:nvPr/>
+      </p:nvGrpSpPr>
+      <p:grpSpPr>
+        <a:xfrm>
+          <a:off x="0" y="0"/>
+          <a:ext cx="0" cy="0"/>
+          <a:chOff x="0" y="0"/>
+          <a:chExt cx="0" cy="0"/>
+        </a:xfrm>
+      </p:grpSpPr>
+      <p:sp>
+        <p:nvSpPr>
+          <p:cNvPr id="2" name="Заголовок 1"/>
+          <p:cNvSpPr>
+            <a:spLocks noGrp="1"/>
+          </p:cNvSpPr>
+          <p:nvPr>
+            <p:ph type="title"/>
+          </p:nvPr>
+        </p:nvSpPr>
+        <p:spPr/>
+        <p:txBody>
+          <a:bodyPr/>
+          <a:lstStyle/>
+          <a:p>
+            <a:r>
               <a:rPr lang="ru-RU" dirty="0" err="1" smtClean="0"/>
               <a:t>Недообучение</a:t>
             </a:r>
@@ -5175,10 +5634,17 @@
   <p:clrMapOvr>
     <a:masterClrMapping/>
   </p:clrMapOvr>
+  <p:timing>
+    <p:tnLst>
+      <p:par>
+        <p:cTn id="1" dur="indefinite" restart="never" nodeType="tmRoot"/>
+      </p:par>
+    </p:tnLst>
+  </p:timing>
 </p:sld>
 </file>
 
-<file path=ppt/slides/slide21.xml><?xml version="1.0" encoding="utf-8"?>
+<file path=ppt/slides/slide23.xml><?xml version="1.0" encoding="utf-8"?>
 <p:sld xmlns:a="http://schemas.openxmlformats.org/drawingml/2006/main" xmlns:r="http://schemas.openxmlformats.org/officeDocument/2006/relationships" xmlns:p="http://schemas.openxmlformats.org/presentationml/2006/main">
   <p:cSld>
     <p:spTree>
@@ -5440,160 +5906,13 @@
   <p:clrMapOvr>
     <a:masterClrMapping/>
   </p:clrMapOvr>
-</p:sld>
-</file>
-
-<file path=ppt/slides/slide22.xml><?xml version="1.0" encoding="utf-8"?>
-<p:sld xmlns:a="http://schemas.openxmlformats.org/drawingml/2006/main" xmlns:r="http://schemas.openxmlformats.org/officeDocument/2006/relationships" xmlns:p="http://schemas.openxmlformats.org/presentationml/2006/main">
-  <p:cSld>
-    <p:spTree>
-      <p:nvGrpSpPr>
-        <p:cNvPr id="1" name=""/>
-        <p:cNvGrpSpPr/>
-        <p:nvPr/>
-      </p:nvGrpSpPr>
-      <p:grpSpPr>
-        <a:xfrm>
-          <a:off x="0" y="0"/>
-          <a:ext cx="0" cy="0"/>
-          <a:chOff x="0" y="0"/>
-          <a:chExt cx="0" cy="0"/>
-        </a:xfrm>
-      </p:grpSpPr>
-      <p:sp>
-        <p:nvSpPr>
-          <p:cNvPr id="2" name="Заголовок 1"/>
-          <p:cNvSpPr>
-            <a:spLocks noGrp="1"/>
-          </p:cNvSpPr>
-          <p:nvPr>
-            <p:ph type="title"/>
-          </p:nvPr>
-        </p:nvSpPr>
-        <p:spPr/>
-        <p:txBody>
-          <a:bodyPr/>
-          <a:lstStyle/>
-          <a:p>
-            <a:r>
-              <a:rPr lang="ru-RU" dirty="0" smtClean="0"/>
-              <a:t>Кросс-</a:t>
-            </a:r>
-            <a:r>
-              <a:rPr lang="ru-RU" dirty="0" err="1" smtClean="0"/>
-              <a:t>валидация</a:t>
-            </a:r>
-            <a:r>
-              <a:rPr lang="ru-RU" dirty="0" smtClean="0"/>
-              <a:t> (перекрёстная проверка)</a:t>
-            </a:r>
-            <a:endParaRPr lang="ru-RU" dirty="0"/>
-          </a:p>
-        </p:txBody>
-      </p:sp>
-      <p:sp>
-        <p:nvSpPr>
-          <p:cNvPr id="3" name="Объект 2"/>
-          <p:cNvSpPr>
-            <a:spLocks noGrp="1"/>
-          </p:cNvSpPr>
-          <p:nvPr>
-            <p:ph idx="1"/>
-          </p:nvPr>
-        </p:nvSpPr>
-        <p:spPr/>
-        <p:txBody>
-          <a:bodyPr/>
-          <a:lstStyle/>
-          <a:p>
-            <a:endParaRPr lang="ru-RU" dirty="0"/>
-          </a:p>
-        </p:txBody>
-      </p:sp>
-    </p:spTree>
-    <p:extLst>
-      <p:ext uri="{BB962C8B-B14F-4D97-AF65-F5344CB8AC3E}">
-        <p14:creationId xmlns:p14="http://schemas.microsoft.com/office/powerpoint/2010/main" val="1151752894"/>
-      </p:ext>
-    </p:extLst>
-  </p:cSld>
-  <p:clrMapOvr>
-    <a:masterClrMapping/>
-  </p:clrMapOvr>
-</p:sld>
-</file>
-
-<file path=ppt/slides/slide23.xml><?xml version="1.0" encoding="utf-8"?>
-<p:sld xmlns:a="http://schemas.openxmlformats.org/drawingml/2006/main" xmlns:r="http://schemas.openxmlformats.org/officeDocument/2006/relationships" xmlns:p="http://schemas.openxmlformats.org/presentationml/2006/main">
-  <p:cSld>
-    <p:spTree>
-      <p:nvGrpSpPr>
-        <p:cNvPr id="1" name=""/>
-        <p:cNvGrpSpPr/>
-        <p:nvPr/>
-      </p:nvGrpSpPr>
-      <p:grpSpPr>
-        <a:xfrm>
-          <a:off x="0" y="0"/>
-          <a:ext cx="0" cy="0"/>
-          <a:chOff x="0" y="0"/>
-          <a:chExt cx="0" cy="0"/>
-        </a:xfrm>
-      </p:grpSpPr>
-      <p:sp>
-        <p:nvSpPr>
-          <p:cNvPr id="2" name="Заголовок 1"/>
-          <p:cNvSpPr>
-            <a:spLocks noGrp="1"/>
-          </p:cNvSpPr>
-          <p:nvPr>
-            <p:ph type="title"/>
-          </p:nvPr>
-        </p:nvSpPr>
-        <p:spPr/>
-        <p:txBody>
-          <a:bodyPr>
-            <a:normAutofit/>
-          </a:bodyPr>
-          <a:lstStyle/>
-          <a:p>
-            <a:r>
-              <a:rPr lang="ru-RU" sz="4000" dirty="0" smtClean="0"/>
-              <a:t>Интерпретация моделей машинного обучения.</a:t>
-            </a:r>
-            <a:endParaRPr lang="ru-RU" sz="4000" dirty="0"/>
-          </a:p>
-        </p:txBody>
-      </p:sp>
-      <p:sp>
-        <p:nvSpPr>
-          <p:cNvPr id="3" name="Объект 2"/>
-          <p:cNvSpPr>
-            <a:spLocks noGrp="1"/>
-          </p:cNvSpPr>
-          <p:nvPr>
-            <p:ph idx="1"/>
-          </p:nvPr>
-        </p:nvSpPr>
-        <p:spPr/>
-        <p:txBody>
-          <a:bodyPr/>
-          <a:lstStyle/>
-          <a:p>
-            <a:endParaRPr lang="ru-RU" dirty="0"/>
-          </a:p>
-        </p:txBody>
-      </p:sp>
-    </p:spTree>
-    <p:extLst>
-      <p:ext uri="{BB962C8B-B14F-4D97-AF65-F5344CB8AC3E}">
-        <p14:creationId xmlns:p14="http://schemas.microsoft.com/office/powerpoint/2010/main" val="894776881"/>
-      </p:ext>
-    </p:extLst>
-  </p:cSld>
-  <p:clrMapOvr>
-    <a:masterClrMapping/>
-  </p:clrMapOvr>
+  <p:timing>
+    <p:tnLst>
+      <p:par>
+        <p:cTn id="1" dur="indefinite" restart="never" nodeType="tmRoot"/>
+      </p:par>
+    </p:tnLst>
+  </p:timing>
 </p:sld>
 </file>
 
@@ -5631,7 +5950,11 @@
           <a:p>
             <a:r>
               <a:rPr lang="ru-RU" dirty="0" smtClean="0"/>
-              <a:t>Требования к модели машинного обучения</a:t>
+              <a:t>Кросс-</a:t>
+            </a:r>
+            <a:r>
+              <a:rPr lang="ru-RU" dirty="0" err="1" smtClean="0"/>
+              <a:t>валидация</a:t>
             </a:r>
             <a:endParaRPr lang="ru-RU" dirty="0"/>
           </a:p>
@@ -5649,32 +5972,65 @@
         </p:nvSpPr>
         <p:spPr/>
         <p:txBody>
-          <a:bodyPr/>
-          <a:lstStyle/>
-          <a:p>
-            <a:r>
-              <a:rPr lang="ru-RU" dirty="0" smtClean="0"/>
-              <a:t>Способность к обобщению.</a:t>
-            </a:r>
-          </a:p>
-          <a:p>
-            <a:r>
-              <a:rPr lang="ru-RU" dirty="0" smtClean="0"/>
-              <a:t>Интерпретируемость логики работы.</a:t>
-            </a:r>
-          </a:p>
-          <a:p>
-            <a:r>
-              <a:rPr lang="ru-RU" dirty="0" smtClean="0"/>
-              <a:t>Отсутствие переобучения и </a:t>
-            </a:r>
-            <a:r>
-              <a:rPr lang="ru-RU" dirty="0" err="1" smtClean="0"/>
-              <a:t>недообучения</a:t>
-            </a:r>
-            <a:r>
-              <a:rPr lang="ru-RU" dirty="0" smtClean="0"/>
-              <a:t>.</a:t>
+          <a:bodyPr>
+            <a:normAutofit lnSpcReduction="10000"/>
+          </a:bodyPr>
+          <a:lstStyle/>
+          <a:p>
+            <a:pPr marL="0" indent="0">
+              <a:buNone/>
+            </a:pPr>
+            <a:r>
+              <a:rPr lang="ru-RU" dirty="0" smtClean="0"/>
+              <a:t>Или «кросс-проверка»,</a:t>
+            </a:r>
+          </a:p>
+          <a:p>
+            <a:pPr marL="0" indent="0">
+              <a:buNone/>
+            </a:pPr>
+            <a:r>
+              <a:rPr lang="ru-RU" dirty="0" smtClean="0"/>
+              <a:t>Или «перекрёстная проверка»,</a:t>
+            </a:r>
+          </a:p>
+          <a:p>
+            <a:pPr marL="0" indent="0">
+              <a:buNone/>
+            </a:pPr>
+            <a:r>
+              <a:rPr lang="ru-RU" dirty="0" smtClean="0"/>
+              <a:t>Или «скользящий контроль».</a:t>
+            </a:r>
+          </a:p>
+          <a:p>
+            <a:pPr marL="0" indent="0">
+              <a:buNone/>
+            </a:pPr>
+            <a:endParaRPr lang="ru-RU" dirty="0"/>
+          </a:p>
+          <a:p>
+            <a:pPr marL="0" indent="0">
+              <a:buNone/>
+            </a:pPr>
+            <a:r>
+              <a:rPr lang="ru-RU" dirty="0" smtClean="0"/>
+              <a:t>Метод оценки применимости модели.</a:t>
+            </a:r>
+          </a:p>
+          <a:p>
+            <a:pPr marL="0" indent="0">
+              <a:buNone/>
+            </a:pPr>
+            <a:endParaRPr lang="ru-RU" dirty="0" smtClean="0"/>
+          </a:p>
+          <a:p>
+            <a:pPr marL="0" indent="0">
+              <a:buNone/>
+            </a:pPr>
+            <a:r>
+              <a:rPr lang="ru-RU" dirty="0" smtClean="0"/>
+              <a:t>Для любой задачи можно найти множество различных алгоритмов, которые могут сформировать множество различных моделей. В таком случае нужен критерий для сравнения этих алгоритмов и моделей.</a:t>
             </a:r>
             <a:endParaRPr lang="ru-RU" dirty="0"/>
           </a:p>
@@ -5683,13 +6039,20 @@
     </p:spTree>
     <p:extLst>
       <p:ext uri="{BB962C8B-B14F-4D97-AF65-F5344CB8AC3E}">
-        <p14:creationId xmlns:p14="http://schemas.microsoft.com/office/powerpoint/2010/main" val="771411335"/>
+        <p14:creationId xmlns:p14="http://schemas.microsoft.com/office/powerpoint/2010/main" val="1151752894"/>
       </p:ext>
     </p:extLst>
   </p:cSld>
   <p:clrMapOvr>
     <a:masterClrMapping/>
   </p:clrMapOvr>
+  <p:timing>
+    <p:tnLst>
+      <p:par>
+        <p:cTn id="1" dur="indefinite" restart="never" nodeType="tmRoot"/>
+      </p:par>
+    </p:tnLst>
+  </p:timing>
 </p:sld>
 </file>
 
@@ -5727,7 +6090,11 @@
           <a:p>
             <a:r>
               <a:rPr lang="ru-RU" dirty="0" smtClean="0"/>
-              <a:t>Ссылки</a:t>
+              <a:t>Кросс-</a:t>
+            </a:r>
+            <a:r>
+              <a:rPr lang="ru-RU" dirty="0" err="1" smtClean="0"/>
+              <a:t>валидация</a:t>
             </a:r>
             <a:endParaRPr lang="ru-RU" dirty="0"/>
           </a:p>
@@ -5745,28 +6112,127 @@
         </p:nvSpPr>
         <p:spPr/>
         <p:txBody>
-          <a:bodyPr/>
-          <a:lstStyle/>
-          <a:p>
-            <a:r>
-              <a:rPr lang="en-US" dirty="0" smtClean="0">
-                <a:hlinkClick r:id="rId2"/>
-              </a:rPr>
-              <a:t>https://ru.wikipedia.org/wiki/</a:t>
-            </a:r>
-            <a:r>
-              <a:rPr lang="ru-RU" dirty="0" err="1" smtClean="0">
-                <a:hlinkClick r:id="rId2"/>
-              </a:rPr>
-              <a:t>Машинное_обучение</a:t>
-            </a:r>
+          <a:bodyPr>
+            <a:normAutofit/>
+          </a:bodyPr>
+          <a:lstStyle/>
+          <a:p>
+            <a:pPr marL="0" indent="0">
+              <a:buNone/>
+            </a:pPr>
+            <a:r>
+              <a:rPr lang="ru-RU" dirty="0" smtClean="0"/>
+              <a:t>Основная проблема – деление данных на обучающую, тестовую и </a:t>
+            </a:r>
+            <a:r>
+              <a:rPr lang="ru-RU" dirty="0" err="1" smtClean="0"/>
+              <a:t>валидационную</a:t>
+            </a:r>
+            <a:r>
+              <a:rPr lang="ru-RU" dirty="0" smtClean="0"/>
+              <a:t> выборки может быть хорошим для одних алгоритмов, но плохим для других.</a:t>
+            </a:r>
+          </a:p>
+          <a:p>
+            <a:pPr marL="0" indent="0">
+              <a:buNone/>
+            </a:pPr>
             <a:endParaRPr lang="ru-RU" dirty="0" smtClean="0"/>
           </a:p>
           <a:p>
-            <a:r>
-              <a:rPr lang="ru-RU" dirty="0" smtClean="0"/>
-              <a:t>й</a:t>
-            </a:r>
+            <a:pPr marL="0" indent="0">
+              <a:buNone/>
+            </a:pPr>
+            <a:r>
+              <a:rPr lang="ru-RU" dirty="0" smtClean="0"/>
+              <a:t>Метод сравнения должен использовать весь набор данных.</a:t>
+            </a:r>
+          </a:p>
+          <a:p>
+            <a:pPr marL="0" indent="0">
+              <a:buNone/>
+            </a:pPr>
+            <a:r>
+              <a:rPr lang="ru-RU" dirty="0" smtClean="0"/>
+              <a:t>Рассмотрим три способа реализации кросс-</a:t>
+            </a:r>
+            <a:r>
+              <a:rPr lang="ru-RU" dirty="0" err="1" smtClean="0"/>
+              <a:t>валидации</a:t>
+            </a:r>
+            <a:r>
+              <a:rPr lang="ru-RU" dirty="0" smtClean="0"/>
+              <a:t>:</a:t>
+            </a:r>
+          </a:p>
+          <a:p>
+            <a:pPr marL="514350" indent="-514350">
+              <a:buAutoNum type="arabicPeriod"/>
+            </a:pPr>
+            <a:r>
+              <a:rPr lang="ru-RU" dirty="0" err="1" smtClean="0"/>
+              <a:t>Валидация</a:t>
+            </a:r>
+            <a:r>
+              <a:rPr lang="ru-RU" dirty="0" smtClean="0"/>
+              <a:t> на отложенных данных.</a:t>
+            </a:r>
+          </a:p>
+          <a:p>
+            <a:pPr marL="514350" indent="-514350">
+              <a:buAutoNum type="arabicPeriod"/>
+            </a:pPr>
+            <a:r>
+              <a:rPr lang="ru-RU" dirty="0" smtClean="0"/>
+              <a:t>Полная кросс-</a:t>
+            </a:r>
+            <a:r>
+              <a:rPr lang="ru-RU" dirty="0" err="1" smtClean="0"/>
+              <a:t>валидация</a:t>
+            </a:r>
+            <a:r>
+              <a:rPr lang="ru-RU" dirty="0" smtClean="0"/>
+              <a:t>.</a:t>
+            </a:r>
+          </a:p>
+          <a:p>
+            <a:pPr marL="514350" indent="-514350">
+              <a:buAutoNum type="arabicPeriod"/>
+            </a:pPr>
+            <a:r>
+              <a:rPr lang="en-US" dirty="0"/>
+              <a:t>K</a:t>
+            </a:r>
+            <a:r>
+              <a:rPr lang="ru-RU" dirty="0"/>
+              <a:t>-частная (</a:t>
+            </a:r>
+            <a:r>
+              <a:rPr lang="en-US" dirty="0"/>
+              <a:t>k-fold)</a:t>
+            </a:r>
+            <a:r>
+              <a:rPr lang="en-US" dirty="0" smtClean="0"/>
+              <a:t> </a:t>
+            </a:r>
+            <a:r>
+              <a:rPr lang="ru-RU" dirty="0" smtClean="0"/>
+              <a:t>кросс-</a:t>
+            </a:r>
+            <a:r>
+              <a:rPr lang="ru-RU" dirty="0" err="1" smtClean="0"/>
+              <a:t>валидация</a:t>
+            </a:r>
+            <a:r>
+              <a:rPr lang="ru-RU" dirty="0" smtClean="0"/>
+              <a:t>.</a:t>
+            </a:r>
+            <a:endParaRPr lang="ru-RU" dirty="0" smtClean="0"/>
+          </a:p>
+          <a:p>
+            <a:pPr marL="0" indent="0">
+              <a:buNone/>
+            </a:pPr>
             <a:endParaRPr lang="ru-RU" dirty="0"/>
           </a:p>
         </p:txBody>
@@ -5774,13 +6240,20 @@
     </p:spTree>
     <p:extLst>
       <p:ext uri="{BB962C8B-B14F-4D97-AF65-F5344CB8AC3E}">
-        <p14:creationId xmlns:p14="http://schemas.microsoft.com/office/powerpoint/2010/main" val="2236621087"/>
+        <p14:creationId xmlns:p14="http://schemas.microsoft.com/office/powerpoint/2010/main" val="3689201878"/>
       </p:ext>
     </p:extLst>
   </p:cSld>
   <p:clrMapOvr>
     <a:masterClrMapping/>
   </p:clrMapOvr>
+  <p:timing>
+    <p:tnLst>
+      <p:par>
+        <p:cTn id="1" dur="indefinite" restart="never" nodeType="tmRoot"/>
+      </p:par>
+    </p:tnLst>
+  </p:timing>
 </p:sld>
 </file>
 
@@ -5811,37 +6284,1398 @@
             <p:ph type="title"/>
           </p:nvPr>
         </p:nvSpPr>
-        <p:spPr>
-          <a:xfrm>
-            <a:off x="838200" y="2585810"/>
-            <a:ext cx="10515600" cy="1325563"/>
-          </a:xfrm>
-        </p:spPr>
+        <p:spPr/>
+        <p:txBody>
+          <a:bodyPr/>
+          <a:lstStyle/>
+          <a:p>
+            <a:r>
+              <a:rPr lang="ru-RU" dirty="0" smtClean="0"/>
+              <a:t>Кросс-</a:t>
+            </a:r>
+            <a:r>
+              <a:rPr lang="ru-RU" dirty="0" err="1" smtClean="0"/>
+              <a:t>валидация</a:t>
+            </a:r>
+            <a:endParaRPr lang="ru-RU" dirty="0"/>
+          </a:p>
+        </p:txBody>
+      </p:sp>
+      <p:sp>
+        <p:nvSpPr>
+          <p:cNvPr id="3" name="Объект 2"/>
+          <p:cNvSpPr>
+            <a:spLocks noGrp="1"/>
+          </p:cNvSpPr>
+          <p:nvPr>
+            <p:ph idx="1"/>
+          </p:nvPr>
+        </p:nvSpPr>
+        <p:spPr/>
         <p:txBody>
           <a:bodyPr>
             <a:normAutofit/>
           </a:bodyPr>
           <a:lstStyle/>
           <a:p>
-            <a:pPr algn="ctr"/>
-            <a:r>
-              <a:rPr lang="ru-RU" sz="6000" dirty="0" smtClean="0"/>
-              <a:t>Спасибо за внимание</a:t>
-            </a:r>
-            <a:endParaRPr lang="ru-RU" sz="6000" dirty="0"/>
+            <a:pPr marL="0" indent="0">
+              <a:buNone/>
+            </a:pPr>
+            <a:r>
+              <a:rPr lang="ru-RU" dirty="0" err="1" smtClean="0"/>
+              <a:t>Валидация</a:t>
+            </a:r>
+            <a:r>
+              <a:rPr lang="ru-RU" dirty="0" smtClean="0"/>
+              <a:t> на отложенных данных.</a:t>
+            </a:r>
+          </a:p>
+          <a:p>
+            <a:pPr marL="0" indent="0">
+              <a:buNone/>
+            </a:pPr>
+            <a:endParaRPr lang="ru-RU" dirty="0" smtClean="0"/>
+          </a:p>
+          <a:p>
+            <a:pPr marL="0" indent="0">
+              <a:buNone/>
+            </a:pPr>
+            <a:r>
+              <a:rPr lang="ru-RU" dirty="0" smtClean="0"/>
+              <a:t>Из данных </a:t>
+            </a:r>
+            <a:r>
+              <a:rPr lang="en-US" dirty="0" smtClean="0"/>
+              <a:t>D </a:t>
+            </a:r>
+            <a:r>
+              <a:rPr lang="ru-RU" dirty="0" smtClean="0"/>
+              <a:t>формируем две выборки: </a:t>
+            </a:r>
+            <a:r>
+              <a:rPr lang="en-US" dirty="0" smtClean="0"/>
+              <a:t>d1 </a:t>
+            </a:r>
+            <a:r>
+              <a:rPr lang="ru-RU" dirty="0" smtClean="0"/>
+              <a:t>и</a:t>
+            </a:r>
+            <a:r>
+              <a:rPr lang="en-US" dirty="0" smtClean="0"/>
+              <a:t> d2</a:t>
+            </a:r>
+            <a:r>
+              <a:rPr lang="ru-RU" dirty="0" smtClean="0"/>
+              <a:t>.</a:t>
+            </a:r>
+          </a:p>
+          <a:p>
+            <a:pPr marL="0" indent="0">
+              <a:buNone/>
+            </a:pPr>
+            <a:r>
+              <a:rPr lang="ru-RU" dirty="0" smtClean="0"/>
+              <a:t>Каждый элемент из </a:t>
+            </a:r>
+            <a:r>
+              <a:rPr lang="en-US" dirty="0" smtClean="0"/>
+              <a:t>D </a:t>
+            </a:r>
+            <a:r>
+              <a:rPr lang="ru-RU" dirty="0" smtClean="0"/>
+              <a:t>случайным образом помещается либо в </a:t>
+            </a:r>
+            <a:r>
+              <a:rPr lang="en-US" dirty="0" smtClean="0"/>
+              <a:t>d1</a:t>
+            </a:r>
+            <a:r>
+              <a:rPr lang="ru-RU" dirty="0" smtClean="0"/>
+              <a:t>, либо в </a:t>
+            </a:r>
+            <a:r>
+              <a:rPr lang="en-US" dirty="0" smtClean="0"/>
+              <a:t>d2</a:t>
+            </a:r>
+            <a:r>
+              <a:rPr lang="ru-RU" dirty="0" smtClean="0"/>
+              <a:t>.</a:t>
+            </a:r>
+          </a:p>
+          <a:p>
+            <a:pPr marL="0" indent="0">
+              <a:buNone/>
+            </a:pPr>
+            <a:r>
+              <a:rPr lang="ru-RU" dirty="0" smtClean="0"/>
+              <a:t>Обучаем модель на выборке </a:t>
+            </a:r>
+            <a:r>
+              <a:rPr lang="en-US" dirty="0" smtClean="0"/>
+              <a:t>d1</a:t>
+            </a:r>
+            <a:r>
+              <a:rPr lang="ru-RU" dirty="0" smtClean="0"/>
+              <a:t>, вычисляем ошибку на выборке </a:t>
+            </a:r>
+            <a:r>
+              <a:rPr lang="en-US" dirty="0" smtClean="0"/>
+              <a:t>d2</a:t>
+            </a:r>
+            <a:r>
+              <a:rPr lang="ru-RU" dirty="0" smtClean="0"/>
+              <a:t>.</a:t>
+            </a:r>
+          </a:p>
+          <a:p>
+            <a:pPr marL="0" indent="0">
+              <a:buNone/>
+            </a:pPr>
+            <a:endParaRPr lang="ru-RU" dirty="0"/>
+          </a:p>
+          <a:p>
+            <a:pPr marL="0" indent="0">
+              <a:buNone/>
+            </a:pPr>
+            <a:r>
+              <a:rPr lang="ru-RU" dirty="0" smtClean="0"/>
+              <a:t>Иногда для увеличения точности разбиение </a:t>
+            </a:r>
+            <a:r>
+              <a:rPr lang="en-US" dirty="0" smtClean="0"/>
+              <a:t>D </a:t>
+            </a:r>
+            <a:r>
+              <a:rPr lang="ru-RU" dirty="0" smtClean="0"/>
+              <a:t>на </a:t>
+            </a:r>
+            <a:r>
+              <a:rPr lang="en-US" dirty="0" smtClean="0"/>
+              <a:t>d1 </a:t>
+            </a:r>
+            <a:r>
+              <a:rPr lang="ru-RU" dirty="0" smtClean="0"/>
+              <a:t>и </a:t>
+            </a:r>
+            <a:r>
+              <a:rPr lang="en-US" dirty="0" smtClean="0"/>
+              <a:t>d2 </a:t>
+            </a:r>
+            <a:r>
+              <a:rPr lang="ru-RU" dirty="0" smtClean="0"/>
+              <a:t>повторяется несколько раз и ошибка усредняется.</a:t>
+            </a:r>
+            <a:endParaRPr lang="ru-RU" dirty="0"/>
           </a:p>
         </p:txBody>
       </p:sp>
     </p:spTree>
     <p:extLst>
       <p:ext uri="{BB962C8B-B14F-4D97-AF65-F5344CB8AC3E}">
-        <p14:creationId xmlns:p14="http://schemas.microsoft.com/office/powerpoint/2010/main" val="3287438502"/>
+        <p14:creationId xmlns:p14="http://schemas.microsoft.com/office/powerpoint/2010/main" val="82618328"/>
       </p:ext>
     </p:extLst>
   </p:cSld>
   <p:clrMapOvr>
     <a:masterClrMapping/>
   </p:clrMapOvr>
+  <p:timing>
+    <p:tnLst>
+      <p:par>
+        <p:cTn id="1" dur="indefinite" restart="never" nodeType="tmRoot"/>
+      </p:par>
+    </p:tnLst>
+  </p:timing>
+</p:sld>
+</file>
+
+<file path=ppt/slides/slide27.xml><?xml version="1.0" encoding="utf-8"?>
+<p:sld xmlns:a="http://schemas.openxmlformats.org/drawingml/2006/main" xmlns:r="http://schemas.openxmlformats.org/officeDocument/2006/relationships" xmlns:p="http://schemas.openxmlformats.org/presentationml/2006/main">
+  <p:cSld>
+    <p:spTree>
+      <p:nvGrpSpPr>
+        <p:cNvPr id="1" name=""/>
+        <p:cNvGrpSpPr/>
+        <p:nvPr/>
+      </p:nvGrpSpPr>
+      <p:grpSpPr>
+        <a:xfrm>
+          <a:off x="0" y="0"/>
+          <a:ext cx="0" cy="0"/>
+          <a:chOff x="0" y="0"/>
+          <a:chExt cx="0" cy="0"/>
+        </a:xfrm>
+      </p:grpSpPr>
+      <p:sp>
+        <p:nvSpPr>
+          <p:cNvPr id="2" name="Заголовок 1"/>
+          <p:cNvSpPr>
+            <a:spLocks noGrp="1"/>
+          </p:cNvSpPr>
+          <p:nvPr>
+            <p:ph type="title"/>
+          </p:nvPr>
+        </p:nvSpPr>
+        <p:spPr/>
+        <p:txBody>
+          <a:bodyPr/>
+          <a:lstStyle/>
+          <a:p>
+            <a:r>
+              <a:rPr lang="ru-RU" dirty="0" smtClean="0"/>
+              <a:t>Кросс-</a:t>
+            </a:r>
+            <a:r>
+              <a:rPr lang="ru-RU" dirty="0" err="1" smtClean="0"/>
+              <a:t>валидация</a:t>
+            </a:r>
+            <a:endParaRPr lang="ru-RU" dirty="0"/>
+          </a:p>
+        </p:txBody>
+      </p:sp>
+      <p:sp>
+        <p:nvSpPr>
+          <p:cNvPr id="3" name="Объект 2"/>
+          <p:cNvSpPr>
+            <a:spLocks noGrp="1"/>
+          </p:cNvSpPr>
+          <p:nvPr>
+            <p:ph idx="1"/>
+          </p:nvPr>
+        </p:nvSpPr>
+        <p:spPr>
+          <a:xfrm>
+            <a:off x="838200" y="1825625"/>
+            <a:ext cx="10515600" cy="549440"/>
+          </a:xfrm>
+        </p:spPr>
+        <p:txBody>
+          <a:bodyPr>
+            <a:normAutofit/>
+          </a:bodyPr>
+          <a:lstStyle/>
+          <a:p>
+            <a:pPr marL="0" indent="0">
+              <a:buNone/>
+            </a:pPr>
+            <a:r>
+              <a:rPr lang="ru-RU" dirty="0" err="1" smtClean="0"/>
+              <a:t>Валидация</a:t>
+            </a:r>
+            <a:r>
+              <a:rPr lang="ru-RU" dirty="0" smtClean="0"/>
+              <a:t> на отложенных данных.</a:t>
+            </a:r>
+          </a:p>
+        </p:txBody>
+      </p:sp>
+      <p:sp>
+        <p:nvSpPr>
+          <p:cNvPr id="4" name="Прямоугольник 3"/>
+          <p:cNvSpPr/>
+          <p:nvPr/>
+        </p:nvSpPr>
+        <p:spPr>
+          <a:xfrm>
+            <a:off x="3752603" y="3218213"/>
+            <a:ext cx="4085112" cy="475013"/>
+          </a:xfrm>
+          <a:prstGeom prst="rect">
+            <a:avLst/>
+          </a:prstGeom>
+        </p:spPr>
+        <p:style>
+          <a:lnRef idx="3">
+            <a:schemeClr val="lt1"/>
+          </a:lnRef>
+          <a:fillRef idx="1">
+            <a:schemeClr val="accent4"/>
+          </a:fillRef>
+          <a:effectRef idx="1">
+            <a:schemeClr val="accent4"/>
+          </a:effectRef>
+          <a:fontRef idx="minor">
+            <a:schemeClr val="lt1"/>
+          </a:fontRef>
+        </p:style>
+        <p:txBody>
+          <a:bodyPr rtlCol="0" anchor="ctr"/>
+          <a:lstStyle/>
+          <a:p>
+            <a:pPr algn="ctr"/>
+            <a:r>
+              <a:rPr lang="en-US" dirty="0"/>
+              <a:t>D</a:t>
+            </a:r>
+            <a:endParaRPr lang="ru-RU" dirty="0"/>
+          </a:p>
+        </p:txBody>
+      </p:sp>
+      <p:sp>
+        <p:nvSpPr>
+          <p:cNvPr id="5" name="Прямоугольник 4"/>
+          <p:cNvSpPr/>
+          <p:nvPr/>
+        </p:nvSpPr>
+        <p:spPr>
+          <a:xfrm>
+            <a:off x="3752603" y="4536374"/>
+            <a:ext cx="2317667" cy="475013"/>
+          </a:xfrm>
+          <a:prstGeom prst="rect">
+            <a:avLst/>
+          </a:prstGeom>
+        </p:spPr>
+        <p:style>
+          <a:lnRef idx="2">
+            <a:schemeClr val="accent2">
+              <a:shade val="50000"/>
+            </a:schemeClr>
+          </a:lnRef>
+          <a:fillRef idx="1">
+            <a:schemeClr val="accent2"/>
+          </a:fillRef>
+          <a:effectRef idx="0">
+            <a:schemeClr val="accent2"/>
+          </a:effectRef>
+          <a:fontRef idx="minor">
+            <a:schemeClr val="lt1"/>
+          </a:fontRef>
+        </p:style>
+        <p:txBody>
+          <a:bodyPr rtlCol="0" anchor="ctr"/>
+          <a:lstStyle/>
+          <a:p>
+            <a:pPr algn="ctr"/>
+            <a:r>
+              <a:rPr lang="en-US" dirty="0" smtClean="0"/>
+              <a:t>d1</a:t>
+            </a:r>
+            <a:endParaRPr lang="ru-RU" dirty="0"/>
+          </a:p>
+        </p:txBody>
+      </p:sp>
+      <p:sp>
+        <p:nvSpPr>
+          <p:cNvPr id="6" name="Прямоугольник 5"/>
+          <p:cNvSpPr/>
+          <p:nvPr/>
+        </p:nvSpPr>
+        <p:spPr>
+          <a:xfrm>
+            <a:off x="6070270" y="5460670"/>
+            <a:ext cx="1767445" cy="475013"/>
+          </a:xfrm>
+          <a:prstGeom prst="rect">
+            <a:avLst/>
+          </a:prstGeom>
+        </p:spPr>
+        <p:style>
+          <a:lnRef idx="2">
+            <a:schemeClr val="accent6">
+              <a:shade val="50000"/>
+            </a:schemeClr>
+          </a:lnRef>
+          <a:fillRef idx="1">
+            <a:schemeClr val="accent6"/>
+          </a:fillRef>
+          <a:effectRef idx="0">
+            <a:schemeClr val="accent6"/>
+          </a:effectRef>
+          <a:fontRef idx="minor">
+            <a:schemeClr val="lt1"/>
+          </a:fontRef>
+        </p:style>
+        <p:txBody>
+          <a:bodyPr rtlCol="0" anchor="ctr"/>
+          <a:lstStyle/>
+          <a:p>
+            <a:pPr algn="ctr"/>
+            <a:r>
+              <a:rPr lang="en-US" dirty="0" smtClean="0"/>
+              <a:t>d2</a:t>
+            </a:r>
+            <a:endParaRPr lang="ru-RU" dirty="0"/>
+          </a:p>
+        </p:txBody>
+      </p:sp>
+    </p:spTree>
+    <p:extLst>
+      <p:ext uri="{BB962C8B-B14F-4D97-AF65-F5344CB8AC3E}">
+        <p14:creationId xmlns:p14="http://schemas.microsoft.com/office/powerpoint/2010/main" val="1256739417"/>
+      </p:ext>
+    </p:extLst>
+  </p:cSld>
+  <p:clrMapOvr>
+    <a:masterClrMapping/>
+  </p:clrMapOvr>
+  <p:timing>
+    <p:tnLst>
+      <p:par>
+        <p:cTn id="1" dur="indefinite" restart="never" nodeType="tmRoot"/>
+      </p:par>
+    </p:tnLst>
+  </p:timing>
+</p:sld>
+</file>
+
+<file path=ppt/slides/slide28.xml><?xml version="1.0" encoding="utf-8"?>
+<p:sld xmlns:a="http://schemas.openxmlformats.org/drawingml/2006/main" xmlns:r="http://schemas.openxmlformats.org/officeDocument/2006/relationships" xmlns:p="http://schemas.openxmlformats.org/presentationml/2006/main">
+  <p:cSld>
+    <p:spTree>
+      <p:nvGrpSpPr>
+        <p:cNvPr id="1" name=""/>
+        <p:cNvGrpSpPr/>
+        <p:nvPr/>
+      </p:nvGrpSpPr>
+      <p:grpSpPr>
+        <a:xfrm>
+          <a:off x="0" y="0"/>
+          <a:ext cx="0" cy="0"/>
+          <a:chOff x="0" y="0"/>
+          <a:chExt cx="0" cy="0"/>
+        </a:xfrm>
+      </p:grpSpPr>
+      <p:sp>
+        <p:nvSpPr>
+          <p:cNvPr id="2" name="Заголовок 1"/>
+          <p:cNvSpPr>
+            <a:spLocks noGrp="1"/>
+          </p:cNvSpPr>
+          <p:nvPr>
+            <p:ph type="title"/>
+          </p:nvPr>
+        </p:nvSpPr>
+        <p:spPr/>
+        <p:txBody>
+          <a:bodyPr/>
+          <a:lstStyle/>
+          <a:p>
+            <a:r>
+              <a:rPr lang="ru-RU" dirty="0" smtClean="0"/>
+              <a:t>Кросс-</a:t>
+            </a:r>
+            <a:r>
+              <a:rPr lang="ru-RU" dirty="0" err="1" smtClean="0"/>
+              <a:t>валидация</a:t>
+            </a:r>
+            <a:endParaRPr lang="ru-RU" dirty="0"/>
+          </a:p>
+        </p:txBody>
+      </p:sp>
+      <p:sp>
+        <p:nvSpPr>
+          <p:cNvPr id="3" name="Объект 2"/>
+          <p:cNvSpPr>
+            <a:spLocks noGrp="1"/>
+          </p:cNvSpPr>
+          <p:nvPr>
+            <p:ph idx="1"/>
+          </p:nvPr>
+        </p:nvSpPr>
+        <p:spPr/>
+        <p:txBody>
+          <a:bodyPr>
+            <a:normAutofit/>
+          </a:bodyPr>
+          <a:lstStyle/>
+          <a:p>
+            <a:pPr marL="0" indent="0">
+              <a:buNone/>
+            </a:pPr>
+            <a:r>
+              <a:rPr lang="ru-RU" dirty="0" smtClean="0"/>
+              <a:t>Полная кросс-</a:t>
+            </a:r>
+            <a:r>
+              <a:rPr lang="ru-RU" dirty="0" err="1" smtClean="0"/>
+              <a:t>валидация</a:t>
+            </a:r>
+            <a:r>
+              <a:rPr lang="ru-RU" dirty="0" smtClean="0"/>
+              <a:t>.</a:t>
+            </a:r>
+          </a:p>
+          <a:p>
+            <a:pPr marL="0" indent="0">
+              <a:buNone/>
+            </a:pPr>
+            <a:endParaRPr lang="ru-RU" dirty="0" smtClean="0"/>
+          </a:p>
+          <a:p>
+            <a:pPr marL="0" indent="0">
+              <a:buNone/>
+            </a:pPr>
+            <a:r>
+              <a:rPr lang="ru-RU" dirty="0" smtClean="0"/>
+              <a:t>Выбираем значение </a:t>
+            </a:r>
+            <a:r>
+              <a:rPr lang="en-US" dirty="0" smtClean="0"/>
+              <a:t>t – </a:t>
+            </a:r>
+            <a:r>
+              <a:rPr lang="ru-RU" dirty="0" smtClean="0"/>
+              <a:t>размер выборки </a:t>
+            </a:r>
+            <a:r>
+              <a:rPr lang="en-US" dirty="0" smtClean="0"/>
+              <a:t>d1</a:t>
+            </a:r>
+            <a:r>
+              <a:rPr lang="ru-RU" dirty="0" smtClean="0"/>
+              <a:t> (или </a:t>
+            </a:r>
+            <a:r>
+              <a:rPr lang="en-US" dirty="0" smtClean="0"/>
+              <a:t>d</a:t>
+            </a:r>
+            <a:r>
+              <a:rPr lang="ru-RU" dirty="0" smtClean="0"/>
+              <a:t>2).</a:t>
+            </a:r>
+          </a:p>
+          <a:p>
+            <a:pPr marL="0" indent="0">
+              <a:buNone/>
+            </a:pPr>
+            <a:r>
+              <a:rPr lang="ru-RU" dirty="0" smtClean="0"/>
+              <a:t>Из </a:t>
+            </a:r>
+            <a:r>
+              <a:rPr lang="ru-RU" dirty="0"/>
+              <a:t>данных </a:t>
+            </a:r>
+            <a:r>
+              <a:rPr lang="en-US" dirty="0"/>
+              <a:t>D </a:t>
+            </a:r>
+            <a:r>
+              <a:rPr lang="ru-RU" dirty="0"/>
+              <a:t>формируем </a:t>
+            </a:r>
+            <a:r>
+              <a:rPr lang="ru-RU" dirty="0" smtClean="0"/>
+              <a:t>все возможные пары выборок </a:t>
+            </a:r>
+            <a:r>
+              <a:rPr lang="en-US" dirty="0" smtClean="0"/>
+              <a:t>d1 </a:t>
+            </a:r>
+            <a:r>
+              <a:rPr lang="ru-RU" dirty="0"/>
+              <a:t>и</a:t>
+            </a:r>
+            <a:r>
+              <a:rPr lang="en-US" dirty="0"/>
+              <a:t> d2</a:t>
+            </a:r>
+            <a:r>
+              <a:rPr lang="ru-RU" dirty="0"/>
+              <a:t>.</a:t>
+            </a:r>
+          </a:p>
+          <a:p>
+            <a:pPr marL="0" indent="0">
+              <a:buNone/>
+            </a:pPr>
+            <a:r>
+              <a:rPr lang="ru-RU" dirty="0" smtClean="0"/>
+              <a:t>Для каждой получившейся пары </a:t>
+            </a:r>
+            <a:r>
+              <a:rPr lang="en-US" dirty="0" smtClean="0"/>
+              <a:t>(d1, d2)</a:t>
+            </a:r>
+            <a:r>
+              <a:rPr lang="ru-RU" dirty="0" smtClean="0"/>
+              <a:t> обучаем </a:t>
+            </a:r>
+            <a:r>
+              <a:rPr lang="ru-RU" dirty="0"/>
+              <a:t>модель на выборке </a:t>
+            </a:r>
+            <a:r>
+              <a:rPr lang="en-US" dirty="0"/>
+              <a:t>d1</a:t>
+            </a:r>
+            <a:r>
+              <a:rPr lang="ru-RU" dirty="0"/>
+              <a:t>, вычисляем ошибку на выборке </a:t>
+            </a:r>
+            <a:r>
+              <a:rPr lang="en-US" dirty="0"/>
+              <a:t>d2</a:t>
+            </a:r>
+            <a:r>
+              <a:rPr lang="ru-RU" dirty="0"/>
+              <a:t>.</a:t>
+            </a:r>
+          </a:p>
+          <a:p>
+            <a:pPr marL="0" indent="0">
+              <a:buNone/>
+            </a:pPr>
+            <a:r>
+              <a:rPr lang="ru-RU" dirty="0" smtClean="0"/>
+              <a:t>Вычисляем среднее арифметическое величины ошибки на </a:t>
+            </a:r>
+            <a:r>
+              <a:rPr lang="en-US" dirty="0" smtClean="0"/>
+              <a:t>d2 </a:t>
+            </a:r>
+            <a:r>
+              <a:rPr lang="ru-RU" dirty="0" smtClean="0"/>
+              <a:t>по всем парам </a:t>
+            </a:r>
+            <a:r>
+              <a:rPr lang="en-US" dirty="0" smtClean="0"/>
+              <a:t>(d1, d2)</a:t>
+            </a:r>
+            <a:r>
+              <a:rPr lang="ru-RU" dirty="0" smtClean="0"/>
+              <a:t>.</a:t>
+            </a:r>
+            <a:endParaRPr lang="ru-RU" dirty="0"/>
+          </a:p>
+        </p:txBody>
+      </p:sp>
+    </p:spTree>
+    <p:extLst>
+      <p:ext uri="{BB962C8B-B14F-4D97-AF65-F5344CB8AC3E}">
+        <p14:creationId xmlns:p14="http://schemas.microsoft.com/office/powerpoint/2010/main" val="1324030201"/>
+      </p:ext>
+    </p:extLst>
+  </p:cSld>
+  <p:clrMapOvr>
+    <a:masterClrMapping/>
+  </p:clrMapOvr>
+  <p:timing>
+    <p:tnLst>
+      <p:par>
+        <p:cTn id="1" dur="indefinite" restart="never" nodeType="tmRoot"/>
+      </p:par>
+    </p:tnLst>
+  </p:timing>
+</p:sld>
+</file>
+
+<file path=ppt/slides/slide29.xml><?xml version="1.0" encoding="utf-8"?>
+<p:sld xmlns:a="http://schemas.openxmlformats.org/drawingml/2006/main" xmlns:r="http://schemas.openxmlformats.org/officeDocument/2006/relationships" xmlns:p="http://schemas.openxmlformats.org/presentationml/2006/main">
+  <p:cSld>
+    <p:spTree>
+      <p:nvGrpSpPr>
+        <p:cNvPr id="1" name=""/>
+        <p:cNvGrpSpPr/>
+        <p:nvPr/>
+      </p:nvGrpSpPr>
+      <p:grpSpPr>
+        <a:xfrm>
+          <a:off x="0" y="0"/>
+          <a:ext cx="0" cy="0"/>
+          <a:chOff x="0" y="0"/>
+          <a:chExt cx="0" cy="0"/>
+        </a:xfrm>
+      </p:grpSpPr>
+      <p:sp>
+        <p:nvSpPr>
+          <p:cNvPr id="2" name="Заголовок 1"/>
+          <p:cNvSpPr>
+            <a:spLocks noGrp="1"/>
+          </p:cNvSpPr>
+          <p:nvPr>
+            <p:ph type="title"/>
+          </p:nvPr>
+        </p:nvSpPr>
+        <p:spPr/>
+        <p:txBody>
+          <a:bodyPr/>
+          <a:lstStyle/>
+          <a:p>
+            <a:r>
+              <a:rPr lang="ru-RU" dirty="0" smtClean="0"/>
+              <a:t>Кросс-</a:t>
+            </a:r>
+            <a:r>
+              <a:rPr lang="ru-RU" dirty="0" err="1" smtClean="0"/>
+              <a:t>валидация</a:t>
+            </a:r>
+            <a:endParaRPr lang="ru-RU" dirty="0"/>
+          </a:p>
+        </p:txBody>
+      </p:sp>
+      <p:sp>
+        <p:nvSpPr>
+          <p:cNvPr id="3" name="Объект 2"/>
+          <p:cNvSpPr>
+            <a:spLocks noGrp="1"/>
+          </p:cNvSpPr>
+          <p:nvPr>
+            <p:ph idx="1"/>
+          </p:nvPr>
+        </p:nvSpPr>
+        <p:spPr>
+          <a:xfrm>
+            <a:off x="838200" y="1825625"/>
+            <a:ext cx="10515600" cy="549440"/>
+          </a:xfrm>
+        </p:spPr>
+        <p:txBody>
+          <a:bodyPr>
+            <a:normAutofit/>
+          </a:bodyPr>
+          <a:lstStyle/>
+          <a:p>
+            <a:pPr marL="0" indent="0">
+              <a:buNone/>
+            </a:pPr>
+            <a:r>
+              <a:rPr lang="ru-RU" dirty="0"/>
+              <a:t>Полная кросс-</a:t>
+            </a:r>
+            <a:r>
+              <a:rPr lang="ru-RU" dirty="0" err="1"/>
+              <a:t>валидация</a:t>
+            </a:r>
+            <a:r>
+              <a:rPr lang="ru-RU" dirty="0"/>
+              <a:t>.</a:t>
+            </a:r>
+          </a:p>
+        </p:txBody>
+      </p:sp>
+      <p:sp>
+        <p:nvSpPr>
+          <p:cNvPr id="4" name="Прямоугольник 3"/>
+          <p:cNvSpPr/>
+          <p:nvPr/>
+        </p:nvSpPr>
+        <p:spPr>
+          <a:xfrm>
+            <a:off x="3752603" y="2470067"/>
+            <a:ext cx="4085112" cy="475013"/>
+          </a:xfrm>
+          <a:prstGeom prst="rect">
+            <a:avLst/>
+          </a:prstGeom>
+        </p:spPr>
+        <p:style>
+          <a:lnRef idx="3">
+            <a:schemeClr val="lt1"/>
+          </a:lnRef>
+          <a:fillRef idx="1">
+            <a:schemeClr val="accent4"/>
+          </a:fillRef>
+          <a:effectRef idx="1">
+            <a:schemeClr val="accent4"/>
+          </a:effectRef>
+          <a:fontRef idx="minor">
+            <a:schemeClr val="lt1"/>
+          </a:fontRef>
+        </p:style>
+        <p:txBody>
+          <a:bodyPr rtlCol="0" anchor="ctr"/>
+          <a:lstStyle/>
+          <a:p>
+            <a:pPr algn="ctr"/>
+            <a:r>
+              <a:rPr lang="en-US" dirty="0"/>
+              <a:t>D</a:t>
+            </a:r>
+            <a:endParaRPr lang="ru-RU" dirty="0"/>
+          </a:p>
+        </p:txBody>
+      </p:sp>
+      <p:sp>
+        <p:nvSpPr>
+          <p:cNvPr id="5" name="Прямоугольник 4"/>
+          <p:cNvSpPr/>
+          <p:nvPr/>
+        </p:nvSpPr>
+        <p:spPr>
+          <a:xfrm>
+            <a:off x="5533903" y="3230090"/>
+            <a:ext cx="2317667" cy="354281"/>
+          </a:xfrm>
+          <a:prstGeom prst="rect">
+            <a:avLst/>
+          </a:prstGeom>
+        </p:spPr>
+        <p:style>
+          <a:lnRef idx="2">
+            <a:schemeClr val="accent2">
+              <a:shade val="50000"/>
+            </a:schemeClr>
+          </a:lnRef>
+          <a:fillRef idx="1">
+            <a:schemeClr val="accent2"/>
+          </a:fillRef>
+          <a:effectRef idx="0">
+            <a:schemeClr val="accent2"/>
+          </a:effectRef>
+          <a:fontRef idx="minor">
+            <a:schemeClr val="lt1"/>
+          </a:fontRef>
+        </p:style>
+        <p:txBody>
+          <a:bodyPr rtlCol="0" anchor="ctr"/>
+          <a:lstStyle/>
+          <a:p>
+            <a:pPr algn="ctr"/>
+            <a:r>
+              <a:rPr lang="en-US" dirty="0" smtClean="0"/>
+              <a:t>d1</a:t>
+            </a:r>
+            <a:endParaRPr lang="ru-RU" dirty="0"/>
+          </a:p>
+        </p:txBody>
+      </p:sp>
+      <p:sp>
+        <p:nvSpPr>
+          <p:cNvPr id="6" name="Прямоугольник 5"/>
+          <p:cNvSpPr/>
+          <p:nvPr/>
+        </p:nvSpPr>
+        <p:spPr>
+          <a:xfrm>
+            <a:off x="3766458" y="3230090"/>
+            <a:ext cx="1767445" cy="354281"/>
+          </a:xfrm>
+          <a:prstGeom prst="rect">
+            <a:avLst/>
+          </a:prstGeom>
+        </p:spPr>
+        <p:style>
+          <a:lnRef idx="2">
+            <a:schemeClr val="accent6">
+              <a:shade val="50000"/>
+            </a:schemeClr>
+          </a:lnRef>
+          <a:fillRef idx="1">
+            <a:schemeClr val="accent6"/>
+          </a:fillRef>
+          <a:effectRef idx="0">
+            <a:schemeClr val="accent6"/>
+          </a:effectRef>
+          <a:fontRef idx="minor">
+            <a:schemeClr val="lt1"/>
+          </a:fontRef>
+        </p:style>
+        <p:txBody>
+          <a:bodyPr rtlCol="0" anchor="ctr"/>
+          <a:lstStyle/>
+          <a:p>
+            <a:pPr algn="ctr"/>
+            <a:r>
+              <a:rPr lang="en-US" dirty="0" smtClean="0"/>
+              <a:t>d2</a:t>
+            </a:r>
+            <a:endParaRPr lang="ru-RU" dirty="0"/>
+          </a:p>
+        </p:txBody>
+      </p:sp>
+      <p:sp>
+        <p:nvSpPr>
+          <p:cNvPr id="7" name="Прямоугольник 6"/>
+          <p:cNvSpPr/>
+          <p:nvPr/>
+        </p:nvSpPr>
+        <p:spPr>
+          <a:xfrm>
+            <a:off x="3752603" y="3869383"/>
+            <a:ext cx="534389" cy="354281"/>
+          </a:xfrm>
+          <a:prstGeom prst="rect">
+            <a:avLst/>
+          </a:prstGeom>
+        </p:spPr>
+        <p:style>
+          <a:lnRef idx="2">
+            <a:schemeClr val="accent2">
+              <a:shade val="50000"/>
+            </a:schemeClr>
+          </a:lnRef>
+          <a:fillRef idx="1">
+            <a:schemeClr val="accent2"/>
+          </a:fillRef>
+          <a:effectRef idx="0">
+            <a:schemeClr val="accent2"/>
+          </a:effectRef>
+          <a:fontRef idx="minor">
+            <a:schemeClr val="lt1"/>
+          </a:fontRef>
+        </p:style>
+        <p:txBody>
+          <a:bodyPr rtlCol="0" anchor="ctr"/>
+          <a:lstStyle/>
+          <a:p>
+            <a:pPr algn="ctr"/>
+            <a:r>
+              <a:rPr lang="en-US" dirty="0" smtClean="0"/>
+              <a:t>d1</a:t>
+            </a:r>
+            <a:endParaRPr lang="ru-RU" dirty="0"/>
+          </a:p>
+        </p:txBody>
+      </p:sp>
+      <p:sp>
+        <p:nvSpPr>
+          <p:cNvPr id="8" name="Прямоугольник 7"/>
+          <p:cNvSpPr/>
+          <p:nvPr/>
+        </p:nvSpPr>
+        <p:spPr>
+          <a:xfrm>
+            <a:off x="4298867" y="3869382"/>
+            <a:ext cx="1767445" cy="354281"/>
+          </a:xfrm>
+          <a:prstGeom prst="rect">
+            <a:avLst/>
+          </a:prstGeom>
+        </p:spPr>
+        <p:style>
+          <a:lnRef idx="2">
+            <a:schemeClr val="accent6">
+              <a:shade val="50000"/>
+            </a:schemeClr>
+          </a:lnRef>
+          <a:fillRef idx="1">
+            <a:schemeClr val="accent6"/>
+          </a:fillRef>
+          <a:effectRef idx="0">
+            <a:schemeClr val="accent6"/>
+          </a:effectRef>
+          <a:fontRef idx="minor">
+            <a:schemeClr val="lt1"/>
+          </a:fontRef>
+        </p:style>
+        <p:txBody>
+          <a:bodyPr rtlCol="0" anchor="ctr"/>
+          <a:lstStyle/>
+          <a:p>
+            <a:pPr algn="ctr"/>
+            <a:r>
+              <a:rPr lang="en-US" dirty="0" smtClean="0"/>
+              <a:t>d2</a:t>
+            </a:r>
+            <a:endParaRPr lang="ru-RU" dirty="0"/>
+          </a:p>
+        </p:txBody>
+      </p:sp>
+      <p:sp>
+        <p:nvSpPr>
+          <p:cNvPr id="9" name="Прямоугольник 8"/>
+          <p:cNvSpPr/>
+          <p:nvPr/>
+        </p:nvSpPr>
+        <p:spPr>
+          <a:xfrm>
+            <a:off x="3752603" y="4508675"/>
+            <a:ext cx="1092529" cy="354281"/>
+          </a:xfrm>
+          <a:prstGeom prst="rect">
+            <a:avLst/>
+          </a:prstGeom>
+        </p:spPr>
+        <p:style>
+          <a:lnRef idx="2">
+            <a:schemeClr val="accent2">
+              <a:shade val="50000"/>
+            </a:schemeClr>
+          </a:lnRef>
+          <a:fillRef idx="1">
+            <a:schemeClr val="accent2"/>
+          </a:fillRef>
+          <a:effectRef idx="0">
+            <a:schemeClr val="accent2"/>
+          </a:effectRef>
+          <a:fontRef idx="minor">
+            <a:schemeClr val="lt1"/>
+          </a:fontRef>
+        </p:style>
+        <p:txBody>
+          <a:bodyPr rtlCol="0" anchor="ctr"/>
+          <a:lstStyle/>
+          <a:p>
+            <a:pPr algn="ctr"/>
+            <a:r>
+              <a:rPr lang="en-US" dirty="0" smtClean="0"/>
+              <a:t>d1</a:t>
+            </a:r>
+            <a:endParaRPr lang="ru-RU" dirty="0"/>
+          </a:p>
+        </p:txBody>
+      </p:sp>
+      <p:sp>
+        <p:nvSpPr>
+          <p:cNvPr id="10" name="Прямоугольник 9"/>
+          <p:cNvSpPr/>
+          <p:nvPr/>
+        </p:nvSpPr>
+        <p:spPr>
+          <a:xfrm>
+            <a:off x="4845132" y="4517587"/>
+            <a:ext cx="1767445" cy="354281"/>
+          </a:xfrm>
+          <a:prstGeom prst="rect">
+            <a:avLst/>
+          </a:prstGeom>
+        </p:spPr>
+        <p:style>
+          <a:lnRef idx="2">
+            <a:schemeClr val="accent6">
+              <a:shade val="50000"/>
+            </a:schemeClr>
+          </a:lnRef>
+          <a:fillRef idx="1">
+            <a:schemeClr val="accent6"/>
+          </a:fillRef>
+          <a:effectRef idx="0">
+            <a:schemeClr val="accent6"/>
+          </a:effectRef>
+          <a:fontRef idx="minor">
+            <a:schemeClr val="lt1"/>
+          </a:fontRef>
+        </p:style>
+        <p:txBody>
+          <a:bodyPr rtlCol="0" anchor="ctr"/>
+          <a:lstStyle/>
+          <a:p>
+            <a:pPr algn="ctr"/>
+            <a:r>
+              <a:rPr lang="en-US" dirty="0" smtClean="0"/>
+              <a:t>d2</a:t>
+            </a:r>
+            <a:endParaRPr lang="ru-RU" dirty="0"/>
+          </a:p>
+        </p:txBody>
+      </p:sp>
+      <p:sp>
+        <p:nvSpPr>
+          <p:cNvPr id="11" name="Прямоугольник 10"/>
+          <p:cNvSpPr/>
+          <p:nvPr/>
+        </p:nvSpPr>
+        <p:spPr>
+          <a:xfrm>
+            <a:off x="3726873" y="5147966"/>
+            <a:ext cx="1807030" cy="354281"/>
+          </a:xfrm>
+          <a:prstGeom prst="rect">
+            <a:avLst/>
+          </a:prstGeom>
+        </p:spPr>
+        <p:style>
+          <a:lnRef idx="2">
+            <a:schemeClr val="accent2">
+              <a:shade val="50000"/>
+            </a:schemeClr>
+          </a:lnRef>
+          <a:fillRef idx="1">
+            <a:schemeClr val="accent2"/>
+          </a:fillRef>
+          <a:effectRef idx="0">
+            <a:schemeClr val="accent2"/>
+          </a:effectRef>
+          <a:fontRef idx="minor">
+            <a:schemeClr val="lt1"/>
+          </a:fontRef>
+        </p:style>
+        <p:txBody>
+          <a:bodyPr rtlCol="0" anchor="ctr"/>
+          <a:lstStyle/>
+          <a:p>
+            <a:pPr algn="ctr"/>
+            <a:r>
+              <a:rPr lang="en-US" dirty="0" smtClean="0"/>
+              <a:t>d1</a:t>
+            </a:r>
+            <a:endParaRPr lang="ru-RU" dirty="0"/>
+          </a:p>
+        </p:txBody>
+      </p:sp>
+      <p:sp>
+        <p:nvSpPr>
+          <p:cNvPr id="12" name="Прямоугольник 11"/>
+          <p:cNvSpPr/>
+          <p:nvPr/>
+        </p:nvSpPr>
+        <p:spPr>
+          <a:xfrm>
+            <a:off x="5535882" y="5156880"/>
+            <a:ext cx="1767445" cy="345368"/>
+          </a:xfrm>
+          <a:prstGeom prst="rect">
+            <a:avLst/>
+          </a:prstGeom>
+        </p:spPr>
+        <p:style>
+          <a:lnRef idx="2">
+            <a:schemeClr val="accent6">
+              <a:shade val="50000"/>
+            </a:schemeClr>
+          </a:lnRef>
+          <a:fillRef idx="1">
+            <a:schemeClr val="accent6"/>
+          </a:fillRef>
+          <a:effectRef idx="0">
+            <a:schemeClr val="accent6"/>
+          </a:effectRef>
+          <a:fontRef idx="minor">
+            <a:schemeClr val="lt1"/>
+          </a:fontRef>
+        </p:style>
+        <p:txBody>
+          <a:bodyPr rtlCol="0" anchor="ctr"/>
+          <a:lstStyle/>
+          <a:p>
+            <a:pPr algn="ctr"/>
+            <a:r>
+              <a:rPr lang="en-US" dirty="0" smtClean="0"/>
+              <a:t>d2</a:t>
+            </a:r>
+            <a:endParaRPr lang="ru-RU" dirty="0"/>
+          </a:p>
+        </p:txBody>
+      </p:sp>
+      <p:sp>
+        <p:nvSpPr>
+          <p:cNvPr id="13" name="Прямоугольник 12"/>
+          <p:cNvSpPr/>
+          <p:nvPr/>
+        </p:nvSpPr>
+        <p:spPr>
+          <a:xfrm>
+            <a:off x="3726873" y="5787259"/>
+            <a:ext cx="2317667" cy="354281"/>
+          </a:xfrm>
+          <a:prstGeom prst="rect">
+            <a:avLst/>
+          </a:prstGeom>
+        </p:spPr>
+        <p:style>
+          <a:lnRef idx="2">
+            <a:schemeClr val="accent2">
+              <a:shade val="50000"/>
+            </a:schemeClr>
+          </a:lnRef>
+          <a:fillRef idx="1">
+            <a:schemeClr val="accent2"/>
+          </a:fillRef>
+          <a:effectRef idx="0">
+            <a:schemeClr val="accent2"/>
+          </a:effectRef>
+          <a:fontRef idx="minor">
+            <a:schemeClr val="lt1"/>
+          </a:fontRef>
+        </p:style>
+        <p:txBody>
+          <a:bodyPr rtlCol="0" anchor="ctr"/>
+          <a:lstStyle/>
+          <a:p>
+            <a:pPr algn="ctr"/>
+            <a:r>
+              <a:rPr lang="en-US" dirty="0" smtClean="0"/>
+              <a:t>d1</a:t>
+            </a:r>
+            <a:endParaRPr lang="ru-RU" dirty="0"/>
+          </a:p>
+        </p:txBody>
+      </p:sp>
+      <p:sp>
+        <p:nvSpPr>
+          <p:cNvPr id="14" name="Прямоугольник 13"/>
+          <p:cNvSpPr/>
+          <p:nvPr/>
+        </p:nvSpPr>
+        <p:spPr>
+          <a:xfrm>
+            <a:off x="6058395" y="5787259"/>
+            <a:ext cx="1767445" cy="354281"/>
+          </a:xfrm>
+          <a:prstGeom prst="rect">
+            <a:avLst/>
+          </a:prstGeom>
+        </p:spPr>
+        <p:style>
+          <a:lnRef idx="2">
+            <a:schemeClr val="accent6">
+              <a:shade val="50000"/>
+            </a:schemeClr>
+          </a:lnRef>
+          <a:fillRef idx="1">
+            <a:schemeClr val="accent6"/>
+          </a:fillRef>
+          <a:effectRef idx="0">
+            <a:schemeClr val="accent6"/>
+          </a:effectRef>
+          <a:fontRef idx="minor">
+            <a:schemeClr val="lt1"/>
+          </a:fontRef>
+        </p:style>
+        <p:txBody>
+          <a:bodyPr rtlCol="0" anchor="ctr"/>
+          <a:lstStyle/>
+          <a:p>
+            <a:pPr algn="ctr"/>
+            <a:r>
+              <a:rPr lang="en-US" dirty="0" smtClean="0"/>
+              <a:t>d2</a:t>
+            </a:r>
+            <a:endParaRPr lang="ru-RU" dirty="0"/>
+          </a:p>
+        </p:txBody>
+      </p:sp>
+      <p:sp>
+        <p:nvSpPr>
+          <p:cNvPr id="15" name="Прямоугольник 14"/>
+          <p:cNvSpPr/>
+          <p:nvPr/>
+        </p:nvSpPr>
+        <p:spPr>
+          <a:xfrm>
+            <a:off x="6078187" y="3869382"/>
+            <a:ext cx="1773383" cy="354281"/>
+          </a:xfrm>
+          <a:prstGeom prst="rect">
+            <a:avLst/>
+          </a:prstGeom>
+        </p:spPr>
+        <p:style>
+          <a:lnRef idx="2">
+            <a:schemeClr val="accent2">
+              <a:shade val="50000"/>
+            </a:schemeClr>
+          </a:lnRef>
+          <a:fillRef idx="1">
+            <a:schemeClr val="accent2"/>
+          </a:fillRef>
+          <a:effectRef idx="0">
+            <a:schemeClr val="accent2"/>
+          </a:effectRef>
+          <a:fontRef idx="minor">
+            <a:schemeClr val="lt1"/>
+          </a:fontRef>
+        </p:style>
+        <p:txBody>
+          <a:bodyPr rtlCol="0" anchor="ctr"/>
+          <a:lstStyle/>
+          <a:p>
+            <a:pPr algn="ctr"/>
+            <a:r>
+              <a:rPr lang="en-US" dirty="0" smtClean="0"/>
+              <a:t>d1</a:t>
+            </a:r>
+            <a:endParaRPr lang="ru-RU" dirty="0"/>
+          </a:p>
+        </p:txBody>
+      </p:sp>
+      <p:sp>
+        <p:nvSpPr>
+          <p:cNvPr id="16" name="Прямоугольник 15"/>
+          <p:cNvSpPr/>
+          <p:nvPr/>
+        </p:nvSpPr>
+        <p:spPr>
+          <a:xfrm>
+            <a:off x="6612577" y="4508674"/>
+            <a:ext cx="1238993" cy="354281"/>
+          </a:xfrm>
+          <a:prstGeom prst="rect">
+            <a:avLst/>
+          </a:prstGeom>
+        </p:spPr>
+        <p:style>
+          <a:lnRef idx="2">
+            <a:schemeClr val="accent2">
+              <a:shade val="50000"/>
+            </a:schemeClr>
+          </a:lnRef>
+          <a:fillRef idx="1">
+            <a:schemeClr val="accent2"/>
+          </a:fillRef>
+          <a:effectRef idx="0">
+            <a:schemeClr val="accent2"/>
+          </a:effectRef>
+          <a:fontRef idx="minor">
+            <a:schemeClr val="lt1"/>
+          </a:fontRef>
+        </p:style>
+        <p:txBody>
+          <a:bodyPr rtlCol="0" anchor="ctr"/>
+          <a:lstStyle/>
+          <a:p>
+            <a:pPr algn="ctr"/>
+            <a:r>
+              <a:rPr lang="en-US" dirty="0" smtClean="0"/>
+              <a:t>d1</a:t>
+            </a:r>
+            <a:endParaRPr lang="ru-RU" dirty="0"/>
+          </a:p>
+        </p:txBody>
+      </p:sp>
+      <p:sp>
+        <p:nvSpPr>
+          <p:cNvPr id="17" name="Прямоугольник 16"/>
+          <p:cNvSpPr/>
+          <p:nvPr/>
+        </p:nvSpPr>
+        <p:spPr>
+          <a:xfrm>
+            <a:off x="7315203" y="5147966"/>
+            <a:ext cx="536368" cy="354281"/>
+          </a:xfrm>
+          <a:prstGeom prst="rect">
+            <a:avLst/>
+          </a:prstGeom>
+        </p:spPr>
+        <p:style>
+          <a:lnRef idx="2">
+            <a:schemeClr val="accent2">
+              <a:shade val="50000"/>
+            </a:schemeClr>
+          </a:lnRef>
+          <a:fillRef idx="1">
+            <a:schemeClr val="accent2"/>
+          </a:fillRef>
+          <a:effectRef idx="0">
+            <a:schemeClr val="accent2"/>
+          </a:effectRef>
+          <a:fontRef idx="minor">
+            <a:schemeClr val="lt1"/>
+          </a:fontRef>
+        </p:style>
+        <p:txBody>
+          <a:bodyPr rtlCol="0" anchor="ctr"/>
+          <a:lstStyle/>
+          <a:p>
+            <a:pPr algn="ctr"/>
+            <a:r>
+              <a:rPr lang="en-US" dirty="0" smtClean="0"/>
+              <a:t>d1</a:t>
+            </a:r>
+            <a:endParaRPr lang="ru-RU" dirty="0"/>
+          </a:p>
+        </p:txBody>
+      </p:sp>
+    </p:spTree>
+    <p:extLst>
+      <p:ext uri="{BB962C8B-B14F-4D97-AF65-F5344CB8AC3E}">
+        <p14:creationId xmlns:p14="http://schemas.microsoft.com/office/powerpoint/2010/main" val="1014317289"/>
+      </p:ext>
+    </p:extLst>
+  </p:cSld>
+  <p:clrMapOvr>
+    <a:masterClrMapping/>
+  </p:clrMapOvr>
+  <p:timing>
+    <p:tnLst>
+      <p:par>
+        <p:cTn id="1" dur="indefinite" restart="never" nodeType="tmRoot"/>
+      </p:par>
+    </p:tnLst>
+  </p:timing>
 </p:sld>
 </file>
 
@@ -5922,6 +7756,2998 @@
   <p:clrMapOvr>
     <a:masterClrMapping/>
   </p:clrMapOvr>
+  <p:timing>
+    <p:tnLst>
+      <p:par>
+        <p:cTn id="1" dur="indefinite" restart="never" nodeType="tmRoot"/>
+      </p:par>
+    </p:tnLst>
+  </p:timing>
+</p:sld>
+</file>
+
+<file path=ppt/slides/slide30.xml><?xml version="1.0" encoding="utf-8"?>
+<p:sld xmlns:a="http://schemas.openxmlformats.org/drawingml/2006/main" xmlns:r="http://schemas.openxmlformats.org/officeDocument/2006/relationships" xmlns:p="http://schemas.openxmlformats.org/presentationml/2006/main">
+  <p:cSld>
+    <p:spTree>
+      <p:nvGrpSpPr>
+        <p:cNvPr id="1" name=""/>
+        <p:cNvGrpSpPr/>
+        <p:nvPr/>
+      </p:nvGrpSpPr>
+      <p:grpSpPr>
+        <a:xfrm>
+          <a:off x="0" y="0"/>
+          <a:ext cx="0" cy="0"/>
+          <a:chOff x="0" y="0"/>
+          <a:chExt cx="0" cy="0"/>
+        </a:xfrm>
+      </p:grpSpPr>
+      <p:sp>
+        <p:nvSpPr>
+          <p:cNvPr id="2" name="Заголовок 1"/>
+          <p:cNvSpPr>
+            <a:spLocks noGrp="1"/>
+          </p:cNvSpPr>
+          <p:nvPr>
+            <p:ph type="title"/>
+          </p:nvPr>
+        </p:nvSpPr>
+        <p:spPr/>
+        <p:txBody>
+          <a:bodyPr/>
+          <a:lstStyle/>
+          <a:p>
+            <a:r>
+              <a:rPr lang="ru-RU" dirty="0" smtClean="0"/>
+              <a:t>Кросс-</a:t>
+            </a:r>
+            <a:r>
+              <a:rPr lang="ru-RU" dirty="0" err="1" smtClean="0"/>
+              <a:t>валидация</a:t>
+            </a:r>
+            <a:endParaRPr lang="ru-RU" dirty="0"/>
+          </a:p>
+        </p:txBody>
+      </p:sp>
+      <p:sp>
+        <p:nvSpPr>
+          <p:cNvPr id="3" name="Объект 2"/>
+          <p:cNvSpPr>
+            <a:spLocks noGrp="1"/>
+          </p:cNvSpPr>
+          <p:nvPr>
+            <p:ph idx="1"/>
+          </p:nvPr>
+        </p:nvSpPr>
+        <p:spPr/>
+        <p:txBody>
+          <a:bodyPr>
+            <a:normAutofit fontScale="85000" lnSpcReduction="20000"/>
+          </a:bodyPr>
+          <a:lstStyle/>
+          <a:p>
+            <a:pPr marL="0" indent="0">
+              <a:buNone/>
+            </a:pPr>
+            <a:r>
+              <a:rPr lang="en-US" dirty="0" smtClean="0"/>
+              <a:t>K</a:t>
+            </a:r>
+            <a:r>
+              <a:rPr lang="ru-RU" dirty="0" smtClean="0"/>
+              <a:t>-частная (</a:t>
+            </a:r>
+            <a:r>
+              <a:rPr lang="en-US" dirty="0" smtClean="0"/>
+              <a:t>k-fold) </a:t>
+            </a:r>
+            <a:r>
+              <a:rPr lang="ru-RU" dirty="0" smtClean="0"/>
+              <a:t>кросс-</a:t>
+            </a:r>
+            <a:r>
+              <a:rPr lang="ru-RU" dirty="0" err="1" smtClean="0"/>
+              <a:t>валидация</a:t>
+            </a:r>
+            <a:r>
+              <a:rPr lang="ru-RU" dirty="0" smtClean="0"/>
+              <a:t>.</a:t>
+            </a:r>
+            <a:endParaRPr lang="en-US" dirty="0" smtClean="0"/>
+          </a:p>
+          <a:p>
+            <a:pPr marL="0" indent="0">
+              <a:buNone/>
+            </a:pPr>
+            <a:endParaRPr lang="en-US" dirty="0"/>
+          </a:p>
+          <a:p>
+            <a:pPr marL="0" indent="0">
+              <a:buNone/>
+            </a:pPr>
+            <a:r>
+              <a:rPr lang="ru-RU" dirty="0"/>
+              <a:t>Выбираем значение </a:t>
+            </a:r>
+            <a:r>
+              <a:rPr lang="en-US" dirty="0" smtClean="0"/>
+              <a:t>k </a:t>
+            </a:r>
+            <a:r>
+              <a:rPr lang="en-US" dirty="0"/>
+              <a:t>– </a:t>
+            </a:r>
+            <a:r>
+              <a:rPr lang="ru-RU" dirty="0" smtClean="0"/>
+              <a:t>количество частей, на которые будут разделены данные </a:t>
+            </a:r>
+            <a:r>
+              <a:rPr lang="en-US" dirty="0" smtClean="0"/>
+              <a:t>D</a:t>
+            </a:r>
+            <a:r>
+              <a:rPr lang="ru-RU" dirty="0" smtClean="0"/>
+              <a:t>.</a:t>
+            </a:r>
+            <a:endParaRPr lang="ru-RU" dirty="0"/>
+          </a:p>
+          <a:p>
+            <a:pPr marL="0" indent="0">
+              <a:buNone/>
+            </a:pPr>
+            <a:r>
+              <a:rPr lang="ru-RU" dirty="0" smtClean="0"/>
+              <a:t>Для каждой из </a:t>
+            </a:r>
+            <a:r>
+              <a:rPr lang="en-US" dirty="0" smtClean="0"/>
+              <a:t>k </a:t>
+            </a:r>
+            <a:r>
+              <a:rPr lang="ru-RU" dirty="0" smtClean="0"/>
+              <a:t>частей формируем пару (</a:t>
+            </a:r>
+            <a:r>
+              <a:rPr lang="en-US" dirty="0" smtClean="0"/>
+              <a:t>d1, d2)</a:t>
+            </a:r>
+            <a:r>
+              <a:rPr lang="ru-RU" dirty="0" smtClean="0"/>
+              <a:t>:</a:t>
+            </a:r>
+          </a:p>
+          <a:p>
+            <a:r>
+              <a:rPr lang="en-US" dirty="0" smtClean="0"/>
+              <a:t>d1 </a:t>
+            </a:r>
+            <a:r>
+              <a:rPr lang="ru-RU" dirty="0" smtClean="0"/>
+              <a:t>состоит из остальных </a:t>
+            </a:r>
+            <a:r>
+              <a:rPr lang="en-US" dirty="0" smtClean="0"/>
+              <a:t>k-1</a:t>
+            </a:r>
+            <a:r>
+              <a:rPr lang="ru-RU" dirty="0" smtClean="0"/>
+              <a:t> частей,</a:t>
+            </a:r>
+          </a:p>
+          <a:p>
+            <a:r>
+              <a:rPr lang="en-US" dirty="0"/>
+              <a:t>d</a:t>
+            </a:r>
+            <a:r>
+              <a:rPr lang="en-US" dirty="0" smtClean="0"/>
+              <a:t>2 </a:t>
+            </a:r>
+            <a:r>
+              <a:rPr lang="ru-RU" dirty="0" smtClean="0"/>
+              <a:t>совпадает с рассматриваемой частью.</a:t>
+            </a:r>
+          </a:p>
+          <a:p>
+            <a:pPr marL="0" indent="0">
+              <a:buNone/>
+            </a:pPr>
+            <a:endParaRPr lang="ru-RU" dirty="0" smtClean="0"/>
+          </a:p>
+          <a:p>
+            <a:pPr marL="0" indent="0">
+              <a:buNone/>
+            </a:pPr>
+            <a:r>
+              <a:rPr lang="ru-RU" dirty="0" smtClean="0"/>
+              <a:t>Для </a:t>
+            </a:r>
+            <a:r>
+              <a:rPr lang="ru-RU" dirty="0"/>
+              <a:t>каждой получившейся пары </a:t>
+            </a:r>
+            <a:r>
+              <a:rPr lang="en-US" dirty="0"/>
+              <a:t>(d1, d2)</a:t>
+            </a:r>
+            <a:r>
+              <a:rPr lang="ru-RU" dirty="0"/>
+              <a:t> обучаем модель на выборке </a:t>
+            </a:r>
+            <a:r>
+              <a:rPr lang="en-US" dirty="0"/>
+              <a:t>d1</a:t>
+            </a:r>
+            <a:r>
+              <a:rPr lang="ru-RU" dirty="0"/>
+              <a:t>, вычисляем ошибку на выборке </a:t>
+            </a:r>
+            <a:r>
+              <a:rPr lang="en-US" dirty="0"/>
+              <a:t>d2</a:t>
+            </a:r>
+            <a:r>
+              <a:rPr lang="ru-RU" dirty="0"/>
+              <a:t>.</a:t>
+            </a:r>
+          </a:p>
+          <a:p>
+            <a:pPr marL="0" indent="0">
+              <a:buNone/>
+            </a:pPr>
+            <a:r>
+              <a:rPr lang="ru-RU" dirty="0"/>
+              <a:t>Вычисляем среднее арифметическое величины ошибки на </a:t>
+            </a:r>
+            <a:r>
+              <a:rPr lang="en-US" dirty="0"/>
+              <a:t>d2 </a:t>
+            </a:r>
+            <a:r>
+              <a:rPr lang="ru-RU" dirty="0"/>
+              <a:t>по всем </a:t>
+            </a:r>
+            <a:r>
+              <a:rPr lang="en-US" dirty="0" smtClean="0"/>
+              <a:t>k </a:t>
+            </a:r>
+            <a:r>
+              <a:rPr lang="ru-RU" dirty="0" smtClean="0"/>
+              <a:t>парам </a:t>
+            </a:r>
+            <a:r>
+              <a:rPr lang="en-US" dirty="0"/>
+              <a:t>(d1, d2)</a:t>
+            </a:r>
+            <a:r>
+              <a:rPr lang="ru-RU" dirty="0"/>
+              <a:t>.</a:t>
+            </a:r>
+          </a:p>
+          <a:p>
+            <a:pPr marL="0" indent="0">
+              <a:buNone/>
+            </a:pPr>
+            <a:endParaRPr lang="ru-RU" dirty="0" smtClean="0"/>
+          </a:p>
+          <a:p>
+            <a:pPr marL="0" indent="0">
+              <a:buNone/>
+            </a:pPr>
+            <a:endParaRPr lang="ru-RU" dirty="0"/>
+          </a:p>
+        </p:txBody>
+      </p:sp>
+    </p:spTree>
+    <p:extLst>
+      <p:ext uri="{BB962C8B-B14F-4D97-AF65-F5344CB8AC3E}">
+        <p14:creationId xmlns:p14="http://schemas.microsoft.com/office/powerpoint/2010/main" val="1866872889"/>
+      </p:ext>
+    </p:extLst>
+  </p:cSld>
+  <p:clrMapOvr>
+    <a:masterClrMapping/>
+  </p:clrMapOvr>
+  <p:timing>
+    <p:tnLst>
+      <p:par>
+        <p:cTn id="1" dur="indefinite" restart="never" nodeType="tmRoot"/>
+      </p:par>
+    </p:tnLst>
+  </p:timing>
+</p:sld>
+</file>
+
+<file path=ppt/slides/slide31.xml><?xml version="1.0" encoding="utf-8"?>
+<p:sld xmlns:a="http://schemas.openxmlformats.org/drawingml/2006/main" xmlns:r="http://schemas.openxmlformats.org/officeDocument/2006/relationships" xmlns:p="http://schemas.openxmlformats.org/presentationml/2006/main">
+  <p:cSld>
+    <p:spTree>
+      <p:nvGrpSpPr>
+        <p:cNvPr id="1" name=""/>
+        <p:cNvGrpSpPr/>
+        <p:nvPr/>
+      </p:nvGrpSpPr>
+      <p:grpSpPr>
+        <a:xfrm>
+          <a:off x="0" y="0"/>
+          <a:ext cx="0" cy="0"/>
+          <a:chOff x="0" y="0"/>
+          <a:chExt cx="0" cy="0"/>
+        </a:xfrm>
+      </p:grpSpPr>
+      <p:sp>
+        <p:nvSpPr>
+          <p:cNvPr id="2" name="Заголовок 1"/>
+          <p:cNvSpPr>
+            <a:spLocks noGrp="1"/>
+          </p:cNvSpPr>
+          <p:nvPr>
+            <p:ph type="title"/>
+          </p:nvPr>
+        </p:nvSpPr>
+        <p:spPr/>
+        <p:txBody>
+          <a:bodyPr/>
+          <a:lstStyle/>
+          <a:p>
+            <a:r>
+              <a:rPr lang="ru-RU" dirty="0" smtClean="0"/>
+              <a:t>Кросс-</a:t>
+            </a:r>
+            <a:r>
+              <a:rPr lang="ru-RU" dirty="0" err="1" smtClean="0"/>
+              <a:t>валидация</a:t>
+            </a:r>
+            <a:endParaRPr lang="ru-RU" dirty="0"/>
+          </a:p>
+        </p:txBody>
+      </p:sp>
+      <p:sp>
+        <p:nvSpPr>
+          <p:cNvPr id="3" name="Объект 2"/>
+          <p:cNvSpPr>
+            <a:spLocks noGrp="1"/>
+          </p:cNvSpPr>
+          <p:nvPr>
+            <p:ph idx="1"/>
+          </p:nvPr>
+        </p:nvSpPr>
+        <p:spPr>
+          <a:xfrm>
+            <a:off x="838200" y="1825625"/>
+            <a:ext cx="10515600" cy="549440"/>
+          </a:xfrm>
+        </p:spPr>
+        <p:txBody>
+          <a:bodyPr>
+            <a:normAutofit/>
+          </a:bodyPr>
+          <a:lstStyle/>
+          <a:p>
+            <a:pPr marL="0" indent="0">
+              <a:buNone/>
+            </a:pPr>
+            <a:r>
+              <a:rPr lang="en-US" dirty="0"/>
+              <a:t>K</a:t>
+            </a:r>
+            <a:r>
+              <a:rPr lang="ru-RU" dirty="0"/>
+              <a:t>-частная (</a:t>
+            </a:r>
+            <a:r>
+              <a:rPr lang="en-US" dirty="0"/>
+              <a:t>k-fold) </a:t>
+            </a:r>
+            <a:r>
+              <a:rPr lang="ru-RU" dirty="0"/>
+              <a:t>кросс-</a:t>
+            </a:r>
+            <a:r>
+              <a:rPr lang="ru-RU" dirty="0" err="1"/>
+              <a:t>валидация</a:t>
+            </a:r>
+            <a:r>
+              <a:rPr lang="ru-RU" dirty="0" smtClean="0"/>
+              <a:t>.</a:t>
+            </a:r>
+            <a:r>
+              <a:rPr lang="en-US" dirty="0" smtClean="0"/>
+              <a:t> K = 4.</a:t>
+            </a:r>
+            <a:endParaRPr lang="en-US" dirty="0"/>
+          </a:p>
+        </p:txBody>
+      </p:sp>
+      <p:sp>
+        <p:nvSpPr>
+          <p:cNvPr id="4" name="Прямоугольник 3"/>
+          <p:cNvSpPr/>
+          <p:nvPr/>
+        </p:nvSpPr>
+        <p:spPr>
+          <a:xfrm>
+            <a:off x="3871847" y="2470067"/>
+            <a:ext cx="3864927" cy="475013"/>
+          </a:xfrm>
+          <a:prstGeom prst="rect">
+            <a:avLst/>
+          </a:prstGeom>
+        </p:spPr>
+        <p:style>
+          <a:lnRef idx="3">
+            <a:schemeClr val="lt1"/>
+          </a:lnRef>
+          <a:fillRef idx="1">
+            <a:schemeClr val="accent4"/>
+          </a:fillRef>
+          <a:effectRef idx="1">
+            <a:schemeClr val="accent4"/>
+          </a:effectRef>
+          <a:fontRef idx="minor">
+            <a:schemeClr val="lt1"/>
+          </a:fontRef>
+        </p:style>
+        <p:txBody>
+          <a:bodyPr rtlCol="0" anchor="ctr"/>
+          <a:lstStyle/>
+          <a:p>
+            <a:pPr algn="ctr"/>
+            <a:r>
+              <a:rPr lang="en-US" dirty="0"/>
+              <a:t>D</a:t>
+            </a:r>
+            <a:endParaRPr lang="ru-RU" dirty="0"/>
+          </a:p>
+        </p:txBody>
+      </p:sp>
+      <p:sp>
+        <p:nvSpPr>
+          <p:cNvPr id="5" name="Прямоугольник 4"/>
+          <p:cNvSpPr/>
+          <p:nvPr/>
+        </p:nvSpPr>
+        <p:spPr>
+          <a:xfrm>
+            <a:off x="6761016" y="3431968"/>
+            <a:ext cx="975758" cy="354281"/>
+          </a:xfrm>
+          <a:prstGeom prst="rect">
+            <a:avLst/>
+          </a:prstGeom>
+        </p:spPr>
+        <p:style>
+          <a:lnRef idx="2">
+            <a:schemeClr val="accent2">
+              <a:shade val="50000"/>
+            </a:schemeClr>
+          </a:lnRef>
+          <a:fillRef idx="1">
+            <a:schemeClr val="accent2"/>
+          </a:fillRef>
+          <a:effectRef idx="0">
+            <a:schemeClr val="accent2"/>
+          </a:effectRef>
+          <a:fontRef idx="minor">
+            <a:schemeClr val="lt1"/>
+          </a:fontRef>
+        </p:style>
+        <p:txBody>
+          <a:bodyPr rtlCol="0" anchor="ctr"/>
+          <a:lstStyle/>
+          <a:p>
+            <a:pPr algn="ctr"/>
+            <a:r>
+              <a:rPr lang="en-US" dirty="0" smtClean="0"/>
+              <a:t>d1</a:t>
+            </a:r>
+            <a:endParaRPr lang="ru-RU" dirty="0"/>
+          </a:p>
+        </p:txBody>
+      </p:sp>
+      <p:sp>
+        <p:nvSpPr>
+          <p:cNvPr id="6" name="Прямоугольник 5"/>
+          <p:cNvSpPr/>
+          <p:nvPr/>
+        </p:nvSpPr>
+        <p:spPr>
+          <a:xfrm>
+            <a:off x="3871848" y="3431968"/>
+            <a:ext cx="959921" cy="354281"/>
+          </a:xfrm>
+          <a:prstGeom prst="rect">
+            <a:avLst/>
+          </a:prstGeom>
+        </p:spPr>
+        <p:style>
+          <a:lnRef idx="2">
+            <a:schemeClr val="accent6">
+              <a:shade val="50000"/>
+            </a:schemeClr>
+          </a:lnRef>
+          <a:fillRef idx="1">
+            <a:schemeClr val="accent6"/>
+          </a:fillRef>
+          <a:effectRef idx="0">
+            <a:schemeClr val="accent6"/>
+          </a:effectRef>
+          <a:fontRef idx="minor">
+            <a:schemeClr val="lt1"/>
+          </a:fontRef>
+        </p:style>
+        <p:txBody>
+          <a:bodyPr rtlCol="0" anchor="ctr"/>
+          <a:lstStyle/>
+          <a:p>
+            <a:pPr algn="ctr"/>
+            <a:r>
+              <a:rPr lang="en-US" dirty="0" smtClean="0"/>
+              <a:t>d2</a:t>
+            </a:r>
+            <a:endParaRPr lang="ru-RU" dirty="0"/>
+          </a:p>
+        </p:txBody>
+      </p:sp>
+      <p:sp>
+        <p:nvSpPr>
+          <p:cNvPr id="18" name="Прямоугольник 17"/>
+          <p:cNvSpPr/>
+          <p:nvPr/>
+        </p:nvSpPr>
+        <p:spPr>
+          <a:xfrm>
+            <a:off x="4832265" y="3431970"/>
+            <a:ext cx="961902" cy="354281"/>
+          </a:xfrm>
+          <a:prstGeom prst="rect">
+            <a:avLst/>
+          </a:prstGeom>
+        </p:spPr>
+        <p:style>
+          <a:lnRef idx="2">
+            <a:schemeClr val="accent2">
+              <a:shade val="50000"/>
+            </a:schemeClr>
+          </a:lnRef>
+          <a:fillRef idx="1">
+            <a:schemeClr val="accent2"/>
+          </a:fillRef>
+          <a:effectRef idx="0">
+            <a:schemeClr val="accent2"/>
+          </a:effectRef>
+          <a:fontRef idx="minor">
+            <a:schemeClr val="lt1"/>
+          </a:fontRef>
+        </p:style>
+        <p:txBody>
+          <a:bodyPr rtlCol="0" anchor="ctr"/>
+          <a:lstStyle/>
+          <a:p>
+            <a:pPr algn="ctr"/>
+            <a:r>
+              <a:rPr lang="en-US" dirty="0" smtClean="0"/>
+              <a:t>d1</a:t>
+            </a:r>
+            <a:endParaRPr lang="ru-RU" dirty="0"/>
+          </a:p>
+        </p:txBody>
+      </p:sp>
+      <p:sp>
+        <p:nvSpPr>
+          <p:cNvPr id="19" name="Прямоугольник 18"/>
+          <p:cNvSpPr/>
+          <p:nvPr/>
+        </p:nvSpPr>
+        <p:spPr>
+          <a:xfrm>
+            <a:off x="5794167" y="3431968"/>
+            <a:ext cx="961903" cy="354281"/>
+          </a:xfrm>
+          <a:prstGeom prst="rect">
+            <a:avLst/>
+          </a:prstGeom>
+        </p:spPr>
+        <p:style>
+          <a:lnRef idx="2">
+            <a:schemeClr val="accent2">
+              <a:shade val="50000"/>
+            </a:schemeClr>
+          </a:lnRef>
+          <a:fillRef idx="1">
+            <a:schemeClr val="accent2"/>
+          </a:fillRef>
+          <a:effectRef idx="0">
+            <a:schemeClr val="accent2"/>
+          </a:effectRef>
+          <a:fontRef idx="minor">
+            <a:schemeClr val="lt1"/>
+          </a:fontRef>
+        </p:style>
+        <p:txBody>
+          <a:bodyPr rtlCol="0" anchor="ctr"/>
+          <a:lstStyle/>
+          <a:p>
+            <a:pPr algn="ctr"/>
+            <a:r>
+              <a:rPr lang="en-US" dirty="0" smtClean="0"/>
+              <a:t>d1</a:t>
+            </a:r>
+            <a:endParaRPr lang="ru-RU" dirty="0"/>
+          </a:p>
+        </p:txBody>
+      </p:sp>
+      <p:sp>
+        <p:nvSpPr>
+          <p:cNvPr id="20" name="Прямоугольник 19"/>
+          <p:cNvSpPr/>
+          <p:nvPr/>
+        </p:nvSpPr>
+        <p:spPr>
+          <a:xfrm>
+            <a:off x="6761016" y="4273137"/>
+            <a:ext cx="975758" cy="354281"/>
+          </a:xfrm>
+          <a:prstGeom prst="rect">
+            <a:avLst/>
+          </a:prstGeom>
+        </p:spPr>
+        <p:style>
+          <a:lnRef idx="2">
+            <a:schemeClr val="accent2">
+              <a:shade val="50000"/>
+            </a:schemeClr>
+          </a:lnRef>
+          <a:fillRef idx="1">
+            <a:schemeClr val="accent2"/>
+          </a:fillRef>
+          <a:effectRef idx="0">
+            <a:schemeClr val="accent2"/>
+          </a:effectRef>
+          <a:fontRef idx="minor">
+            <a:schemeClr val="lt1"/>
+          </a:fontRef>
+        </p:style>
+        <p:txBody>
+          <a:bodyPr rtlCol="0" anchor="ctr"/>
+          <a:lstStyle/>
+          <a:p>
+            <a:pPr algn="ctr"/>
+            <a:r>
+              <a:rPr lang="en-US" dirty="0" smtClean="0"/>
+              <a:t>d1</a:t>
+            </a:r>
+            <a:endParaRPr lang="ru-RU" dirty="0"/>
+          </a:p>
+        </p:txBody>
+      </p:sp>
+      <p:sp>
+        <p:nvSpPr>
+          <p:cNvPr id="21" name="Прямоугольник 20"/>
+          <p:cNvSpPr/>
+          <p:nvPr/>
+        </p:nvSpPr>
+        <p:spPr>
+          <a:xfrm>
+            <a:off x="4821875" y="4273137"/>
+            <a:ext cx="959921" cy="354281"/>
+          </a:xfrm>
+          <a:prstGeom prst="rect">
+            <a:avLst/>
+          </a:prstGeom>
+        </p:spPr>
+        <p:style>
+          <a:lnRef idx="2">
+            <a:schemeClr val="accent6">
+              <a:shade val="50000"/>
+            </a:schemeClr>
+          </a:lnRef>
+          <a:fillRef idx="1">
+            <a:schemeClr val="accent6"/>
+          </a:fillRef>
+          <a:effectRef idx="0">
+            <a:schemeClr val="accent6"/>
+          </a:effectRef>
+          <a:fontRef idx="minor">
+            <a:schemeClr val="lt1"/>
+          </a:fontRef>
+        </p:style>
+        <p:txBody>
+          <a:bodyPr rtlCol="0" anchor="ctr"/>
+          <a:lstStyle/>
+          <a:p>
+            <a:pPr algn="ctr"/>
+            <a:r>
+              <a:rPr lang="en-US" dirty="0" smtClean="0"/>
+              <a:t>d2</a:t>
+            </a:r>
+            <a:endParaRPr lang="ru-RU" dirty="0"/>
+          </a:p>
+        </p:txBody>
+      </p:sp>
+      <p:sp>
+        <p:nvSpPr>
+          <p:cNvPr id="22" name="Прямоугольник 21"/>
+          <p:cNvSpPr/>
+          <p:nvPr/>
+        </p:nvSpPr>
+        <p:spPr>
+          <a:xfrm>
+            <a:off x="3863439" y="4273137"/>
+            <a:ext cx="961902" cy="354281"/>
+          </a:xfrm>
+          <a:prstGeom prst="rect">
+            <a:avLst/>
+          </a:prstGeom>
+        </p:spPr>
+        <p:style>
+          <a:lnRef idx="2">
+            <a:schemeClr val="accent2">
+              <a:shade val="50000"/>
+            </a:schemeClr>
+          </a:lnRef>
+          <a:fillRef idx="1">
+            <a:schemeClr val="accent2"/>
+          </a:fillRef>
+          <a:effectRef idx="0">
+            <a:schemeClr val="accent2"/>
+          </a:effectRef>
+          <a:fontRef idx="minor">
+            <a:schemeClr val="lt1"/>
+          </a:fontRef>
+        </p:style>
+        <p:txBody>
+          <a:bodyPr rtlCol="0" anchor="ctr"/>
+          <a:lstStyle/>
+          <a:p>
+            <a:pPr algn="ctr"/>
+            <a:r>
+              <a:rPr lang="en-US" dirty="0" smtClean="0"/>
+              <a:t>d1</a:t>
+            </a:r>
+            <a:endParaRPr lang="ru-RU" dirty="0"/>
+          </a:p>
+        </p:txBody>
+      </p:sp>
+      <p:sp>
+        <p:nvSpPr>
+          <p:cNvPr id="23" name="Прямоугольник 22"/>
+          <p:cNvSpPr/>
+          <p:nvPr/>
+        </p:nvSpPr>
+        <p:spPr>
+          <a:xfrm>
+            <a:off x="5794167" y="4273137"/>
+            <a:ext cx="961903" cy="354281"/>
+          </a:xfrm>
+          <a:prstGeom prst="rect">
+            <a:avLst/>
+          </a:prstGeom>
+        </p:spPr>
+        <p:style>
+          <a:lnRef idx="2">
+            <a:schemeClr val="accent2">
+              <a:shade val="50000"/>
+            </a:schemeClr>
+          </a:lnRef>
+          <a:fillRef idx="1">
+            <a:schemeClr val="accent2"/>
+          </a:fillRef>
+          <a:effectRef idx="0">
+            <a:schemeClr val="accent2"/>
+          </a:effectRef>
+          <a:fontRef idx="minor">
+            <a:schemeClr val="lt1"/>
+          </a:fontRef>
+        </p:style>
+        <p:txBody>
+          <a:bodyPr rtlCol="0" anchor="ctr"/>
+          <a:lstStyle/>
+          <a:p>
+            <a:pPr algn="ctr"/>
+            <a:r>
+              <a:rPr lang="en-US" dirty="0" smtClean="0"/>
+              <a:t>d1</a:t>
+            </a:r>
+            <a:endParaRPr lang="ru-RU" dirty="0"/>
+          </a:p>
+        </p:txBody>
+      </p:sp>
+      <p:sp>
+        <p:nvSpPr>
+          <p:cNvPr id="24" name="Прямоугольник 23"/>
+          <p:cNvSpPr/>
+          <p:nvPr/>
+        </p:nvSpPr>
+        <p:spPr>
+          <a:xfrm>
+            <a:off x="6756070" y="5114304"/>
+            <a:ext cx="975758" cy="354281"/>
+          </a:xfrm>
+          <a:prstGeom prst="rect">
+            <a:avLst/>
+          </a:prstGeom>
+        </p:spPr>
+        <p:style>
+          <a:lnRef idx="2">
+            <a:schemeClr val="accent2">
+              <a:shade val="50000"/>
+            </a:schemeClr>
+          </a:lnRef>
+          <a:fillRef idx="1">
+            <a:schemeClr val="accent2"/>
+          </a:fillRef>
+          <a:effectRef idx="0">
+            <a:schemeClr val="accent2"/>
+          </a:effectRef>
+          <a:fontRef idx="minor">
+            <a:schemeClr val="lt1"/>
+          </a:fontRef>
+        </p:style>
+        <p:txBody>
+          <a:bodyPr rtlCol="0" anchor="ctr"/>
+          <a:lstStyle/>
+          <a:p>
+            <a:pPr algn="ctr"/>
+            <a:r>
+              <a:rPr lang="en-US" dirty="0" smtClean="0"/>
+              <a:t>d1</a:t>
+            </a:r>
+            <a:endParaRPr lang="ru-RU" dirty="0"/>
+          </a:p>
+        </p:txBody>
+      </p:sp>
+      <p:sp>
+        <p:nvSpPr>
+          <p:cNvPr id="25" name="Прямоугольник 24"/>
+          <p:cNvSpPr/>
+          <p:nvPr/>
+        </p:nvSpPr>
+        <p:spPr>
+          <a:xfrm>
+            <a:off x="5804310" y="5114304"/>
+            <a:ext cx="959921" cy="354281"/>
+          </a:xfrm>
+          <a:prstGeom prst="rect">
+            <a:avLst/>
+          </a:prstGeom>
+        </p:spPr>
+        <p:style>
+          <a:lnRef idx="2">
+            <a:schemeClr val="accent6">
+              <a:shade val="50000"/>
+            </a:schemeClr>
+          </a:lnRef>
+          <a:fillRef idx="1">
+            <a:schemeClr val="accent6"/>
+          </a:fillRef>
+          <a:effectRef idx="0">
+            <a:schemeClr val="accent6"/>
+          </a:effectRef>
+          <a:fontRef idx="minor">
+            <a:schemeClr val="lt1"/>
+          </a:fontRef>
+        </p:style>
+        <p:txBody>
+          <a:bodyPr rtlCol="0" anchor="ctr"/>
+          <a:lstStyle/>
+          <a:p>
+            <a:pPr algn="ctr"/>
+            <a:r>
+              <a:rPr lang="en-US" dirty="0" smtClean="0"/>
+              <a:t>d2</a:t>
+            </a:r>
+            <a:endParaRPr lang="ru-RU" dirty="0"/>
+          </a:p>
+        </p:txBody>
+      </p:sp>
+      <p:sp>
+        <p:nvSpPr>
+          <p:cNvPr id="26" name="Прямоугольник 25"/>
+          <p:cNvSpPr/>
+          <p:nvPr/>
+        </p:nvSpPr>
+        <p:spPr>
+          <a:xfrm>
+            <a:off x="4827319" y="5114306"/>
+            <a:ext cx="961902" cy="354281"/>
+          </a:xfrm>
+          <a:prstGeom prst="rect">
+            <a:avLst/>
+          </a:prstGeom>
+        </p:spPr>
+        <p:style>
+          <a:lnRef idx="2">
+            <a:schemeClr val="accent2">
+              <a:shade val="50000"/>
+            </a:schemeClr>
+          </a:lnRef>
+          <a:fillRef idx="1">
+            <a:schemeClr val="accent2"/>
+          </a:fillRef>
+          <a:effectRef idx="0">
+            <a:schemeClr val="accent2"/>
+          </a:effectRef>
+          <a:fontRef idx="minor">
+            <a:schemeClr val="lt1"/>
+          </a:fontRef>
+        </p:style>
+        <p:txBody>
+          <a:bodyPr rtlCol="0" anchor="ctr"/>
+          <a:lstStyle/>
+          <a:p>
+            <a:pPr algn="ctr"/>
+            <a:r>
+              <a:rPr lang="en-US" dirty="0" smtClean="0"/>
+              <a:t>d1</a:t>
+            </a:r>
+            <a:endParaRPr lang="ru-RU" dirty="0"/>
+          </a:p>
+        </p:txBody>
+      </p:sp>
+      <p:sp>
+        <p:nvSpPr>
+          <p:cNvPr id="27" name="Прямоугольник 26"/>
+          <p:cNvSpPr/>
+          <p:nvPr/>
+        </p:nvSpPr>
+        <p:spPr>
+          <a:xfrm>
+            <a:off x="3853541" y="5114300"/>
+            <a:ext cx="961903" cy="354281"/>
+          </a:xfrm>
+          <a:prstGeom prst="rect">
+            <a:avLst/>
+          </a:prstGeom>
+        </p:spPr>
+        <p:style>
+          <a:lnRef idx="2">
+            <a:schemeClr val="accent2">
+              <a:shade val="50000"/>
+            </a:schemeClr>
+          </a:lnRef>
+          <a:fillRef idx="1">
+            <a:schemeClr val="accent2"/>
+          </a:fillRef>
+          <a:effectRef idx="0">
+            <a:schemeClr val="accent2"/>
+          </a:effectRef>
+          <a:fontRef idx="minor">
+            <a:schemeClr val="lt1"/>
+          </a:fontRef>
+        </p:style>
+        <p:txBody>
+          <a:bodyPr rtlCol="0" anchor="ctr"/>
+          <a:lstStyle/>
+          <a:p>
+            <a:pPr algn="ctr"/>
+            <a:r>
+              <a:rPr lang="en-US" dirty="0" smtClean="0"/>
+              <a:t>d1</a:t>
+            </a:r>
+            <a:endParaRPr lang="ru-RU" dirty="0"/>
+          </a:p>
+        </p:txBody>
+      </p:sp>
+      <p:sp>
+        <p:nvSpPr>
+          <p:cNvPr id="28" name="Прямоугольник 27"/>
+          <p:cNvSpPr/>
+          <p:nvPr/>
+        </p:nvSpPr>
+        <p:spPr>
+          <a:xfrm>
+            <a:off x="3839686" y="5955469"/>
+            <a:ext cx="975758" cy="354281"/>
+          </a:xfrm>
+          <a:prstGeom prst="rect">
+            <a:avLst/>
+          </a:prstGeom>
+        </p:spPr>
+        <p:style>
+          <a:lnRef idx="2">
+            <a:schemeClr val="accent2">
+              <a:shade val="50000"/>
+            </a:schemeClr>
+          </a:lnRef>
+          <a:fillRef idx="1">
+            <a:schemeClr val="accent2"/>
+          </a:fillRef>
+          <a:effectRef idx="0">
+            <a:schemeClr val="accent2"/>
+          </a:effectRef>
+          <a:fontRef idx="minor">
+            <a:schemeClr val="lt1"/>
+          </a:fontRef>
+        </p:style>
+        <p:txBody>
+          <a:bodyPr rtlCol="0" anchor="ctr"/>
+          <a:lstStyle/>
+          <a:p>
+            <a:pPr algn="ctr"/>
+            <a:r>
+              <a:rPr lang="en-US" dirty="0" smtClean="0"/>
+              <a:t>d1</a:t>
+            </a:r>
+            <a:endParaRPr lang="ru-RU" dirty="0"/>
+          </a:p>
+        </p:txBody>
+      </p:sp>
+      <p:sp>
+        <p:nvSpPr>
+          <p:cNvPr id="29" name="Прямоугольник 28"/>
+          <p:cNvSpPr/>
+          <p:nvPr/>
+        </p:nvSpPr>
+        <p:spPr>
+          <a:xfrm>
+            <a:off x="6761016" y="5955469"/>
+            <a:ext cx="959921" cy="354281"/>
+          </a:xfrm>
+          <a:prstGeom prst="rect">
+            <a:avLst/>
+          </a:prstGeom>
+        </p:spPr>
+        <p:style>
+          <a:lnRef idx="2">
+            <a:schemeClr val="accent6">
+              <a:shade val="50000"/>
+            </a:schemeClr>
+          </a:lnRef>
+          <a:fillRef idx="1">
+            <a:schemeClr val="accent6"/>
+          </a:fillRef>
+          <a:effectRef idx="0">
+            <a:schemeClr val="accent6"/>
+          </a:effectRef>
+          <a:fontRef idx="minor">
+            <a:schemeClr val="lt1"/>
+          </a:fontRef>
+        </p:style>
+        <p:txBody>
+          <a:bodyPr rtlCol="0" anchor="ctr"/>
+          <a:lstStyle/>
+          <a:p>
+            <a:pPr algn="ctr"/>
+            <a:r>
+              <a:rPr lang="en-US" dirty="0" smtClean="0"/>
+              <a:t>d2</a:t>
+            </a:r>
+            <a:endParaRPr lang="ru-RU" dirty="0"/>
+          </a:p>
+        </p:txBody>
+      </p:sp>
+      <p:sp>
+        <p:nvSpPr>
+          <p:cNvPr id="30" name="Прямоугольник 29"/>
+          <p:cNvSpPr/>
+          <p:nvPr/>
+        </p:nvSpPr>
+        <p:spPr>
+          <a:xfrm>
+            <a:off x="4822373" y="5955471"/>
+            <a:ext cx="961902" cy="354281"/>
+          </a:xfrm>
+          <a:prstGeom prst="rect">
+            <a:avLst/>
+          </a:prstGeom>
+        </p:spPr>
+        <p:style>
+          <a:lnRef idx="2">
+            <a:schemeClr val="accent2">
+              <a:shade val="50000"/>
+            </a:schemeClr>
+          </a:lnRef>
+          <a:fillRef idx="1">
+            <a:schemeClr val="accent2"/>
+          </a:fillRef>
+          <a:effectRef idx="0">
+            <a:schemeClr val="accent2"/>
+          </a:effectRef>
+          <a:fontRef idx="minor">
+            <a:schemeClr val="lt1"/>
+          </a:fontRef>
+        </p:style>
+        <p:txBody>
+          <a:bodyPr rtlCol="0" anchor="ctr"/>
+          <a:lstStyle/>
+          <a:p>
+            <a:pPr algn="ctr"/>
+            <a:r>
+              <a:rPr lang="en-US" dirty="0" smtClean="0"/>
+              <a:t>d1</a:t>
+            </a:r>
+            <a:endParaRPr lang="ru-RU" dirty="0"/>
+          </a:p>
+        </p:txBody>
+      </p:sp>
+      <p:sp>
+        <p:nvSpPr>
+          <p:cNvPr id="31" name="Прямоугольник 30"/>
+          <p:cNvSpPr/>
+          <p:nvPr/>
+        </p:nvSpPr>
+        <p:spPr>
+          <a:xfrm>
+            <a:off x="5784275" y="5955469"/>
+            <a:ext cx="961903" cy="354281"/>
+          </a:xfrm>
+          <a:prstGeom prst="rect">
+            <a:avLst/>
+          </a:prstGeom>
+        </p:spPr>
+        <p:style>
+          <a:lnRef idx="2">
+            <a:schemeClr val="accent2">
+              <a:shade val="50000"/>
+            </a:schemeClr>
+          </a:lnRef>
+          <a:fillRef idx="1">
+            <a:schemeClr val="accent2"/>
+          </a:fillRef>
+          <a:effectRef idx="0">
+            <a:schemeClr val="accent2"/>
+          </a:effectRef>
+          <a:fontRef idx="minor">
+            <a:schemeClr val="lt1"/>
+          </a:fontRef>
+        </p:style>
+        <p:txBody>
+          <a:bodyPr rtlCol="0" anchor="ctr"/>
+          <a:lstStyle/>
+          <a:p>
+            <a:pPr algn="ctr"/>
+            <a:r>
+              <a:rPr lang="en-US" dirty="0" smtClean="0"/>
+              <a:t>d1</a:t>
+            </a:r>
+            <a:endParaRPr lang="ru-RU" dirty="0"/>
+          </a:p>
+        </p:txBody>
+      </p:sp>
+    </p:spTree>
+    <p:extLst>
+      <p:ext uri="{BB962C8B-B14F-4D97-AF65-F5344CB8AC3E}">
+        <p14:creationId xmlns:p14="http://schemas.microsoft.com/office/powerpoint/2010/main" val="3359113146"/>
+      </p:ext>
+    </p:extLst>
+  </p:cSld>
+  <p:clrMapOvr>
+    <a:masterClrMapping/>
+  </p:clrMapOvr>
+  <p:timing>
+    <p:tnLst>
+      <p:par>
+        <p:cTn id="1" dur="indefinite" restart="never" nodeType="tmRoot"/>
+      </p:par>
+    </p:tnLst>
+  </p:timing>
+</p:sld>
+</file>
+
+<file path=ppt/slides/slide32.xml><?xml version="1.0" encoding="utf-8"?>
+<p:sld xmlns:a="http://schemas.openxmlformats.org/drawingml/2006/main" xmlns:r="http://schemas.openxmlformats.org/officeDocument/2006/relationships" xmlns:p="http://schemas.openxmlformats.org/presentationml/2006/main">
+  <p:cSld>
+    <p:spTree>
+      <p:nvGrpSpPr>
+        <p:cNvPr id="1" name=""/>
+        <p:cNvGrpSpPr/>
+        <p:nvPr/>
+      </p:nvGrpSpPr>
+      <p:grpSpPr>
+        <a:xfrm>
+          <a:off x="0" y="0"/>
+          <a:ext cx="0" cy="0"/>
+          <a:chOff x="0" y="0"/>
+          <a:chExt cx="0" cy="0"/>
+        </a:xfrm>
+      </p:grpSpPr>
+      <p:sp>
+        <p:nvSpPr>
+          <p:cNvPr id="2" name="Заголовок 1"/>
+          <p:cNvSpPr>
+            <a:spLocks noGrp="1"/>
+          </p:cNvSpPr>
+          <p:nvPr>
+            <p:ph type="title"/>
+          </p:nvPr>
+        </p:nvSpPr>
+        <p:spPr/>
+        <p:txBody>
+          <a:bodyPr>
+            <a:normAutofit/>
+          </a:bodyPr>
+          <a:lstStyle/>
+          <a:p>
+            <a:r>
+              <a:rPr lang="ru-RU" sz="4000" dirty="0" smtClean="0"/>
+              <a:t>Интерпретация моделей машинного </a:t>
+            </a:r>
+            <a:r>
+              <a:rPr lang="ru-RU" sz="4000" dirty="0" smtClean="0"/>
+              <a:t>обучения</a:t>
+            </a:r>
+            <a:endParaRPr lang="ru-RU" sz="4000" dirty="0"/>
+          </a:p>
+        </p:txBody>
+      </p:sp>
+      <p:grpSp>
+        <p:nvGrpSpPr>
+          <p:cNvPr id="6" name="Группа 5"/>
+          <p:cNvGrpSpPr/>
+          <p:nvPr/>
+        </p:nvGrpSpPr>
+        <p:grpSpPr>
+          <a:xfrm>
+            <a:off x="2503716" y="2681842"/>
+            <a:ext cx="7030192" cy="2347358"/>
+            <a:chOff x="2503716" y="4035631"/>
+            <a:chExt cx="7030192" cy="1571622"/>
+          </a:xfrm>
+        </p:grpSpPr>
+        <p:sp>
+          <p:nvSpPr>
+            <p:cNvPr id="7" name="Прямоугольник 6"/>
+            <p:cNvSpPr/>
+            <p:nvPr/>
+          </p:nvSpPr>
+          <p:spPr>
+            <a:xfrm>
+              <a:off x="4522522" y="4130636"/>
+              <a:ext cx="2956956" cy="1377538"/>
+            </a:xfrm>
+            <a:prstGeom prst="rect">
+              <a:avLst/>
+            </a:prstGeom>
+          </p:spPr>
+          <p:style>
+            <a:lnRef idx="2">
+              <a:schemeClr val="accent1">
+                <a:shade val="50000"/>
+              </a:schemeClr>
+            </a:lnRef>
+            <a:fillRef idx="1">
+              <a:schemeClr val="accent1"/>
+            </a:fillRef>
+            <a:effectRef idx="0">
+              <a:schemeClr val="accent1"/>
+            </a:effectRef>
+            <a:fontRef idx="minor">
+              <a:schemeClr val="lt1"/>
+            </a:fontRef>
+          </p:style>
+          <p:txBody>
+            <a:bodyPr rtlCol="0" anchor="ctr"/>
+            <a:lstStyle/>
+            <a:p>
+              <a:pPr algn="ctr"/>
+              <a:r>
+                <a:rPr lang="ru-RU" dirty="0" smtClean="0"/>
+                <a:t>Машинное обучение</a:t>
+              </a:r>
+              <a:endParaRPr lang="ru-RU" dirty="0"/>
+            </a:p>
+          </p:txBody>
+        </p:sp>
+        <p:sp>
+          <p:nvSpPr>
+            <p:cNvPr id="8" name="Стрелка вправо 7"/>
+            <p:cNvSpPr/>
+            <p:nvPr/>
+          </p:nvSpPr>
+          <p:spPr>
+            <a:xfrm>
+              <a:off x="2503716" y="4035631"/>
+              <a:ext cx="1828800" cy="676894"/>
+            </a:xfrm>
+            <a:prstGeom prst="rightArrow">
+              <a:avLst/>
+            </a:prstGeom>
+          </p:spPr>
+          <p:style>
+            <a:lnRef idx="2">
+              <a:schemeClr val="accent2">
+                <a:shade val="50000"/>
+              </a:schemeClr>
+            </a:lnRef>
+            <a:fillRef idx="1">
+              <a:schemeClr val="accent2"/>
+            </a:fillRef>
+            <a:effectRef idx="0">
+              <a:schemeClr val="accent2"/>
+            </a:effectRef>
+            <a:fontRef idx="minor">
+              <a:schemeClr val="lt1"/>
+            </a:fontRef>
+          </p:style>
+          <p:txBody>
+            <a:bodyPr rtlCol="0" anchor="ctr"/>
+            <a:lstStyle/>
+            <a:p>
+              <a:pPr algn="ctr"/>
+              <a:r>
+                <a:rPr lang="ru-RU" dirty="0" smtClean="0"/>
+                <a:t>Входные</a:t>
+              </a:r>
+            </a:p>
+            <a:p>
+              <a:pPr algn="ctr"/>
+              <a:r>
+                <a:rPr lang="ru-RU" dirty="0" smtClean="0"/>
+                <a:t>данные</a:t>
+              </a:r>
+              <a:endParaRPr lang="ru-RU" dirty="0"/>
+            </a:p>
+          </p:txBody>
+        </p:sp>
+        <p:sp>
+          <p:nvSpPr>
+            <p:cNvPr id="9" name="Стрелка вправо 8"/>
+            <p:cNvSpPr/>
+            <p:nvPr/>
+          </p:nvSpPr>
+          <p:spPr>
+            <a:xfrm>
+              <a:off x="2503716" y="4930359"/>
+              <a:ext cx="1828800" cy="676894"/>
+            </a:xfrm>
+            <a:prstGeom prst="rightArrow">
+              <a:avLst/>
+            </a:prstGeom>
+          </p:spPr>
+          <p:style>
+            <a:lnRef idx="2">
+              <a:schemeClr val="accent4">
+                <a:shade val="50000"/>
+              </a:schemeClr>
+            </a:lnRef>
+            <a:fillRef idx="1">
+              <a:schemeClr val="accent4"/>
+            </a:fillRef>
+            <a:effectRef idx="0">
+              <a:schemeClr val="accent4"/>
+            </a:effectRef>
+            <a:fontRef idx="minor">
+              <a:schemeClr val="lt1"/>
+            </a:fontRef>
+          </p:style>
+          <p:txBody>
+            <a:bodyPr rtlCol="0" anchor="ctr"/>
+            <a:lstStyle/>
+            <a:p>
+              <a:pPr algn="ctr"/>
+              <a:r>
+                <a:rPr lang="ru-RU" dirty="0" smtClean="0"/>
+                <a:t>Выходные</a:t>
+              </a:r>
+            </a:p>
+            <a:p>
+              <a:pPr algn="ctr"/>
+              <a:r>
+                <a:rPr lang="ru-RU" dirty="0" smtClean="0"/>
+                <a:t>данные</a:t>
+              </a:r>
+              <a:endParaRPr lang="ru-RU" dirty="0"/>
+            </a:p>
+          </p:txBody>
+        </p:sp>
+        <p:sp>
+          <p:nvSpPr>
+            <p:cNvPr id="10" name="Стрелка вправо 9"/>
+            <p:cNvSpPr/>
+            <p:nvPr/>
+          </p:nvSpPr>
+          <p:spPr>
+            <a:xfrm>
+              <a:off x="7705108" y="4480958"/>
+              <a:ext cx="1828800" cy="676894"/>
+            </a:xfrm>
+            <a:prstGeom prst="rightArrow">
+              <a:avLst/>
+            </a:prstGeom>
+          </p:spPr>
+          <p:style>
+            <a:lnRef idx="2">
+              <a:schemeClr val="accent6">
+                <a:shade val="50000"/>
+              </a:schemeClr>
+            </a:lnRef>
+            <a:fillRef idx="1">
+              <a:schemeClr val="accent6"/>
+            </a:fillRef>
+            <a:effectRef idx="0">
+              <a:schemeClr val="accent6"/>
+            </a:effectRef>
+            <a:fontRef idx="minor">
+              <a:schemeClr val="lt1"/>
+            </a:fontRef>
+          </p:style>
+          <p:txBody>
+            <a:bodyPr rtlCol="0" anchor="ctr"/>
+            <a:lstStyle/>
+            <a:p>
+              <a:pPr algn="ctr"/>
+              <a:r>
+                <a:rPr lang="ru-RU" dirty="0" smtClean="0"/>
+                <a:t>Логика</a:t>
+              </a:r>
+              <a:endParaRPr lang="ru-RU" dirty="0"/>
+            </a:p>
+          </p:txBody>
+        </p:sp>
+      </p:grpSp>
+    </p:spTree>
+    <p:extLst>
+      <p:ext uri="{BB962C8B-B14F-4D97-AF65-F5344CB8AC3E}">
+        <p14:creationId xmlns:p14="http://schemas.microsoft.com/office/powerpoint/2010/main" val="894776881"/>
+      </p:ext>
+    </p:extLst>
+  </p:cSld>
+  <p:clrMapOvr>
+    <a:masterClrMapping/>
+  </p:clrMapOvr>
+  <p:timing>
+    <p:tnLst>
+      <p:par>
+        <p:cTn id="1" dur="indefinite" restart="never" nodeType="tmRoot"/>
+      </p:par>
+    </p:tnLst>
+  </p:timing>
+</p:sld>
+</file>
+
+<file path=ppt/slides/slide33.xml><?xml version="1.0" encoding="utf-8"?>
+<p:sld xmlns:a="http://schemas.openxmlformats.org/drawingml/2006/main" xmlns:r="http://schemas.openxmlformats.org/officeDocument/2006/relationships" xmlns:p="http://schemas.openxmlformats.org/presentationml/2006/main">
+  <p:cSld>
+    <p:spTree>
+      <p:nvGrpSpPr>
+        <p:cNvPr id="1" name=""/>
+        <p:cNvGrpSpPr/>
+        <p:nvPr/>
+      </p:nvGrpSpPr>
+      <p:grpSpPr>
+        <a:xfrm>
+          <a:off x="0" y="0"/>
+          <a:ext cx="0" cy="0"/>
+          <a:chOff x="0" y="0"/>
+          <a:chExt cx="0" cy="0"/>
+        </a:xfrm>
+      </p:grpSpPr>
+      <p:sp>
+        <p:nvSpPr>
+          <p:cNvPr id="2" name="Заголовок 1"/>
+          <p:cNvSpPr>
+            <a:spLocks noGrp="1"/>
+          </p:cNvSpPr>
+          <p:nvPr>
+            <p:ph type="title"/>
+          </p:nvPr>
+        </p:nvSpPr>
+        <p:spPr/>
+        <p:txBody>
+          <a:bodyPr>
+            <a:normAutofit/>
+          </a:bodyPr>
+          <a:lstStyle/>
+          <a:p>
+            <a:r>
+              <a:rPr lang="ru-RU" sz="4000" dirty="0" smtClean="0"/>
+              <a:t>Интерпретация моделей машинного обучения.</a:t>
+            </a:r>
+            <a:endParaRPr lang="ru-RU" sz="4000" dirty="0"/>
+          </a:p>
+        </p:txBody>
+      </p:sp>
+      <p:grpSp>
+        <p:nvGrpSpPr>
+          <p:cNvPr id="5" name="Группа 4"/>
+          <p:cNvGrpSpPr/>
+          <p:nvPr/>
+        </p:nvGrpSpPr>
+        <p:grpSpPr>
+          <a:xfrm>
+            <a:off x="838200" y="2706510"/>
+            <a:ext cx="2885704" cy="2743200"/>
+            <a:chOff x="4653148" y="3217149"/>
+            <a:chExt cx="2885704" cy="2743200"/>
+          </a:xfrm>
+        </p:grpSpPr>
+        <p:sp>
+          <p:nvSpPr>
+            <p:cNvPr id="3" name="Прямоугольник 2"/>
+            <p:cNvSpPr/>
+            <p:nvPr/>
+          </p:nvSpPr>
+          <p:spPr>
+            <a:xfrm>
+              <a:off x="4653148" y="3217149"/>
+              <a:ext cx="2885704" cy="2743200"/>
+            </a:xfrm>
+            <a:prstGeom prst="rect">
+              <a:avLst/>
+            </a:prstGeom>
+          </p:spPr>
+          <p:style>
+            <a:lnRef idx="2">
+              <a:schemeClr val="dk1">
+                <a:shade val="50000"/>
+              </a:schemeClr>
+            </a:lnRef>
+            <a:fillRef idx="1">
+              <a:schemeClr val="dk1"/>
+            </a:fillRef>
+            <a:effectRef idx="0">
+              <a:schemeClr val="dk1"/>
+            </a:effectRef>
+            <a:fontRef idx="minor">
+              <a:schemeClr val="lt1"/>
+            </a:fontRef>
+          </p:style>
+          <p:txBody>
+            <a:bodyPr rtlCol="0" anchor="ctr"/>
+            <a:lstStyle/>
+            <a:p>
+              <a:pPr algn="ctr"/>
+              <a:endParaRPr lang="ru-RU"/>
+            </a:p>
+          </p:txBody>
+        </p:sp>
+        <p:sp>
+          <p:nvSpPr>
+            <p:cNvPr id="11" name="Стрелка вправо 10"/>
+            <p:cNvSpPr/>
+            <p:nvPr/>
+          </p:nvSpPr>
+          <p:spPr>
+            <a:xfrm>
+              <a:off x="5181600" y="4083248"/>
+              <a:ext cx="1828800" cy="1011002"/>
+            </a:xfrm>
+            <a:prstGeom prst="rightArrow">
+              <a:avLst/>
+            </a:prstGeom>
+          </p:spPr>
+          <p:style>
+            <a:lnRef idx="2">
+              <a:schemeClr val="accent6">
+                <a:shade val="50000"/>
+              </a:schemeClr>
+            </a:lnRef>
+            <a:fillRef idx="1">
+              <a:schemeClr val="accent6"/>
+            </a:fillRef>
+            <a:effectRef idx="0">
+              <a:schemeClr val="accent6"/>
+            </a:effectRef>
+            <a:fontRef idx="minor">
+              <a:schemeClr val="lt1"/>
+            </a:fontRef>
+          </p:style>
+          <p:txBody>
+            <a:bodyPr rtlCol="0" anchor="ctr"/>
+            <a:lstStyle/>
+            <a:p>
+              <a:pPr algn="ctr"/>
+              <a:r>
+                <a:rPr lang="ru-RU" dirty="0" smtClean="0"/>
+                <a:t>Логика</a:t>
+              </a:r>
+              <a:endParaRPr lang="ru-RU" dirty="0"/>
+            </a:p>
+          </p:txBody>
+        </p:sp>
+      </p:grpSp>
+      <p:sp>
+        <p:nvSpPr>
+          <p:cNvPr id="12" name="Прямоугольник 11"/>
+          <p:cNvSpPr/>
+          <p:nvPr/>
+        </p:nvSpPr>
+        <p:spPr>
+          <a:xfrm>
+            <a:off x="5735782" y="1425039"/>
+            <a:ext cx="3455719" cy="1615044"/>
+          </a:xfrm>
+          <a:prstGeom prst="rect">
+            <a:avLst/>
+          </a:prstGeom>
+        </p:spPr>
+        <p:style>
+          <a:lnRef idx="2">
+            <a:schemeClr val="accent1"/>
+          </a:lnRef>
+          <a:fillRef idx="1">
+            <a:schemeClr val="lt1"/>
+          </a:fillRef>
+          <a:effectRef idx="0">
+            <a:schemeClr val="accent1"/>
+          </a:effectRef>
+          <a:fontRef idx="minor">
+            <a:schemeClr val="dk1"/>
+          </a:fontRef>
+        </p:style>
+        <p:txBody>
+          <a:bodyPr rtlCol="0" anchor="ctr"/>
+          <a:lstStyle/>
+          <a:p>
+            <a:pPr algn="ctr"/>
+            <a:endParaRPr lang="ru-RU"/>
+          </a:p>
+        </p:txBody>
+      </p:sp>
+      <p:sp>
+        <p:nvSpPr>
+          <p:cNvPr id="13" name="Прямоугольник 12"/>
+          <p:cNvSpPr/>
+          <p:nvPr/>
+        </p:nvSpPr>
+        <p:spPr>
+          <a:xfrm>
+            <a:off x="5735782" y="3550458"/>
+            <a:ext cx="3455719" cy="1615044"/>
+          </a:xfrm>
+          <a:prstGeom prst="rect">
+            <a:avLst/>
+          </a:prstGeom>
+        </p:spPr>
+        <p:style>
+          <a:lnRef idx="2">
+            <a:schemeClr val="accent1"/>
+          </a:lnRef>
+          <a:fillRef idx="1">
+            <a:schemeClr val="lt1"/>
+          </a:fillRef>
+          <a:effectRef idx="0">
+            <a:schemeClr val="accent1"/>
+          </a:effectRef>
+          <a:fontRef idx="minor">
+            <a:schemeClr val="dk1"/>
+          </a:fontRef>
+        </p:style>
+        <p:txBody>
+          <a:bodyPr rtlCol="0" anchor="ctr"/>
+          <a:lstStyle/>
+          <a:p>
+            <a:pPr algn="ctr"/>
+            <a:endParaRPr lang="ru-RU"/>
+          </a:p>
+        </p:txBody>
+      </p:sp>
+      <p:cxnSp>
+        <p:nvCxnSpPr>
+          <p:cNvPr id="15" name="Соединительная линия уступом 14"/>
+          <p:cNvCxnSpPr>
+            <a:stCxn id="3" idx="0"/>
+            <a:endCxn id="12" idx="1"/>
+          </p:cNvCxnSpPr>
+          <p:nvPr/>
+        </p:nvCxnSpPr>
+        <p:spPr>
+          <a:xfrm rot="5400000" flipH="1" flipV="1">
+            <a:off x="3771443" y="742171"/>
+            <a:ext cx="473949" cy="3454730"/>
+          </a:xfrm>
+          <a:prstGeom prst="bentConnector2">
+            <a:avLst/>
+          </a:prstGeom>
+          <a:ln>
+            <a:tailEnd type="triangle"/>
+          </a:ln>
+        </p:spPr>
+        <p:style>
+          <a:lnRef idx="1">
+            <a:schemeClr val="accent1"/>
+          </a:lnRef>
+          <a:fillRef idx="0">
+            <a:schemeClr val="accent1"/>
+          </a:fillRef>
+          <a:effectRef idx="0">
+            <a:schemeClr val="accent1"/>
+          </a:effectRef>
+          <a:fontRef idx="minor">
+            <a:schemeClr val="tx1"/>
+          </a:fontRef>
+        </p:style>
+      </p:cxnSp>
+      <p:cxnSp>
+        <p:nvCxnSpPr>
+          <p:cNvPr id="17" name="Соединительная линия уступом 16"/>
+          <p:cNvCxnSpPr>
+            <a:stCxn id="3" idx="3"/>
+            <a:endCxn id="13" idx="1"/>
+          </p:cNvCxnSpPr>
+          <p:nvPr/>
+        </p:nvCxnSpPr>
+        <p:spPr>
+          <a:xfrm>
+            <a:off x="3723904" y="4078110"/>
+            <a:ext cx="2011878" cy="279870"/>
+          </a:xfrm>
+          <a:prstGeom prst="bentConnector3">
+            <a:avLst/>
+          </a:prstGeom>
+          <a:ln>
+            <a:tailEnd type="triangle"/>
+          </a:ln>
+        </p:spPr>
+        <p:style>
+          <a:lnRef idx="1">
+            <a:schemeClr val="accent1"/>
+          </a:lnRef>
+          <a:fillRef idx="0">
+            <a:schemeClr val="accent1"/>
+          </a:fillRef>
+          <a:effectRef idx="0">
+            <a:schemeClr val="accent1"/>
+          </a:effectRef>
+          <a:fontRef idx="minor">
+            <a:schemeClr val="tx1"/>
+          </a:fontRef>
+        </p:style>
+      </p:cxnSp>
+      <p:sp>
+        <p:nvSpPr>
+          <p:cNvPr id="20" name="Прямоугольник 19"/>
+          <p:cNvSpPr/>
+          <p:nvPr/>
+        </p:nvSpPr>
+        <p:spPr>
+          <a:xfrm>
+            <a:off x="5735782" y="5755367"/>
+            <a:ext cx="1101931" cy="498764"/>
+          </a:xfrm>
+          <a:prstGeom prst="rect">
+            <a:avLst/>
+          </a:prstGeom>
+        </p:spPr>
+        <p:style>
+          <a:lnRef idx="2">
+            <a:schemeClr val="accent1"/>
+          </a:lnRef>
+          <a:fillRef idx="1">
+            <a:schemeClr val="lt1"/>
+          </a:fillRef>
+          <a:effectRef idx="0">
+            <a:schemeClr val="accent1"/>
+          </a:effectRef>
+          <a:fontRef idx="minor">
+            <a:schemeClr val="dk1"/>
+          </a:fontRef>
+        </p:style>
+        <p:txBody>
+          <a:bodyPr rtlCol="0" anchor="ctr"/>
+          <a:lstStyle/>
+          <a:p>
+            <a:pPr algn="ctr"/>
+            <a:r>
+              <a:rPr lang="ru-RU" dirty="0" smtClean="0"/>
+              <a:t>И т.д.</a:t>
+            </a:r>
+            <a:endParaRPr lang="ru-RU" dirty="0"/>
+          </a:p>
+        </p:txBody>
+      </p:sp>
+      <p:cxnSp>
+        <p:nvCxnSpPr>
+          <p:cNvPr id="24" name="Соединительная линия уступом 23"/>
+          <p:cNvCxnSpPr>
+            <a:stCxn id="3" idx="2"/>
+            <a:endCxn id="20" idx="1"/>
+          </p:cNvCxnSpPr>
+          <p:nvPr/>
+        </p:nvCxnSpPr>
+        <p:spPr>
+          <a:xfrm rot="16200000" flipH="1">
+            <a:off x="3730898" y="3999864"/>
+            <a:ext cx="555039" cy="3454730"/>
+          </a:xfrm>
+          <a:prstGeom prst="bentConnector2">
+            <a:avLst/>
+          </a:prstGeom>
+          <a:ln>
+            <a:tailEnd type="triangle"/>
+          </a:ln>
+        </p:spPr>
+        <p:style>
+          <a:lnRef idx="1">
+            <a:schemeClr val="accent1"/>
+          </a:lnRef>
+          <a:fillRef idx="0">
+            <a:schemeClr val="accent1"/>
+          </a:fillRef>
+          <a:effectRef idx="0">
+            <a:schemeClr val="accent1"/>
+          </a:effectRef>
+          <a:fontRef idx="minor">
+            <a:schemeClr val="tx1"/>
+          </a:fontRef>
+        </p:style>
+      </p:cxnSp>
+      <p:sp>
+        <p:nvSpPr>
+          <p:cNvPr id="28" name="Прямоугольник 27"/>
+          <p:cNvSpPr/>
+          <p:nvPr/>
+        </p:nvSpPr>
+        <p:spPr>
+          <a:xfrm>
+            <a:off x="6250379" y="1690688"/>
+            <a:ext cx="589808" cy="305658"/>
+          </a:xfrm>
+          <a:prstGeom prst="rect">
+            <a:avLst/>
+          </a:prstGeom>
+        </p:spPr>
+        <p:style>
+          <a:lnRef idx="2">
+            <a:schemeClr val="accent1">
+              <a:shade val="50000"/>
+            </a:schemeClr>
+          </a:lnRef>
+          <a:fillRef idx="1">
+            <a:schemeClr val="accent1"/>
+          </a:fillRef>
+          <a:effectRef idx="0">
+            <a:schemeClr val="accent1"/>
+          </a:effectRef>
+          <a:fontRef idx="minor">
+            <a:schemeClr val="lt1"/>
+          </a:fontRef>
+        </p:style>
+        <p:txBody>
+          <a:bodyPr rtlCol="0" anchor="ctr"/>
+          <a:lstStyle/>
+          <a:p>
+            <a:pPr algn="ctr"/>
+            <a:endParaRPr lang="ru-RU"/>
+          </a:p>
+        </p:txBody>
+      </p:sp>
+      <p:sp>
+        <p:nvSpPr>
+          <p:cNvPr id="29" name="Прямоугольник 28"/>
+          <p:cNvSpPr/>
+          <p:nvPr/>
+        </p:nvSpPr>
+        <p:spPr>
+          <a:xfrm>
+            <a:off x="6840187" y="1691837"/>
+            <a:ext cx="589808" cy="305658"/>
+          </a:xfrm>
+          <a:prstGeom prst="rect">
+            <a:avLst/>
+          </a:prstGeom>
+        </p:spPr>
+        <p:style>
+          <a:lnRef idx="1">
+            <a:schemeClr val="accent1"/>
+          </a:lnRef>
+          <a:fillRef idx="2">
+            <a:schemeClr val="accent1"/>
+          </a:fillRef>
+          <a:effectRef idx="1">
+            <a:schemeClr val="accent1"/>
+          </a:effectRef>
+          <a:fontRef idx="minor">
+            <a:schemeClr val="dk1"/>
+          </a:fontRef>
+        </p:style>
+        <p:txBody>
+          <a:bodyPr rtlCol="0" anchor="ctr"/>
+          <a:lstStyle/>
+          <a:p>
+            <a:pPr algn="ctr"/>
+            <a:endParaRPr lang="ru-RU"/>
+          </a:p>
+        </p:txBody>
+      </p:sp>
+      <p:sp>
+        <p:nvSpPr>
+          <p:cNvPr id="36" name="Прямоугольник 35"/>
+          <p:cNvSpPr/>
+          <p:nvPr/>
+        </p:nvSpPr>
+        <p:spPr>
+          <a:xfrm>
+            <a:off x="7429995" y="1689539"/>
+            <a:ext cx="589808" cy="305658"/>
+          </a:xfrm>
+          <a:prstGeom prst="rect">
+            <a:avLst/>
+          </a:prstGeom>
+        </p:spPr>
+        <p:style>
+          <a:lnRef idx="2">
+            <a:schemeClr val="accent1">
+              <a:shade val="50000"/>
+            </a:schemeClr>
+          </a:lnRef>
+          <a:fillRef idx="1">
+            <a:schemeClr val="accent1"/>
+          </a:fillRef>
+          <a:effectRef idx="0">
+            <a:schemeClr val="accent1"/>
+          </a:effectRef>
+          <a:fontRef idx="minor">
+            <a:schemeClr val="lt1"/>
+          </a:fontRef>
+        </p:style>
+        <p:txBody>
+          <a:bodyPr rtlCol="0" anchor="ctr"/>
+          <a:lstStyle/>
+          <a:p>
+            <a:pPr algn="ctr"/>
+            <a:endParaRPr lang="ru-RU"/>
+          </a:p>
+        </p:txBody>
+      </p:sp>
+      <p:sp>
+        <p:nvSpPr>
+          <p:cNvPr id="37" name="Прямоугольник 36"/>
+          <p:cNvSpPr/>
+          <p:nvPr/>
+        </p:nvSpPr>
+        <p:spPr>
+          <a:xfrm>
+            <a:off x="8019803" y="1690688"/>
+            <a:ext cx="589808" cy="305658"/>
+          </a:xfrm>
+          <a:prstGeom prst="rect">
+            <a:avLst/>
+          </a:prstGeom>
+        </p:spPr>
+        <p:style>
+          <a:lnRef idx="1">
+            <a:schemeClr val="accent1"/>
+          </a:lnRef>
+          <a:fillRef idx="2">
+            <a:schemeClr val="accent1"/>
+          </a:fillRef>
+          <a:effectRef idx="1">
+            <a:schemeClr val="accent1"/>
+          </a:effectRef>
+          <a:fontRef idx="minor">
+            <a:schemeClr val="dk1"/>
+          </a:fontRef>
+        </p:style>
+        <p:txBody>
+          <a:bodyPr rtlCol="0" anchor="ctr"/>
+          <a:lstStyle/>
+          <a:p>
+            <a:pPr algn="ctr"/>
+            <a:endParaRPr lang="ru-RU"/>
+          </a:p>
+        </p:txBody>
+      </p:sp>
+      <p:sp>
+        <p:nvSpPr>
+          <p:cNvPr id="44" name="Прямоугольник 43"/>
+          <p:cNvSpPr/>
+          <p:nvPr/>
+        </p:nvSpPr>
+        <p:spPr>
+          <a:xfrm>
+            <a:off x="6242462" y="2048234"/>
+            <a:ext cx="589808" cy="305658"/>
+          </a:xfrm>
+          <a:prstGeom prst="rect">
+            <a:avLst/>
+          </a:prstGeom>
+        </p:spPr>
+        <p:style>
+          <a:lnRef idx="1">
+            <a:schemeClr val="accent1"/>
+          </a:lnRef>
+          <a:fillRef idx="2">
+            <a:schemeClr val="accent1"/>
+          </a:fillRef>
+          <a:effectRef idx="1">
+            <a:schemeClr val="accent1"/>
+          </a:effectRef>
+          <a:fontRef idx="minor">
+            <a:schemeClr val="dk1"/>
+          </a:fontRef>
+        </p:style>
+        <p:txBody>
+          <a:bodyPr rtlCol="0" anchor="ctr"/>
+          <a:lstStyle/>
+          <a:p>
+            <a:pPr algn="ctr"/>
+            <a:endParaRPr lang="ru-RU"/>
+          </a:p>
+        </p:txBody>
+      </p:sp>
+      <p:sp>
+        <p:nvSpPr>
+          <p:cNvPr id="45" name="Прямоугольник 44"/>
+          <p:cNvSpPr/>
+          <p:nvPr/>
+        </p:nvSpPr>
+        <p:spPr>
+          <a:xfrm>
+            <a:off x="6832270" y="2047085"/>
+            <a:ext cx="589808" cy="307956"/>
+          </a:xfrm>
+          <a:prstGeom prst="rect">
+            <a:avLst/>
+          </a:prstGeom>
+        </p:spPr>
+        <p:style>
+          <a:lnRef idx="2">
+            <a:schemeClr val="accent1">
+              <a:shade val="50000"/>
+            </a:schemeClr>
+          </a:lnRef>
+          <a:fillRef idx="1">
+            <a:schemeClr val="accent1"/>
+          </a:fillRef>
+          <a:effectRef idx="0">
+            <a:schemeClr val="accent1"/>
+          </a:effectRef>
+          <a:fontRef idx="minor">
+            <a:schemeClr val="lt1"/>
+          </a:fontRef>
+        </p:style>
+        <p:txBody>
+          <a:bodyPr rtlCol="0" anchor="ctr"/>
+          <a:lstStyle/>
+          <a:p>
+            <a:pPr algn="ctr"/>
+            <a:endParaRPr lang="ru-RU"/>
+          </a:p>
+        </p:txBody>
+      </p:sp>
+      <p:sp>
+        <p:nvSpPr>
+          <p:cNvPr id="46" name="Прямоугольник 45"/>
+          <p:cNvSpPr/>
+          <p:nvPr/>
+        </p:nvSpPr>
+        <p:spPr>
+          <a:xfrm>
+            <a:off x="7422078" y="2047085"/>
+            <a:ext cx="589808" cy="305658"/>
+          </a:xfrm>
+          <a:prstGeom prst="rect">
+            <a:avLst/>
+          </a:prstGeom>
+        </p:spPr>
+        <p:style>
+          <a:lnRef idx="1">
+            <a:schemeClr val="accent1"/>
+          </a:lnRef>
+          <a:fillRef idx="2">
+            <a:schemeClr val="accent1"/>
+          </a:fillRef>
+          <a:effectRef idx="1">
+            <a:schemeClr val="accent1"/>
+          </a:effectRef>
+          <a:fontRef idx="minor">
+            <a:schemeClr val="dk1"/>
+          </a:fontRef>
+        </p:style>
+        <p:txBody>
+          <a:bodyPr rtlCol="0" anchor="ctr"/>
+          <a:lstStyle/>
+          <a:p>
+            <a:pPr algn="ctr"/>
+            <a:endParaRPr lang="ru-RU"/>
+          </a:p>
+        </p:txBody>
+      </p:sp>
+      <p:sp>
+        <p:nvSpPr>
+          <p:cNvPr id="47" name="Прямоугольник 46"/>
+          <p:cNvSpPr/>
+          <p:nvPr/>
+        </p:nvSpPr>
+        <p:spPr>
+          <a:xfrm>
+            <a:off x="8011886" y="2048234"/>
+            <a:ext cx="589808" cy="305658"/>
+          </a:xfrm>
+          <a:prstGeom prst="rect">
+            <a:avLst/>
+          </a:prstGeom>
+        </p:spPr>
+        <p:style>
+          <a:lnRef idx="2">
+            <a:schemeClr val="accent1">
+              <a:shade val="50000"/>
+            </a:schemeClr>
+          </a:lnRef>
+          <a:fillRef idx="1">
+            <a:schemeClr val="accent1"/>
+          </a:fillRef>
+          <a:effectRef idx="0">
+            <a:schemeClr val="accent1"/>
+          </a:effectRef>
+          <a:fontRef idx="minor">
+            <a:schemeClr val="lt1"/>
+          </a:fontRef>
+        </p:style>
+        <p:txBody>
+          <a:bodyPr rtlCol="0" anchor="ctr"/>
+          <a:lstStyle/>
+          <a:p>
+            <a:pPr algn="ctr"/>
+            <a:endParaRPr lang="ru-RU"/>
+          </a:p>
+        </p:txBody>
+      </p:sp>
+      <p:sp>
+        <p:nvSpPr>
+          <p:cNvPr id="48" name="Прямоугольник 47"/>
+          <p:cNvSpPr/>
+          <p:nvPr/>
+        </p:nvSpPr>
+        <p:spPr>
+          <a:xfrm>
+            <a:off x="6242462" y="2394203"/>
+            <a:ext cx="589808" cy="305658"/>
+          </a:xfrm>
+          <a:prstGeom prst="rect">
+            <a:avLst/>
+          </a:prstGeom>
+        </p:spPr>
+        <p:style>
+          <a:lnRef idx="2">
+            <a:schemeClr val="accent1">
+              <a:shade val="50000"/>
+            </a:schemeClr>
+          </a:lnRef>
+          <a:fillRef idx="1">
+            <a:schemeClr val="accent1"/>
+          </a:fillRef>
+          <a:effectRef idx="0">
+            <a:schemeClr val="accent1"/>
+          </a:effectRef>
+          <a:fontRef idx="minor">
+            <a:schemeClr val="lt1"/>
+          </a:fontRef>
+        </p:style>
+        <p:txBody>
+          <a:bodyPr rtlCol="0" anchor="ctr"/>
+          <a:lstStyle/>
+          <a:p>
+            <a:pPr algn="ctr"/>
+            <a:endParaRPr lang="ru-RU"/>
+          </a:p>
+        </p:txBody>
+      </p:sp>
+      <p:sp>
+        <p:nvSpPr>
+          <p:cNvPr id="49" name="Прямоугольник 48"/>
+          <p:cNvSpPr/>
+          <p:nvPr/>
+        </p:nvSpPr>
+        <p:spPr>
+          <a:xfrm>
+            <a:off x="6832270" y="2395352"/>
+            <a:ext cx="589808" cy="305658"/>
+          </a:xfrm>
+          <a:prstGeom prst="rect">
+            <a:avLst/>
+          </a:prstGeom>
+        </p:spPr>
+        <p:style>
+          <a:lnRef idx="1">
+            <a:schemeClr val="accent1"/>
+          </a:lnRef>
+          <a:fillRef idx="2">
+            <a:schemeClr val="accent1"/>
+          </a:fillRef>
+          <a:effectRef idx="1">
+            <a:schemeClr val="accent1"/>
+          </a:effectRef>
+          <a:fontRef idx="minor">
+            <a:schemeClr val="dk1"/>
+          </a:fontRef>
+        </p:style>
+        <p:txBody>
+          <a:bodyPr rtlCol="0" anchor="ctr"/>
+          <a:lstStyle/>
+          <a:p>
+            <a:pPr algn="ctr"/>
+            <a:endParaRPr lang="ru-RU"/>
+          </a:p>
+        </p:txBody>
+      </p:sp>
+      <p:sp>
+        <p:nvSpPr>
+          <p:cNvPr id="50" name="Прямоугольник 49"/>
+          <p:cNvSpPr/>
+          <p:nvPr/>
+        </p:nvSpPr>
+        <p:spPr>
+          <a:xfrm>
+            <a:off x="7422078" y="2393054"/>
+            <a:ext cx="589808" cy="305658"/>
+          </a:xfrm>
+          <a:prstGeom prst="rect">
+            <a:avLst/>
+          </a:prstGeom>
+        </p:spPr>
+        <p:style>
+          <a:lnRef idx="2">
+            <a:schemeClr val="accent1">
+              <a:shade val="50000"/>
+            </a:schemeClr>
+          </a:lnRef>
+          <a:fillRef idx="1">
+            <a:schemeClr val="accent1"/>
+          </a:fillRef>
+          <a:effectRef idx="0">
+            <a:schemeClr val="accent1"/>
+          </a:effectRef>
+          <a:fontRef idx="minor">
+            <a:schemeClr val="lt1"/>
+          </a:fontRef>
+        </p:style>
+        <p:txBody>
+          <a:bodyPr rtlCol="0" anchor="ctr"/>
+          <a:lstStyle/>
+          <a:p>
+            <a:pPr algn="ctr"/>
+            <a:endParaRPr lang="ru-RU"/>
+          </a:p>
+        </p:txBody>
+      </p:sp>
+      <p:sp>
+        <p:nvSpPr>
+          <p:cNvPr id="51" name="Прямоугольник 50"/>
+          <p:cNvSpPr/>
+          <p:nvPr/>
+        </p:nvSpPr>
+        <p:spPr>
+          <a:xfrm>
+            <a:off x="8011886" y="2394203"/>
+            <a:ext cx="589808" cy="305658"/>
+          </a:xfrm>
+          <a:prstGeom prst="rect">
+            <a:avLst/>
+          </a:prstGeom>
+        </p:spPr>
+        <p:style>
+          <a:lnRef idx="1">
+            <a:schemeClr val="accent1"/>
+          </a:lnRef>
+          <a:fillRef idx="2">
+            <a:schemeClr val="accent1"/>
+          </a:fillRef>
+          <a:effectRef idx="1">
+            <a:schemeClr val="accent1"/>
+          </a:effectRef>
+          <a:fontRef idx="minor">
+            <a:schemeClr val="dk1"/>
+          </a:fontRef>
+        </p:style>
+        <p:txBody>
+          <a:bodyPr rtlCol="0" anchor="ctr"/>
+          <a:lstStyle/>
+          <a:p>
+            <a:pPr algn="ctr"/>
+            <a:endParaRPr lang="ru-RU"/>
+          </a:p>
+        </p:txBody>
+      </p:sp>
+      <p:sp>
+        <p:nvSpPr>
+          <p:cNvPr id="52" name="Ромб 51"/>
+          <p:cNvSpPr/>
+          <p:nvPr/>
+        </p:nvSpPr>
+        <p:spPr>
+          <a:xfrm>
+            <a:off x="7249885" y="3760486"/>
+            <a:ext cx="427511" cy="285008"/>
+          </a:xfrm>
+          <a:prstGeom prst="diamond">
+            <a:avLst/>
+          </a:prstGeom>
+        </p:spPr>
+        <p:style>
+          <a:lnRef idx="2">
+            <a:schemeClr val="accent1">
+              <a:shade val="50000"/>
+            </a:schemeClr>
+          </a:lnRef>
+          <a:fillRef idx="1">
+            <a:schemeClr val="accent1"/>
+          </a:fillRef>
+          <a:effectRef idx="0">
+            <a:schemeClr val="accent1"/>
+          </a:effectRef>
+          <a:fontRef idx="minor">
+            <a:schemeClr val="lt1"/>
+          </a:fontRef>
+        </p:style>
+        <p:txBody>
+          <a:bodyPr rtlCol="0" anchor="ctr"/>
+          <a:lstStyle/>
+          <a:p>
+            <a:pPr algn="ctr"/>
+            <a:endParaRPr lang="ru-RU"/>
+          </a:p>
+        </p:txBody>
+      </p:sp>
+      <p:sp>
+        <p:nvSpPr>
+          <p:cNvPr id="53" name="Ромб 52"/>
+          <p:cNvSpPr/>
+          <p:nvPr/>
+        </p:nvSpPr>
+        <p:spPr>
+          <a:xfrm>
+            <a:off x="6521532" y="4214053"/>
+            <a:ext cx="427511" cy="285008"/>
+          </a:xfrm>
+          <a:prstGeom prst="diamond">
+            <a:avLst/>
+          </a:prstGeom>
+        </p:spPr>
+        <p:style>
+          <a:lnRef idx="2">
+            <a:schemeClr val="accent1">
+              <a:shade val="50000"/>
+            </a:schemeClr>
+          </a:lnRef>
+          <a:fillRef idx="1">
+            <a:schemeClr val="accent1"/>
+          </a:fillRef>
+          <a:effectRef idx="0">
+            <a:schemeClr val="accent1"/>
+          </a:effectRef>
+          <a:fontRef idx="minor">
+            <a:schemeClr val="lt1"/>
+          </a:fontRef>
+        </p:style>
+        <p:txBody>
+          <a:bodyPr rtlCol="0" anchor="ctr"/>
+          <a:lstStyle/>
+          <a:p>
+            <a:pPr algn="ctr"/>
+            <a:endParaRPr lang="ru-RU"/>
+          </a:p>
+        </p:txBody>
+      </p:sp>
+      <p:sp>
+        <p:nvSpPr>
+          <p:cNvPr id="54" name="Прямоугольник 53"/>
+          <p:cNvSpPr/>
+          <p:nvPr/>
+        </p:nvSpPr>
+        <p:spPr>
+          <a:xfrm>
+            <a:off x="6096000" y="4651489"/>
+            <a:ext cx="292925" cy="153230"/>
+          </a:xfrm>
+          <a:prstGeom prst="rect">
+            <a:avLst/>
+          </a:prstGeom>
+        </p:spPr>
+        <p:style>
+          <a:lnRef idx="2">
+            <a:schemeClr val="accent1">
+              <a:shade val="50000"/>
+            </a:schemeClr>
+          </a:lnRef>
+          <a:fillRef idx="1">
+            <a:schemeClr val="accent1"/>
+          </a:fillRef>
+          <a:effectRef idx="0">
+            <a:schemeClr val="accent1"/>
+          </a:effectRef>
+          <a:fontRef idx="minor">
+            <a:schemeClr val="lt1"/>
+          </a:fontRef>
+        </p:style>
+        <p:txBody>
+          <a:bodyPr rtlCol="0" anchor="ctr"/>
+          <a:lstStyle/>
+          <a:p>
+            <a:pPr algn="ctr"/>
+            <a:endParaRPr lang="ru-RU"/>
+          </a:p>
+        </p:txBody>
+      </p:sp>
+      <p:sp>
+        <p:nvSpPr>
+          <p:cNvPr id="55" name="Прямоугольник 54"/>
+          <p:cNvSpPr/>
+          <p:nvPr/>
+        </p:nvSpPr>
+        <p:spPr>
+          <a:xfrm>
+            <a:off x="7071757" y="4651489"/>
+            <a:ext cx="292925" cy="153230"/>
+          </a:xfrm>
+          <a:prstGeom prst="rect">
+            <a:avLst/>
+          </a:prstGeom>
+        </p:spPr>
+        <p:style>
+          <a:lnRef idx="2">
+            <a:schemeClr val="accent1">
+              <a:shade val="50000"/>
+            </a:schemeClr>
+          </a:lnRef>
+          <a:fillRef idx="1">
+            <a:schemeClr val="accent1"/>
+          </a:fillRef>
+          <a:effectRef idx="0">
+            <a:schemeClr val="accent1"/>
+          </a:effectRef>
+          <a:fontRef idx="minor">
+            <a:schemeClr val="lt1"/>
+          </a:fontRef>
+        </p:style>
+        <p:txBody>
+          <a:bodyPr rtlCol="0" anchor="ctr"/>
+          <a:lstStyle/>
+          <a:p>
+            <a:pPr algn="ctr"/>
+            <a:endParaRPr lang="ru-RU"/>
+          </a:p>
+        </p:txBody>
+      </p:sp>
+      <p:sp>
+        <p:nvSpPr>
+          <p:cNvPr id="56" name="Прямоугольник 55"/>
+          <p:cNvSpPr/>
+          <p:nvPr/>
+        </p:nvSpPr>
+        <p:spPr>
+          <a:xfrm>
+            <a:off x="8023761" y="4335680"/>
+            <a:ext cx="292925" cy="153230"/>
+          </a:xfrm>
+          <a:prstGeom prst="rect">
+            <a:avLst/>
+          </a:prstGeom>
+        </p:spPr>
+        <p:style>
+          <a:lnRef idx="2">
+            <a:schemeClr val="accent1">
+              <a:shade val="50000"/>
+            </a:schemeClr>
+          </a:lnRef>
+          <a:fillRef idx="1">
+            <a:schemeClr val="accent1"/>
+          </a:fillRef>
+          <a:effectRef idx="0">
+            <a:schemeClr val="accent1"/>
+          </a:effectRef>
+          <a:fontRef idx="minor">
+            <a:schemeClr val="lt1"/>
+          </a:fontRef>
+        </p:style>
+        <p:txBody>
+          <a:bodyPr rtlCol="0" anchor="ctr"/>
+          <a:lstStyle/>
+          <a:p>
+            <a:pPr algn="ctr"/>
+            <a:endParaRPr lang="ru-RU"/>
+          </a:p>
+        </p:txBody>
+      </p:sp>
+      <p:cxnSp>
+        <p:nvCxnSpPr>
+          <p:cNvPr id="58" name="Соединительная линия уступом 57"/>
+          <p:cNvCxnSpPr>
+            <a:stCxn id="52" idx="1"/>
+            <a:endCxn id="53" idx="0"/>
+          </p:cNvCxnSpPr>
+          <p:nvPr/>
+        </p:nvCxnSpPr>
+        <p:spPr>
+          <a:xfrm rot="10800000" flipV="1">
+            <a:off x="6735289" y="3902989"/>
+            <a:ext cx="514597" cy="311063"/>
+          </a:xfrm>
+          <a:prstGeom prst="bentConnector2">
+            <a:avLst/>
+          </a:prstGeom>
+          <a:ln>
+            <a:tailEnd type="triangle"/>
+          </a:ln>
+        </p:spPr>
+        <p:style>
+          <a:lnRef idx="1">
+            <a:schemeClr val="accent1"/>
+          </a:lnRef>
+          <a:fillRef idx="0">
+            <a:schemeClr val="accent1"/>
+          </a:fillRef>
+          <a:effectRef idx="0">
+            <a:schemeClr val="accent1"/>
+          </a:effectRef>
+          <a:fontRef idx="minor">
+            <a:schemeClr val="tx1"/>
+          </a:fontRef>
+        </p:style>
+      </p:cxnSp>
+      <p:cxnSp>
+        <p:nvCxnSpPr>
+          <p:cNvPr id="60" name="Соединительная линия уступом 59"/>
+          <p:cNvCxnSpPr>
+            <a:stCxn id="52" idx="3"/>
+            <a:endCxn id="56" idx="0"/>
+          </p:cNvCxnSpPr>
+          <p:nvPr/>
+        </p:nvCxnSpPr>
+        <p:spPr>
+          <a:xfrm>
+            <a:off x="7677396" y="3902990"/>
+            <a:ext cx="492828" cy="432690"/>
+          </a:xfrm>
+          <a:prstGeom prst="bentConnector2">
+            <a:avLst/>
+          </a:prstGeom>
+          <a:ln>
+            <a:tailEnd type="triangle"/>
+          </a:ln>
+        </p:spPr>
+        <p:style>
+          <a:lnRef idx="1">
+            <a:schemeClr val="accent1"/>
+          </a:lnRef>
+          <a:fillRef idx="0">
+            <a:schemeClr val="accent1"/>
+          </a:fillRef>
+          <a:effectRef idx="0">
+            <a:schemeClr val="accent1"/>
+          </a:effectRef>
+          <a:fontRef idx="minor">
+            <a:schemeClr val="tx1"/>
+          </a:fontRef>
+        </p:style>
+      </p:cxnSp>
+      <p:cxnSp>
+        <p:nvCxnSpPr>
+          <p:cNvPr id="64" name="Соединительная линия уступом 63"/>
+          <p:cNvCxnSpPr>
+            <a:stCxn id="53" idx="1"/>
+            <a:endCxn id="54" idx="0"/>
+          </p:cNvCxnSpPr>
+          <p:nvPr/>
+        </p:nvCxnSpPr>
+        <p:spPr>
+          <a:xfrm rot="10800000" flipV="1">
+            <a:off x="6242464" y="4356557"/>
+            <a:ext cx="279069" cy="294932"/>
+          </a:xfrm>
+          <a:prstGeom prst="bentConnector2">
+            <a:avLst/>
+          </a:prstGeom>
+          <a:ln>
+            <a:tailEnd type="triangle"/>
+          </a:ln>
+        </p:spPr>
+        <p:style>
+          <a:lnRef idx="1">
+            <a:schemeClr val="accent1"/>
+          </a:lnRef>
+          <a:fillRef idx="0">
+            <a:schemeClr val="accent1"/>
+          </a:fillRef>
+          <a:effectRef idx="0">
+            <a:schemeClr val="accent1"/>
+          </a:effectRef>
+          <a:fontRef idx="minor">
+            <a:schemeClr val="tx1"/>
+          </a:fontRef>
+        </p:style>
+      </p:cxnSp>
+      <p:cxnSp>
+        <p:nvCxnSpPr>
+          <p:cNvPr id="66" name="Соединительная линия уступом 65"/>
+          <p:cNvCxnSpPr>
+            <a:stCxn id="53" idx="3"/>
+            <a:endCxn id="55" idx="0"/>
+          </p:cNvCxnSpPr>
+          <p:nvPr/>
+        </p:nvCxnSpPr>
+        <p:spPr>
+          <a:xfrm>
+            <a:off x="6949043" y="4356557"/>
+            <a:ext cx="269177" cy="294932"/>
+          </a:xfrm>
+          <a:prstGeom prst="bentConnector2">
+            <a:avLst/>
+          </a:prstGeom>
+          <a:ln>
+            <a:tailEnd type="triangle"/>
+          </a:ln>
+        </p:spPr>
+        <p:style>
+          <a:lnRef idx="1">
+            <a:schemeClr val="accent1"/>
+          </a:lnRef>
+          <a:fillRef idx="0">
+            <a:schemeClr val="accent1"/>
+          </a:fillRef>
+          <a:effectRef idx="0">
+            <a:schemeClr val="accent1"/>
+          </a:effectRef>
+          <a:fontRef idx="minor">
+            <a:schemeClr val="tx1"/>
+          </a:fontRef>
+        </p:style>
+      </p:cxnSp>
+    </p:spTree>
+    <p:extLst>
+      <p:ext uri="{BB962C8B-B14F-4D97-AF65-F5344CB8AC3E}">
+        <p14:creationId xmlns:p14="http://schemas.microsoft.com/office/powerpoint/2010/main" val="2915858016"/>
+      </p:ext>
+    </p:extLst>
+  </p:cSld>
+  <p:clrMapOvr>
+    <a:masterClrMapping/>
+  </p:clrMapOvr>
+  <p:timing>
+    <p:tnLst>
+      <p:par>
+        <p:cTn id="1" dur="indefinite" restart="never" nodeType="tmRoot"/>
+      </p:par>
+    </p:tnLst>
+  </p:timing>
+</p:sld>
+</file>
+
+<file path=ppt/slides/slide34.xml><?xml version="1.0" encoding="utf-8"?>
+<p:sld xmlns:a="http://schemas.openxmlformats.org/drawingml/2006/main" xmlns:r="http://schemas.openxmlformats.org/officeDocument/2006/relationships" xmlns:p="http://schemas.openxmlformats.org/presentationml/2006/main">
+  <p:cSld>
+    <p:spTree>
+      <p:nvGrpSpPr>
+        <p:cNvPr id="1" name=""/>
+        <p:cNvGrpSpPr/>
+        <p:nvPr/>
+      </p:nvGrpSpPr>
+      <p:grpSpPr>
+        <a:xfrm>
+          <a:off x="0" y="0"/>
+          <a:ext cx="0" cy="0"/>
+          <a:chOff x="0" y="0"/>
+          <a:chExt cx="0" cy="0"/>
+        </a:xfrm>
+      </p:grpSpPr>
+      <p:sp>
+        <p:nvSpPr>
+          <p:cNvPr id="2" name="Заголовок 1"/>
+          <p:cNvSpPr>
+            <a:spLocks noGrp="1"/>
+          </p:cNvSpPr>
+          <p:nvPr>
+            <p:ph type="title"/>
+          </p:nvPr>
+        </p:nvSpPr>
+        <p:spPr/>
+        <p:txBody>
+          <a:bodyPr>
+            <a:normAutofit/>
+          </a:bodyPr>
+          <a:lstStyle/>
+          <a:p>
+            <a:r>
+              <a:rPr lang="ru-RU" sz="4000" dirty="0"/>
+              <a:t>Интерпретация моделей машинного </a:t>
+            </a:r>
+            <a:r>
+              <a:rPr lang="ru-RU" sz="4000" dirty="0" smtClean="0"/>
+              <a:t>обучения</a:t>
+            </a:r>
+            <a:endParaRPr lang="ru-RU" sz="4000" dirty="0"/>
+          </a:p>
+        </p:txBody>
+      </p:sp>
+      <p:sp>
+        <p:nvSpPr>
+          <p:cNvPr id="3" name="Объект 2"/>
+          <p:cNvSpPr>
+            <a:spLocks noGrp="1"/>
+          </p:cNvSpPr>
+          <p:nvPr>
+            <p:ph idx="1"/>
+          </p:nvPr>
+        </p:nvSpPr>
+        <p:spPr/>
+        <p:txBody>
+          <a:bodyPr/>
+          <a:lstStyle/>
+          <a:p>
+            <a:pPr marL="0" indent="0">
+              <a:buNone/>
+            </a:pPr>
+            <a:r>
+              <a:rPr lang="ru-RU" dirty="0" smtClean="0"/>
+              <a:t>Требования к интерпретации:</a:t>
+            </a:r>
+          </a:p>
+          <a:p>
+            <a:r>
+              <a:rPr lang="ru-RU" dirty="0" smtClean="0"/>
+              <a:t>Сохранение контента / области знаний по отношению к данным.</a:t>
+            </a:r>
+          </a:p>
+          <a:p>
+            <a:r>
+              <a:rPr lang="ru-RU" dirty="0" smtClean="0"/>
+              <a:t>Краткость выводов.</a:t>
+            </a:r>
+          </a:p>
+          <a:p>
+            <a:r>
+              <a:rPr lang="ru-RU" dirty="0" smtClean="0"/>
+              <a:t>Возможность сравнения результатов работы модели для разных данных.</a:t>
+            </a:r>
+          </a:p>
+          <a:p>
+            <a:r>
+              <a:rPr lang="ru-RU" dirty="0" smtClean="0"/>
+              <a:t>Соответствие экспертным ожиданиям.</a:t>
+            </a:r>
+          </a:p>
+          <a:p>
+            <a:endParaRPr lang="ru-RU" dirty="0"/>
+          </a:p>
+        </p:txBody>
+      </p:sp>
+    </p:spTree>
+    <p:extLst>
+      <p:ext uri="{BB962C8B-B14F-4D97-AF65-F5344CB8AC3E}">
+        <p14:creationId xmlns:p14="http://schemas.microsoft.com/office/powerpoint/2010/main" val="1816969477"/>
+      </p:ext>
+    </p:extLst>
+  </p:cSld>
+  <p:clrMapOvr>
+    <a:masterClrMapping/>
+  </p:clrMapOvr>
+  <p:timing>
+    <p:tnLst>
+      <p:par>
+        <p:cTn id="1" dur="indefinite" restart="never" nodeType="tmRoot"/>
+      </p:par>
+    </p:tnLst>
+  </p:timing>
+</p:sld>
+</file>
+
+<file path=ppt/slides/slide35.xml><?xml version="1.0" encoding="utf-8"?>
+<p:sld xmlns:a="http://schemas.openxmlformats.org/drawingml/2006/main" xmlns:r="http://schemas.openxmlformats.org/officeDocument/2006/relationships" xmlns:p="http://schemas.openxmlformats.org/presentationml/2006/main">
+  <p:cSld>
+    <p:spTree>
+      <p:nvGrpSpPr>
+        <p:cNvPr id="1" name=""/>
+        <p:cNvGrpSpPr/>
+        <p:nvPr/>
+      </p:nvGrpSpPr>
+      <p:grpSpPr>
+        <a:xfrm>
+          <a:off x="0" y="0"/>
+          <a:ext cx="0" cy="0"/>
+          <a:chOff x="0" y="0"/>
+          <a:chExt cx="0" cy="0"/>
+        </a:xfrm>
+      </p:grpSpPr>
+      <p:sp>
+        <p:nvSpPr>
+          <p:cNvPr id="2" name="Заголовок 1"/>
+          <p:cNvSpPr>
+            <a:spLocks noGrp="1"/>
+          </p:cNvSpPr>
+          <p:nvPr>
+            <p:ph type="title"/>
+          </p:nvPr>
+        </p:nvSpPr>
+        <p:spPr/>
+        <p:txBody>
+          <a:bodyPr/>
+          <a:lstStyle/>
+          <a:p>
+            <a:r>
+              <a:rPr lang="ru-RU" dirty="0" smtClean="0"/>
+              <a:t>Ссылки</a:t>
+            </a:r>
+            <a:endParaRPr lang="ru-RU" dirty="0"/>
+          </a:p>
+        </p:txBody>
+      </p:sp>
+      <p:sp>
+        <p:nvSpPr>
+          <p:cNvPr id="3" name="Объект 2"/>
+          <p:cNvSpPr>
+            <a:spLocks noGrp="1"/>
+          </p:cNvSpPr>
+          <p:nvPr>
+            <p:ph idx="1"/>
+          </p:nvPr>
+        </p:nvSpPr>
+        <p:spPr/>
+        <p:txBody>
+          <a:bodyPr/>
+          <a:lstStyle/>
+          <a:p>
+            <a:r>
+              <a:rPr lang="en-US" dirty="0" smtClean="0">
+                <a:hlinkClick r:id="rId2"/>
+              </a:rPr>
+              <a:t>https://ru.wikipedia.org/wiki/</a:t>
+            </a:r>
+            <a:r>
+              <a:rPr lang="ru-RU" dirty="0" err="1" smtClean="0">
+                <a:hlinkClick r:id="rId2"/>
+              </a:rPr>
+              <a:t>Машинное_обучение</a:t>
+            </a:r>
+            <a:endParaRPr lang="ru-RU" dirty="0" smtClean="0"/>
+          </a:p>
+          <a:p>
+            <a:r>
+              <a:rPr lang="en-US" dirty="0">
+                <a:hlinkClick r:id="rId3"/>
+              </a:rPr>
+              <a:t>https://</a:t>
+            </a:r>
+            <a:r>
+              <a:rPr lang="en-US" dirty="0" smtClean="0">
+                <a:hlinkClick r:id="rId3"/>
+              </a:rPr>
+              <a:t>neerc.ifmo.ru/wiki/index.php?title=</a:t>
+            </a:r>
+            <a:r>
+              <a:rPr lang="ru-RU" dirty="0" smtClean="0">
+                <a:hlinkClick r:id="rId3"/>
+              </a:rPr>
+              <a:t>Переобучение</a:t>
+            </a:r>
+            <a:endParaRPr lang="ru-RU" dirty="0" smtClean="0"/>
+          </a:p>
+          <a:p>
+            <a:r>
+              <a:rPr lang="en-US" dirty="0" smtClean="0">
+                <a:hlinkClick r:id="rId4"/>
+              </a:rPr>
+              <a:t>https</a:t>
+            </a:r>
+            <a:r>
+              <a:rPr lang="en-US" dirty="0">
+                <a:hlinkClick r:id="rId4"/>
+              </a:rPr>
+              <a:t>://neerc.ifmo.ru/wiki/index.php?title=</a:t>
+            </a:r>
+            <a:r>
+              <a:rPr lang="ru-RU" dirty="0" smtClean="0">
+                <a:hlinkClick r:id="rId4"/>
+              </a:rPr>
+              <a:t>Кросс-</a:t>
+            </a:r>
+            <a:r>
+              <a:rPr lang="ru-RU" dirty="0" err="1" smtClean="0">
+                <a:hlinkClick r:id="rId4"/>
+              </a:rPr>
+              <a:t>валидация</a:t>
+            </a:r>
+            <a:endParaRPr lang="en-US" dirty="0" smtClean="0"/>
+          </a:p>
+          <a:p>
+            <a:r>
+              <a:rPr lang="en-US" dirty="0">
+                <a:hlinkClick r:id="rId5"/>
+              </a:rPr>
+              <a:t>http://www.machinelearning.ru/wiki/index.php?title=</a:t>
+            </a:r>
+            <a:r>
+              <a:rPr lang="ru-RU" dirty="0" err="1" smtClean="0">
+                <a:hlinkClick r:id="rId5"/>
+              </a:rPr>
+              <a:t>Интерпретируемая_модель_машинного_обучения</a:t>
+            </a:r>
+            <a:endParaRPr lang="ru-RU" dirty="0" smtClean="0"/>
+          </a:p>
+          <a:p>
+            <a:r>
+              <a:rPr lang="en-US" dirty="0">
+                <a:hlinkClick r:id="rId6"/>
+              </a:rPr>
+              <a:t>https://habr.com/ru/company/otus/blog/464695</a:t>
+            </a:r>
+            <a:r>
+              <a:rPr lang="en-US" dirty="0" smtClean="0">
+                <a:hlinkClick r:id="rId6"/>
+              </a:rPr>
+              <a:t>/</a:t>
+            </a:r>
+            <a:endParaRPr lang="ru-RU" dirty="0" smtClean="0"/>
+          </a:p>
+        </p:txBody>
+      </p:sp>
+    </p:spTree>
+    <p:extLst>
+      <p:ext uri="{BB962C8B-B14F-4D97-AF65-F5344CB8AC3E}">
+        <p14:creationId xmlns:p14="http://schemas.microsoft.com/office/powerpoint/2010/main" val="2236621087"/>
+      </p:ext>
+    </p:extLst>
+  </p:cSld>
+  <p:clrMapOvr>
+    <a:masterClrMapping/>
+  </p:clrMapOvr>
+  <p:timing>
+    <p:tnLst>
+      <p:par>
+        <p:cTn id="1" dur="indefinite" restart="never" nodeType="tmRoot"/>
+      </p:par>
+    </p:tnLst>
+  </p:timing>
+</p:sld>
+</file>
+
+<file path=ppt/slides/slide36.xml><?xml version="1.0" encoding="utf-8"?>
+<p:sld xmlns:a="http://schemas.openxmlformats.org/drawingml/2006/main" xmlns:r="http://schemas.openxmlformats.org/officeDocument/2006/relationships" xmlns:p="http://schemas.openxmlformats.org/presentationml/2006/main">
+  <p:cSld>
+    <p:spTree>
+      <p:nvGrpSpPr>
+        <p:cNvPr id="1" name=""/>
+        <p:cNvGrpSpPr/>
+        <p:nvPr/>
+      </p:nvGrpSpPr>
+      <p:grpSpPr>
+        <a:xfrm>
+          <a:off x="0" y="0"/>
+          <a:ext cx="0" cy="0"/>
+          <a:chOff x="0" y="0"/>
+          <a:chExt cx="0" cy="0"/>
+        </a:xfrm>
+      </p:grpSpPr>
+      <p:sp>
+        <p:nvSpPr>
+          <p:cNvPr id="2" name="Заголовок 1"/>
+          <p:cNvSpPr>
+            <a:spLocks noGrp="1"/>
+          </p:cNvSpPr>
+          <p:nvPr>
+            <p:ph type="title"/>
+          </p:nvPr>
+        </p:nvSpPr>
+        <p:spPr>
+          <a:xfrm>
+            <a:off x="838200" y="2585810"/>
+            <a:ext cx="10515600" cy="1325563"/>
+          </a:xfrm>
+        </p:spPr>
+        <p:txBody>
+          <a:bodyPr>
+            <a:normAutofit/>
+          </a:bodyPr>
+          <a:lstStyle/>
+          <a:p>
+            <a:pPr algn="ctr"/>
+            <a:r>
+              <a:rPr lang="ru-RU" sz="6000" dirty="0" smtClean="0"/>
+              <a:t>Спасибо за внимание</a:t>
+            </a:r>
+            <a:endParaRPr lang="ru-RU" sz="6000" dirty="0"/>
+          </a:p>
+        </p:txBody>
+      </p:sp>
+    </p:spTree>
+    <p:extLst>
+      <p:ext uri="{BB962C8B-B14F-4D97-AF65-F5344CB8AC3E}">
+        <p14:creationId xmlns:p14="http://schemas.microsoft.com/office/powerpoint/2010/main" val="3287438502"/>
+      </p:ext>
+    </p:extLst>
+  </p:cSld>
+  <p:clrMapOvr>
+    <a:masterClrMapping/>
+  </p:clrMapOvr>
+  <p:timing>
+    <p:tnLst>
+      <p:par>
+        <p:cTn id="1" dur="indefinite" restart="never" nodeType="tmRoot"/>
+      </p:par>
+    </p:tnLst>
+  </p:timing>
 </p:sld>
 </file>
 
@@ -6061,6 +10887,13 @@
   <p:clrMapOvr>
     <a:masterClrMapping/>
   </p:clrMapOvr>
+  <p:timing>
+    <p:tnLst>
+      <p:par>
+        <p:cTn id="1" dur="indefinite" restart="never" nodeType="tmRoot"/>
+      </p:par>
+    </p:tnLst>
+  </p:timing>
 </p:sld>
 </file>
 
@@ -6176,6 +11009,13 @@
   <p:clrMapOvr>
     <a:masterClrMapping/>
   </p:clrMapOvr>
+  <p:timing>
+    <p:tnLst>
+      <p:par>
+        <p:cTn id="1" dur="indefinite" restart="never" nodeType="tmRoot"/>
+      </p:par>
+    </p:tnLst>
+  </p:timing>
 </p:sld>
 </file>
 
@@ -6632,6 +11472,13 @@
   <p:clrMapOvr>
     <a:masterClrMapping/>
   </p:clrMapOvr>
+  <p:timing>
+    <p:tnLst>
+      <p:par>
+        <p:cTn id="1" dur="indefinite" restart="never" nodeType="tmRoot"/>
+      </p:par>
+    </p:tnLst>
+  </p:timing>
 </p:sld>
 </file>
 
@@ -6705,8 +11552,16 @@
               <a:buNone/>
             </a:pPr>
             <a:r>
+              <a:rPr lang="en-US" dirty="0"/>
+              <a:t>D</a:t>
+            </a:r>
+            <a:r>
               <a:rPr lang="en-US" dirty="0" smtClean="0"/>
-              <a:t>E – </a:t>
+              <a:t> </a:t>
+            </a:r>
+            <a:r>
+              <a:rPr lang="en-US" dirty="0" smtClean="0"/>
+              <a:t>– </a:t>
             </a:r>
             <a:r>
               <a:rPr lang="ru-RU" dirty="0" smtClean="0"/>
@@ -6763,11 +11618,11 @@
               <a:t>С помощью данных </a:t>
             </a:r>
             <a:r>
-              <a:rPr lang="en-US" dirty="0" smtClean="0"/>
-              <a:t>E</a:t>
-            </a:r>
-            <a:r>
-              <a:rPr lang="ru-RU" dirty="0"/>
+              <a:rPr lang="en-US" dirty="0"/>
+              <a:t>D</a:t>
+            </a:r>
+            <a:r>
+              <a:rPr lang="ru-RU" dirty="0" smtClean="0"/>
               <a:t> </a:t>
             </a:r>
             <a:r>
@@ -6804,6 +11659,13 @@
   <p:clrMapOvr>
     <a:masterClrMapping/>
   </p:clrMapOvr>
+  <p:timing>
+    <p:tnLst>
+      <p:par>
+        <p:cTn id="1" dur="indefinite" restart="never" nodeType="tmRoot"/>
+      </p:par>
+    </p:tnLst>
+  </p:timing>
 </p:sld>
 </file>
 
@@ -6840,65 +11702,360 @@
           <a:lstStyle/>
           <a:p>
             <a:r>
-              <a:rPr lang="ru-RU" dirty="0"/>
-              <a:t>Как работает машинное обучение?</a:t>
-            </a:r>
-          </a:p>
-        </p:txBody>
-      </p:sp>
-      <p:sp>
-        <p:nvSpPr>
-          <p:cNvPr id="3" name="Объект 2"/>
-          <p:cNvSpPr>
-            <a:spLocks noGrp="1"/>
-          </p:cNvSpPr>
-          <p:nvPr>
-            <p:ph idx="1"/>
-          </p:nvPr>
-        </p:nvSpPr>
-        <p:spPr/>
-        <p:txBody>
-          <a:bodyPr/>
-          <a:lstStyle/>
-          <a:p>
-            <a:pPr marL="0" indent="0">
-              <a:buNone/>
-            </a:pPr>
-            <a:r>
-              <a:rPr lang="ru-RU" dirty="0" smtClean="0"/>
-              <a:t>Основные определения:</a:t>
-            </a:r>
-          </a:p>
-          <a:p>
-            <a:r>
-              <a:rPr lang="ru-RU" dirty="0" smtClean="0"/>
-              <a:t>Данные – оцифрованная информация, которая может содержать ошибки, пустые значения и т.п. </a:t>
-            </a:r>
-          </a:p>
-          <a:p>
-            <a:r>
-              <a:rPr lang="ru-RU" dirty="0" smtClean="0"/>
-              <a:t>(Математическая) модель – математически сформулированная зависимость между частями данных.</a:t>
-            </a:r>
-          </a:p>
-          <a:p>
-            <a:r>
-              <a:rPr lang="ru-RU" dirty="0" smtClean="0"/>
-              <a:t>Алгоритм – последовательность действий, позволяющая на основании данных строить модели определенного типа.</a:t>
-            </a:r>
+              <a:rPr lang="ru-RU" dirty="0" smtClean="0"/>
+              <a:t>Что такое машинное обучение?</a:t>
+            </a:r>
+            <a:endParaRPr lang="ru-RU" dirty="0"/>
+          </a:p>
+        </p:txBody>
+      </p:sp>
+      <p:sp>
+        <p:nvSpPr>
+          <p:cNvPr id="6" name="Прямоугольник 5"/>
+          <p:cNvSpPr/>
+          <p:nvPr/>
+        </p:nvSpPr>
+        <p:spPr>
+          <a:xfrm>
+            <a:off x="351311" y="4413228"/>
+            <a:ext cx="1809997" cy="1187533"/>
+          </a:xfrm>
+          <a:prstGeom prst="rect">
+            <a:avLst/>
+          </a:prstGeom>
+        </p:spPr>
+        <p:style>
+          <a:lnRef idx="2">
+            <a:schemeClr val="accent1">
+              <a:shade val="50000"/>
+            </a:schemeClr>
+          </a:lnRef>
+          <a:fillRef idx="1">
+            <a:schemeClr val="accent1"/>
+          </a:fillRef>
+          <a:effectRef idx="0">
+            <a:schemeClr val="accent1"/>
+          </a:effectRef>
+          <a:fontRef idx="minor">
+            <a:schemeClr val="lt1"/>
+          </a:fontRef>
+        </p:style>
+        <p:txBody>
+          <a:bodyPr rtlCol="0" anchor="ctr"/>
+          <a:lstStyle/>
+          <a:p>
+            <a:pPr algn="ctr"/>
+            <a:r>
+              <a:rPr lang="ru-RU" dirty="0" smtClean="0"/>
+              <a:t>Данные</a:t>
+            </a:r>
+            <a:endParaRPr lang="ru-RU" dirty="0"/>
+          </a:p>
+        </p:txBody>
+      </p:sp>
+      <p:sp>
+        <p:nvSpPr>
+          <p:cNvPr id="7" name="Прямоугольник 6"/>
+          <p:cNvSpPr/>
+          <p:nvPr/>
+        </p:nvSpPr>
+        <p:spPr>
+          <a:xfrm>
+            <a:off x="9153124" y="4413226"/>
+            <a:ext cx="1809997" cy="1187533"/>
+          </a:xfrm>
+          <a:prstGeom prst="rect">
+            <a:avLst/>
+          </a:prstGeom>
+        </p:spPr>
+        <p:style>
+          <a:lnRef idx="2">
+            <a:schemeClr val="accent1">
+              <a:shade val="50000"/>
+            </a:schemeClr>
+          </a:lnRef>
+          <a:fillRef idx="1">
+            <a:schemeClr val="accent1"/>
+          </a:fillRef>
+          <a:effectRef idx="0">
+            <a:schemeClr val="accent1"/>
+          </a:effectRef>
+          <a:fontRef idx="minor">
+            <a:schemeClr val="lt1"/>
+          </a:fontRef>
+        </p:style>
+        <p:txBody>
+          <a:bodyPr rtlCol="0" anchor="ctr"/>
+          <a:lstStyle/>
+          <a:p>
+            <a:pPr algn="ctr"/>
+            <a:r>
+              <a:rPr lang="ru-RU" dirty="0" smtClean="0"/>
+              <a:t>Метрика</a:t>
+            </a:r>
+            <a:endParaRPr lang="ru-RU" dirty="0"/>
+          </a:p>
+        </p:txBody>
+      </p:sp>
+      <p:sp>
+        <p:nvSpPr>
+          <p:cNvPr id="8" name="Прямоугольник 7"/>
+          <p:cNvSpPr/>
+          <p:nvPr/>
+        </p:nvSpPr>
+        <p:spPr>
+          <a:xfrm>
+            <a:off x="4640777" y="1417556"/>
+            <a:ext cx="1809997" cy="1187533"/>
+          </a:xfrm>
+          <a:prstGeom prst="rect">
+            <a:avLst/>
+          </a:prstGeom>
+        </p:spPr>
+        <p:style>
+          <a:lnRef idx="2">
+            <a:schemeClr val="accent1">
+              <a:shade val="50000"/>
+            </a:schemeClr>
+          </a:lnRef>
+          <a:fillRef idx="1">
+            <a:schemeClr val="accent1"/>
+          </a:fillRef>
+          <a:effectRef idx="0">
+            <a:schemeClr val="accent1"/>
+          </a:effectRef>
+          <a:fontRef idx="minor">
+            <a:schemeClr val="lt1"/>
+          </a:fontRef>
+        </p:style>
+        <p:txBody>
+          <a:bodyPr rtlCol="0" anchor="ctr"/>
+          <a:lstStyle/>
+          <a:p>
+            <a:pPr algn="ctr"/>
+            <a:r>
+              <a:rPr lang="ru-RU" dirty="0" smtClean="0"/>
+              <a:t>Задача</a:t>
+            </a:r>
+            <a:endParaRPr lang="ru-RU" dirty="0"/>
+          </a:p>
+        </p:txBody>
+      </p:sp>
+      <p:sp>
+        <p:nvSpPr>
+          <p:cNvPr id="9" name="Облако 8"/>
+          <p:cNvSpPr/>
+          <p:nvPr/>
+        </p:nvSpPr>
+        <p:spPr>
+          <a:xfrm>
+            <a:off x="4037611" y="3932279"/>
+            <a:ext cx="3253839" cy="2149433"/>
+          </a:xfrm>
+          <a:prstGeom prst="cloud">
+            <a:avLst/>
+          </a:prstGeom>
+        </p:spPr>
+        <p:style>
+          <a:lnRef idx="2">
+            <a:schemeClr val="accent1">
+              <a:shade val="50000"/>
+            </a:schemeClr>
+          </a:lnRef>
+          <a:fillRef idx="1">
+            <a:schemeClr val="accent1"/>
+          </a:fillRef>
+          <a:effectRef idx="0">
+            <a:schemeClr val="accent1"/>
+          </a:effectRef>
+          <a:fontRef idx="minor">
+            <a:schemeClr val="lt1"/>
+          </a:fontRef>
+        </p:style>
+        <p:txBody>
+          <a:bodyPr rtlCol="0" anchor="ctr"/>
+          <a:lstStyle/>
+          <a:p>
+            <a:pPr algn="ctr"/>
+            <a:r>
+              <a:rPr lang="ru-RU" dirty="0" smtClean="0"/>
+              <a:t>Решение</a:t>
+            </a:r>
+            <a:endParaRPr lang="ru-RU" dirty="0"/>
+          </a:p>
+        </p:txBody>
+      </p:sp>
+      <p:sp>
+        <p:nvSpPr>
+          <p:cNvPr id="10" name="Стрелка вправо 9"/>
+          <p:cNvSpPr/>
+          <p:nvPr/>
+        </p:nvSpPr>
+        <p:spPr>
+          <a:xfrm>
+            <a:off x="2476005" y="4686360"/>
+            <a:ext cx="1246909" cy="641267"/>
+          </a:xfrm>
+          <a:prstGeom prst="rightArrow">
+            <a:avLst/>
+          </a:prstGeom>
+        </p:spPr>
+        <p:style>
+          <a:lnRef idx="2">
+            <a:schemeClr val="accent1"/>
+          </a:lnRef>
+          <a:fillRef idx="1">
+            <a:schemeClr val="lt1"/>
+          </a:fillRef>
+          <a:effectRef idx="0">
+            <a:schemeClr val="accent1"/>
+          </a:effectRef>
+          <a:fontRef idx="minor">
+            <a:schemeClr val="dk1"/>
+          </a:fontRef>
+        </p:style>
+        <p:txBody>
+          <a:bodyPr rtlCol="0" anchor="ctr"/>
+          <a:lstStyle/>
+          <a:p>
+            <a:pPr algn="ctr"/>
+            <a:endParaRPr lang="ru-RU"/>
+          </a:p>
+        </p:txBody>
+      </p:sp>
+      <p:sp>
+        <p:nvSpPr>
+          <p:cNvPr id="11" name="Стрелка вниз 10"/>
+          <p:cNvSpPr/>
+          <p:nvPr/>
+        </p:nvSpPr>
+        <p:spPr>
+          <a:xfrm>
+            <a:off x="5248892" y="2915392"/>
+            <a:ext cx="593766" cy="866899"/>
+          </a:xfrm>
+          <a:prstGeom prst="downArrow">
+            <a:avLst/>
+          </a:prstGeom>
+        </p:spPr>
+        <p:style>
+          <a:lnRef idx="2">
+            <a:schemeClr val="accent1"/>
+          </a:lnRef>
+          <a:fillRef idx="1">
+            <a:schemeClr val="lt1"/>
+          </a:fillRef>
+          <a:effectRef idx="0">
+            <a:schemeClr val="accent1"/>
+          </a:effectRef>
+          <a:fontRef idx="minor">
+            <a:schemeClr val="dk1"/>
+          </a:fontRef>
+        </p:style>
+        <p:txBody>
+          <a:bodyPr rtlCol="0" anchor="ctr"/>
+          <a:lstStyle/>
+          <a:p>
+            <a:pPr algn="ctr"/>
+            <a:endParaRPr lang="ru-RU"/>
+          </a:p>
+        </p:txBody>
+      </p:sp>
+      <p:sp>
+        <p:nvSpPr>
+          <p:cNvPr id="12" name="Штриховая стрелка вправо 11"/>
+          <p:cNvSpPr/>
+          <p:nvPr/>
+        </p:nvSpPr>
+        <p:spPr>
+          <a:xfrm rot="16200000">
+            <a:off x="9983299" y="3971194"/>
+            <a:ext cx="2750685" cy="508444"/>
+          </a:xfrm>
+          <a:prstGeom prst="stripedRightArrow">
+            <a:avLst/>
+          </a:prstGeom>
+        </p:spPr>
+        <p:style>
+          <a:lnRef idx="2">
+            <a:schemeClr val="accent6">
+              <a:shade val="50000"/>
+            </a:schemeClr>
+          </a:lnRef>
+          <a:fillRef idx="1">
+            <a:schemeClr val="accent6"/>
+          </a:fillRef>
+          <a:effectRef idx="0">
+            <a:schemeClr val="accent6"/>
+          </a:effectRef>
+          <a:fontRef idx="minor">
+            <a:schemeClr val="lt1"/>
+          </a:fontRef>
+        </p:style>
+        <p:txBody>
+          <a:bodyPr rtlCol="0" anchor="ctr"/>
+          <a:lstStyle/>
+          <a:p>
+            <a:pPr algn="ctr"/>
+            <a:endParaRPr lang="ru-RU"/>
+          </a:p>
+        </p:txBody>
+      </p:sp>
+      <p:sp>
+        <p:nvSpPr>
+          <p:cNvPr id="16" name="Стрелка вправо с вырезом 15"/>
+          <p:cNvSpPr/>
+          <p:nvPr/>
+        </p:nvSpPr>
+        <p:spPr>
+          <a:xfrm>
+            <a:off x="7666620" y="4642050"/>
+            <a:ext cx="973777" cy="729886"/>
+          </a:xfrm>
+          <a:prstGeom prst="notchedRightArrow">
+            <a:avLst/>
+          </a:prstGeom>
+        </p:spPr>
+        <p:style>
+          <a:lnRef idx="2">
+            <a:schemeClr val="accent1"/>
+          </a:lnRef>
+          <a:fillRef idx="1">
+            <a:schemeClr val="lt1"/>
+          </a:fillRef>
+          <a:effectRef idx="0">
+            <a:schemeClr val="accent1"/>
+          </a:effectRef>
+          <a:fontRef idx="minor">
+            <a:schemeClr val="dk1"/>
+          </a:fontRef>
+        </p:style>
+        <p:txBody>
+          <a:bodyPr rtlCol="0" anchor="ctr"/>
+          <a:lstStyle/>
+          <a:p>
+            <a:pPr algn="ctr"/>
+            <a:endParaRPr lang="ru-RU"/>
           </a:p>
         </p:txBody>
       </p:sp>
     </p:spTree>
     <p:extLst>
       <p:ext uri="{BB962C8B-B14F-4D97-AF65-F5344CB8AC3E}">
-        <p14:creationId xmlns:p14="http://schemas.microsoft.com/office/powerpoint/2010/main" val="2191572720"/>
+        <p14:creationId xmlns:p14="http://schemas.microsoft.com/office/powerpoint/2010/main" val="948541331"/>
       </p:ext>
     </p:extLst>
   </p:cSld>
   <p:clrMapOvr>
     <a:masterClrMapping/>
   </p:clrMapOvr>
+  <p:timing>
+    <p:tnLst>
+      <p:par>
+        <p:cTn id="1" dur="indefinite" restart="never" nodeType="tmRoot"/>
+      </p:par>
+    </p:tnLst>
+  </p:timing>
 </p:sld>
 </file>
 
@@ -6961,64 +12118,46 @@
             </a:pPr>
             <a:r>
               <a:rPr lang="ru-RU" dirty="0" smtClean="0"/>
-              <a:t>Параметры модели:</a:t>
-            </a:r>
-          </a:p>
-          <a:p>
-            <a:pPr marL="0" indent="0">
-              <a:buNone/>
-            </a:pPr>
-            <a:r>
-              <a:rPr lang="ru-RU" dirty="0" smtClean="0"/>
-              <a:t>Величины, описывающие устройство и работу модели, вычисляются в процессе обучения.</a:t>
-            </a:r>
-            <a:endParaRPr lang="ru-RU" dirty="0" smtClean="0"/>
-          </a:p>
-          <a:p>
-            <a:pPr marL="0" indent="0">
-              <a:buNone/>
-            </a:pPr>
-            <a:endParaRPr lang="ru-RU" dirty="0"/>
-          </a:p>
-          <a:p>
-            <a:pPr marL="0" indent="0">
-              <a:buNone/>
-            </a:pPr>
-            <a:r>
-              <a:rPr lang="ru-RU" dirty="0" err="1" smtClean="0"/>
-              <a:t>Гиперпараметры</a:t>
-            </a:r>
-            <a:r>
-              <a:rPr lang="ru-RU" dirty="0" smtClean="0"/>
-              <a:t> модели</a:t>
-            </a:r>
-            <a:r>
-              <a:rPr lang="ru-RU" dirty="0" smtClean="0"/>
-              <a:t>:</a:t>
-            </a:r>
-          </a:p>
-          <a:p>
-            <a:pPr marL="0" indent="0">
-              <a:buNone/>
-            </a:pPr>
-            <a:r>
-              <a:rPr lang="ru-RU" dirty="0" smtClean="0"/>
-              <a:t>Величины, описывающие устройство и работу алгоритма построения модели, задаются до начала обучения.</a:t>
-            </a:r>
-            <a:endParaRPr lang="ru-RU" dirty="0"/>
+              <a:t>Основные определения:</a:t>
+            </a:r>
+          </a:p>
+          <a:p>
+            <a:r>
+              <a:rPr lang="ru-RU" dirty="0" smtClean="0"/>
+              <a:t>Данные – оцифрованная информация, которая может содержать ошибки, пустые значения и т.п. </a:t>
+            </a:r>
+          </a:p>
+          <a:p>
+            <a:r>
+              <a:rPr lang="ru-RU" dirty="0" smtClean="0"/>
+              <a:t>(Математическая) модель – математически сформулированная зависимость между частями данных.</a:t>
+            </a:r>
+          </a:p>
+          <a:p>
+            <a:r>
+              <a:rPr lang="ru-RU" dirty="0" smtClean="0"/>
+              <a:t>Алгоритм – последовательность действий, позволяющая на основании данных строить модели определенного типа.</a:t>
+            </a:r>
           </a:p>
         </p:txBody>
       </p:sp>
     </p:spTree>
     <p:extLst>
       <p:ext uri="{BB962C8B-B14F-4D97-AF65-F5344CB8AC3E}">
-        <p14:creationId xmlns:p14="http://schemas.microsoft.com/office/powerpoint/2010/main" val="1846912744"/>
+        <p14:creationId xmlns:p14="http://schemas.microsoft.com/office/powerpoint/2010/main" val="2191572720"/>
       </p:ext>
     </p:extLst>
   </p:cSld>
   <p:clrMapOvr>
     <a:masterClrMapping/>
   </p:clrMapOvr>
+  <p:timing>
+    <p:tnLst>
+      <p:par>
+        <p:cTn id="1" dur="indefinite" restart="never" nodeType="tmRoot"/>
+      </p:par>
+    </p:tnLst>
+  </p:timing>
 </p:sld>
 </file>
 
